--- a/Suplogo.pptx
+++ b/Suplogo.pptx
@@ -15,7 +15,7 @@
     <p:sldId id="261" r:id="rId6"/>
     <p:sldId id="262" r:id="rId7"/>
     <p:sldId id="258" r:id="rId8"/>
-    <p:sldId id="266" r:id="rId9"/>
+    <p:sldId id="267" r:id="rId9"/>
     <p:sldId id="265" r:id="rId10"/>
   </p:sldIdLst>
   <p:sldSz cx="12192000" cy="6858000"/>
@@ -1263,7 +1263,7 @@
     </p:spTree>
     <p:extLst>
       <p:ext uri="{BB962C8B-B14F-4D97-AF65-F5344CB8AC3E}">
-        <p14:creationId xmlns:p14="http://schemas.microsoft.com/office/powerpoint/2010/main" val="2144399181"/>
+        <p14:creationId xmlns:p14="http://schemas.microsoft.com/office/powerpoint/2010/main" val="3343561319"/>
       </p:ext>
     </p:extLst>
   </p:cSld>
@@ -6815,7 +6815,7 @@
         </p:nvGraphicFramePr>
         <p:xfrm>
           <a:off x="2011575" y="1084081"/>
-          <a:ext cx="8128000" cy="4937760"/>
+          <a:ext cx="8128000" cy="5405120"/>
         </p:xfrm>
         <a:graphic>
           <a:graphicData uri="http://schemas.openxmlformats.org/drawingml/2006/table">
@@ -6827,14 +6827,14 @@
                 <a:gridCol w="4064000">
                   <a:extLst>
                     <a:ext uri="{9D8B030D-6E8A-4147-A177-3AD203B41FA5}">
-                      <a16:colId xmlns:a16="http://schemas.microsoft.com/office/drawing/2014/main" val="20000"/>
+                      <a16:colId xmlns:a16="http://schemas.microsoft.com/office/drawing/2014/main" xmlns="" val="20000"/>
                     </a:ext>
                   </a:extLst>
                 </a:gridCol>
                 <a:gridCol w="4064000">
                   <a:extLst>
                     <a:ext uri="{9D8B030D-6E8A-4147-A177-3AD203B41FA5}">
-                      <a16:colId xmlns:a16="http://schemas.microsoft.com/office/drawing/2014/main" val="20001"/>
+                      <a16:colId xmlns:a16="http://schemas.microsoft.com/office/drawing/2014/main" xmlns="" val="20001"/>
                     </a:ext>
                   </a:extLst>
                 </a:gridCol>
@@ -6980,7 +6980,7 @@
                 </a:tc>
                 <a:extLst>
                   <a:ext uri="{0D108BD9-81ED-4DB2-BD59-A6C34878D82A}">
-                    <a16:rowId xmlns:a16="http://schemas.microsoft.com/office/drawing/2014/main" val="10000"/>
+                    <a16:rowId xmlns:a16="http://schemas.microsoft.com/office/drawing/2014/main" xmlns="" val="10000"/>
                   </a:ext>
                 </a:extLst>
               </a:tr>
@@ -7121,7 +7121,7 @@
                 </a:tc>
                 <a:extLst>
                   <a:ext uri="{0D108BD9-81ED-4DB2-BD59-A6C34878D82A}">
-                    <a16:rowId xmlns:a16="http://schemas.microsoft.com/office/drawing/2014/main" val="10001"/>
+                    <a16:rowId xmlns:a16="http://schemas.microsoft.com/office/drawing/2014/main" xmlns="" val="10001"/>
                   </a:ext>
                 </a:extLst>
               </a:tr>
@@ -7268,7 +7268,7 @@
                 </a:tc>
                 <a:extLst>
                   <a:ext uri="{0D108BD9-81ED-4DB2-BD59-A6C34878D82A}">
-                    <a16:rowId xmlns:a16="http://schemas.microsoft.com/office/drawing/2014/main" val="10002"/>
+                    <a16:rowId xmlns:a16="http://schemas.microsoft.com/office/drawing/2014/main" xmlns="" val="10002"/>
                   </a:ext>
                 </a:extLst>
               </a:tr>
@@ -7409,7 +7409,7 @@
                 </a:tc>
                 <a:extLst>
                   <a:ext uri="{0D108BD9-81ED-4DB2-BD59-A6C34878D82A}">
-                    <a16:rowId xmlns:a16="http://schemas.microsoft.com/office/drawing/2014/main" val="10003"/>
+                    <a16:rowId xmlns:a16="http://schemas.microsoft.com/office/drawing/2014/main" xmlns="" val="10003"/>
                   </a:ext>
                 </a:extLst>
               </a:tr>
@@ -7550,7 +7550,7 @@
                 </a:tc>
                 <a:extLst>
                   <a:ext uri="{0D108BD9-81ED-4DB2-BD59-A6C34878D82A}">
-                    <a16:rowId xmlns:a16="http://schemas.microsoft.com/office/drawing/2014/main" val="10004"/>
+                    <a16:rowId xmlns:a16="http://schemas.microsoft.com/office/drawing/2014/main" xmlns="" val="10004"/>
                   </a:ext>
                 </a:extLst>
               </a:tr>
@@ -7697,7 +7697,7 @@
                 </a:tc>
                 <a:extLst>
                   <a:ext uri="{0D108BD9-81ED-4DB2-BD59-A6C34878D82A}">
-                    <a16:rowId xmlns:a16="http://schemas.microsoft.com/office/drawing/2014/main" val="10005"/>
+                    <a16:rowId xmlns:a16="http://schemas.microsoft.com/office/drawing/2014/main" xmlns="" val="10005"/>
                   </a:ext>
                 </a:extLst>
               </a:tr>
@@ -7814,7 +7814,7 @@
                 </a:tc>
                 <a:extLst>
                   <a:ext uri="{0D108BD9-81ED-4DB2-BD59-A6C34878D82A}">
-                    <a16:rowId xmlns:a16="http://schemas.microsoft.com/office/drawing/2014/main" val="10006"/>
+                    <a16:rowId xmlns:a16="http://schemas.microsoft.com/office/drawing/2014/main" xmlns="" val="10006"/>
                   </a:ext>
                 </a:extLst>
               </a:tr>
@@ -7931,7 +7931,7 @@
                 </a:tc>
                 <a:extLst>
                   <a:ext uri="{0D108BD9-81ED-4DB2-BD59-A6C34878D82A}">
-                    <a16:rowId xmlns:a16="http://schemas.microsoft.com/office/drawing/2014/main" val="10007"/>
+                    <a16:rowId xmlns:a16="http://schemas.microsoft.com/office/drawing/2014/main" xmlns="" val="10007"/>
                   </a:ext>
                 </a:extLst>
               </a:tr>
@@ -8048,7 +8048,7 @@
                 </a:tc>
                 <a:extLst>
                   <a:ext uri="{0D108BD9-81ED-4DB2-BD59-A6C34878D82A}">
-                    <a16:rowId xmlns:a16="http://schemas.microsoft.com/office/drawing/2014/main" val="10008"/>
+                    <a16:rowId xmlns:a16="http://schemas.microsoft.com/office/drawing/2014/main" xmlns="" val="10008"/>
                   </a:ext>
                 </a:extLst>
               </a:tr>
@@ -8165,7 +8165,7 @@
                 </a:tc>
                 <a:extLst>
                   <a:ext uri="{0D108BD9-81ED-4DB2-BD59-A6C34878D82A}">
-                    <a16:rowId xmlns:a16="http://schemas.microsoft.com/office/drawing/2014/main" val="10009"/>
+                    <a16:rowId xmlns:a16="http://schemas.microsoft.com/office/drawing/2014/main" xmlns="" val="10009"/>
                   </a:ext>
                 </a:extLst>
               </a:tr>
@@ -8282,7 +8282,7 @@
                 </a:tc>
                 <a:extLst>
                   <a:ext uri="{0D108BD9-81ED-4DB2-BD59-A6C34878D82A}">
-                    <a16:rowId xmlns:a16="http://schemas.microsoft.com/office/drawing/2014/main" val="10010"/>
+                    <a16:rowId xmlns:a16="http://schemas.microsoft.com/office/drawing/2014/main" xmlns="" val="10010"/>
                   </a:ext>
                 </a:extLst>
               </a:tr>
@@ -8453,7 +8453,7 @@
                 </a:tc>
                 <a:extLst>
                   <a:ext uri="{0D108BD9-81ED-4DB2-BD59-A6C34878D82A}">
-                    <a16:rowId xmlns:a16="http://schemas.microsoft.com/office/drawing/2014/main" val="10011"/>
+                    <a16:rowId xmlns:a16="http://schemas.microsoft.com/office/drawing/2014/main" xmlns="" val="10011"/>
                   </a:ext>
                 </a:extLst>
               </a:tr>
@@ -8570,7 +8570,7 @@
                 </a:tc>
                 <a:extLst>
                   <a:ext uri="{0D108BD9-81ED-4DB2-BD59-A6C34878D82A}">
-                    <a16:rowId xmlns:a16="http://schemas.microsoft.com/office/drawing/2014/main" val="10012"/>
+                    <a16:rowId xmlns:a16="http://schemas.microsoft.com/office/drawing/2014/main" xmlns="" val="10012"/>
                   </a:ext>
                 </a:extLst>
               </a:tr>
@@ -9589,6 +9589,13 @@
   <p:clrMapOvr>
     <a:masterClrMapping/>
   </p:clrMapOvr>
+  <p:timing>
+    <p:tnLst>
+      <p:par>
+        <p:cTn id="1" dur="indefinite" restart="never" nodeType="tmRoot"/>
+      </p:par>
+    </p:tnLst>
+  </p:timing>
 </p:sld>
 </file>
 
@@ -9672,7 +9679,7 @@
         </p:nvSpPr>
         <p:spPr>
           <a:xfrm>
-            <a:off x="1175208" y="207389"/>
+            <a:off x="1277899" y="256935"/>
             <a:ext cx="9144000" cy="1548875"/>
           </a:xfrm>
           <a:prstGeom prst="rect">
@@ -9870,1076 +9877,6 @@
           </a:p>
         </p:txBody>
       </p:sp>
-      <p:sp>
-        <p:nvSpPr>
-          <p:cNvPr id="5" name="Rectangle à coins arrondis 4"/>
-          <p:cNvSpPr/>
-          <p:nvPr/>
-        </p:nvSpPr>
-        <p:spPr>
-          <a:xfrm>
-            <a:off x="194441" y="1084081"/>
-            <a:ext cx="11828946" cy="5559909"/>
-          </a:xfrm>
-          <a:prstGeom prst="roundRect">
-            <a:avLst>
-              <a:gd name="adj" fmla="val 699"/>
-            </a:avLst>
-          </a:prstGeom>
-          <a:solidFill>
-            <a:schemeClr val="bg1"/>
-          </a:solidFill>
-          <a:ln>
-            <a:noFill/>
-          </a:ln>
-          <a:effectLst>
-            <a:outerShdw blurRad="50800" dist="12700" dir="5400000" algn="t" rotWithShape="0">
-              <a:prstClr val="black">
-                <a:alpha val="40000"/>
-              </a:prstClr>
-            </a:outerShdw>
-          </a:effectLst>
-        </p:spPr>
-        <p:style>
-          <a:lnRef idx="2">
-            <a:schemeClr val="accent1">
-              <a:shade val="50000"/>
-            </a:schemeClr>
-          </a:lnRef>
-          <a:fillRef idx="1">
-            <a:schemeClr val="accent1"/>
-          </a:fillRef>
-          <a:effectRef idx="0">
-            <a:schemeClr val="accent1"/>
-          </a:effectRef>
-          <a:fontRef idx="minor">
-            <a:schemeClr val="lt1"/>
-          </a:fontRef>
-        </p:style>
-        <p:txBody>
-          <a:bodyPr rtlCol="0" anchor="ctr"/>
-          <a:lstStyle/>
-          <a:p>
-            <a:pPr algn="ctr"/>
-            <a:endParaRPr lang="fr-FR"/>
-          </a:p>
-        </p:txBody>
-      </p:sp>
-      <p:graphicFrame>
-        <p:nvGraphicFramePr>
-          <p:cNvPr id="2" name="Tableau 1"/>
-          <p:cNvGraphicFramePr>
-            <a:graphicFrameLocks noGrp="1"/>
-          </p:cNvGraphicFramePr>
-          <p:nvPr>
-            <p:extLst>
-              <p:ext uri="{D42A27DB-BD31-4B8C-83A1-F6EECF244321}">
-                <p14:modId xmlns:p14="http://schemas.microsoft.com/office/powerpoint/2010/main" val="4033296364"/>
-              </p:ext>
-            </p:extLst>
-          </p:nvPr>
-        </p:nvGraphicFramePr>
-        <p:xfrm>
-          <a:off x="2044914" y="1458655"/>
-          <a:ext cx="8128000" cy="4307840"/>
-        </p:xfrm>
-        <a:graphic>
-          <a:graphicData uri="http://schemas.openxmlformats.org/drawingml/2006/table">
-            <a:tbl>
-              <a:tblPr firstRow="1" lastRow="1" bandRow="1">
-                <a:effectLst>
-                  <a:outerShdw blurRad="50800" dist="38100" dir="5400000" algn="t" rotWithShape="0">
-                    <a:prstClr val="black">
-                      <a:alpha val="40000"/>
-                    </a:prstClr>
-                  </a:outerShdw>
-                </a:effectLst>
-                <a:tableStyleId>{073A0DAA-6AF3-43AB-8588-CEC1D06C72B9}</a:tableStyleId>
-              </a:tblPr>
-              <a:tblGrid>
-                <a:gridCol w="6204564">
-                  <a:extLst>
-                    <a:ext uri="{9D8B030D-6E8A-4147-A177-3AD203B41FA5}">
-                      <a16:colId xmlns:a16="http://schemas.microsoft.com/office/drawing/2014/main" val="1734895218"/>
-                    </a:ext>
-                  </a:extLst>
-                </a:gridCol>
-                <a:gridCol w="1923436">
-                  <a:extLst>
-                    <a:ext uri="{9D8B030D-6E8A-4147-A177-3AD203B41FA5}">
-                      <a16:colId xmlns:a16="http://schemas.microsoft.com/office/drawing/2014/main" val="2529677039"/>
-                    </a:ext>
-                  </a:extLst>
-                </a:gridCol>
-              </a:tblGrid>
-              <a:tr h="0">
-                <a:tc>
-                  <a:txBody>
-                    <a:bodyPr/>
-                    <a:lstStyle/>
-                    <a:p>
-                      <a:r>
-                        <a:rPr lang="fr-FR" sz="1800" b="0" dirty="0">
-                          <a:latin typeface="Exo 2.0" panose="00000500000000000000" pitchFamily="50" charset="0"/>
-                        </a:rPr>
-                        <a:t>Module</a:t>
-                      </a:r>
-                      <a:endParaRPr lang="fr-FR" sz="1800" b="0" dirty="0">
-                        <a:solidFill>
-                          <a:schemeClr val="bg1"/>
-                        </a:solidFill>
-                        <a:latin typeface="Exo 2.0" panose="00000500000000000000" pitchFamily="50" charset="0"/>
-                      </a:endParaRPr>
-                    </a:p>
-                  </a:txBody>
-                  <a:tcPr>
-                    <a:lnL w="12700" cap="flat" cmpd="sng" algn="ctr">
-                      <a:noFill/>
-                      <a:prstDash val="solid"/>
-                      <a:round/>
-                      <a:headEnd type="none" w="med" len="med"/>
-                      <a:tailEnd type="none" w="med" len="med"/>
-                    </a:lnL>
-                    <a:lnT w="12700" cap="flat" cmpd="sng" algn="ctr">
-                      <a:noFill/>
-                      <a:prstDash val="solid"/>
-                      <a:round/>
-                      <a:headEnd type="none" w="med" len="med"/>
-                      <a:tailEnd type="none" w="med" len="med"/>
-                    </a:lnT>
-                    <a:solidFill>
-                      <a:srgbClr val="11AABB"/>
-                    </a:solidFill>
-                  </a:tcPr>
-                </a:tc>
-                <a:tc>
-                  <a:txBody>
-                    <a:bodyPr/>
-                    <a:lstStyle/>
-                    <a:p>
-                      <a:pPr algn="r"/>
-                      <a:r>
-                        <a:rPr lang="fr-FR" b="0" dirty="0">
-                          <a:latin typeface="Exo 2.0" panose="00000500000000000000" pitchFamily="50" charset="0"/>
-                        </a:rPr>
-                        <a:t>Coût</a:t>
-                      </a:r>
-                    </a:p>
-                  </a:txBody>
-                  <a:tcPr>
-                    <a:lnR w="12700" cap="flat" cmpd="sng" algn="ctr">
-                      <a:noFill/>
-                      <a:prstDash val="solid"/>
-                      <a:round/>
-                      <a:headEnd type="none" w="med" len="med"/>
-                      <a:tailEnd type="none" w="med" len="med"/>
-                    </a:lnR>
-                    <a:lnT w="12700" cap="flat" cmpd="sng" algn="ctr">
-                      <a:noFill/>
-                      <a:prstDash val="solid"/>
-                      <a:round/>
-                      <a:headEnd type="none" w="med" len="med"/>
-                      <a:tailEnd type="none" w="med" len="med"/>
-                    </a:lnT>
-                    <a:solidFill>
-                      <a:srgbClr val="11AABB"/>
-                    </a:solidFill>
-                  </a:tcPr>
-                </a:tc>
-                <a:extLst>
-                  <a:ext uri="{0D108BD9-81ED-4DB2-BD59-A6C34878D82A}">
-                    <a16:rowId xmlns:a16="http://schemas.microsoft.com/office/drawing/2014/main" val="744536208"/>
-                  </a:ext>
-                </a:extLst>
-              </a:tr>
-              <a:tr h="370840">
-                <a:tc>
-                  <a:txBody>
-                    <a:bodyPr/>
-                    <a:lstStyle/>
-                    <a:p>
-                      <a:r>
-                        <a:rPr lang="fr-FR" b="0" dirty="0">
-                          <a:solidFill>
-                            <a:schemeClr val="tx1">
-                              <a:lumMod val="65000"/>
-                              <a:lumOff val="35000"/>
-                            </a:schemeClr>
-                          </a:solidFill>
-                          <a:latin typeface="Exo 2.0" panose="00000500000000000000" pitchFamily="50" charset="0"/>
-                        </a:rPr>
-                        <a:t>Lecture</a:t>
-                      </a:r>
-                      <a:r>
-                        <a:rPr lang="fr-FR" b="0" baseline="0" dirty="0">
-                          <a:solidFill>
-                            <a:schemeClr val="tx1">
-                              <a:lumMod val="65000"/>
-                              <a:lumOff val="35000"/>
-                            </a:schemeClr>
-                          </a:solidFill>
-                          <a:latin typeface="Exo 2.0" panose="00000500000000000000" pitchFamily="50" charset="0"/>
-                        </a:rPr>
-                        <a:t> de script</a:t>
-                      </a:r>
-                      <a:endParaRPr lang="fr-FR" b="0" dirty="0">
-                        <a:solidFill>
-                          <a:schemeClr val="tx1">
-                            <a:lumMod val="65000"/>
-                            <a:lumOff val="35000"/>
-                          </a:schemeClr>
-                        </a:solidFill>
-                        <a:latin typeface="Exo 2.0" panose="00000500000000000000" pitchFamily="50" charset="0"/>
-                      </a:endParaRPr>
-                    </a:p>
-                  </a:txBody>
-                  <a:tcPr>
-                    <a:lnL w="12700" cap="flat" cmpd="sng" algn="ctr">
-                      <a:noFill/>
-                      <a:prstDash val="solid"/>
-                      <a:round/>
-                      <a:headEnd type="none" w="med" len="med"/>
-                      <a:tailEnd type="none" w="med" len="med"/>
-                    </a:lnL>
-                    <a:solidFill>
-                      <a:schemeClr val="bg1"/>
-                    </a:solidFill>
-                  </a:tcPr>
-                </a:tc>
-                <a:tc>
-                  <a:txBody>
-                    <a:bodyPr/>
-                    <a:lstStyle/>
-                    <a:p>
-                      <a:pPr algn="r"/>
-                      <a:r>
-                        <a:rPr lang="fr-FR" b="0" dirty="0">
-                          <a:solidFill>
-                            <a:schemeClr val="tx1">
-                              <a:lumMod val="65000"/>
-                              <a:lumOff val="35000"/>
-                            </a:schemeClr>
-                          </a:solidFill>
-                          <a:latin typeface="Exo 2.0" panose="00000500000000000000" pitchFamily="50" charset="0"/>
-                        </a:rPr>
-                        <a:t>200€</a:t>
-                      </a:r>
-                    </a:p>
-                  </a:txBody>
-                  <a:tcPr>
-                    <a:lnR w="12700" cap="flat" cmpd="sng" algn="ctr">
-                      <a:noFill/>
-                      <a:prstDash val="solid"/>
-                      <a:round/>
-                      <a:headEnd type="none" w="med" len="med"/>
-                      <a:tailEnd type="none" w="med" len="med"/>
-                    </a:lnR>
-                    <a:solidFill>
-                      <a:schemeClr val="bg1">
-                        <a:lumMod val="95000"/>
-                      </a:schemeClr>
-                    </a:solidFill>
-                  </a:tcPr>
-                </a:tc>
-                <a:extLst>
-                  <a:ext uri="{0D108BD9-81ED-4DB2-BD59-A6C34878D82A}">
-                    <a16:rowId xmlns:a16="http://schemas.microsoft.com/office/drawing/2014/main" val="2523755799"/>
-                  </a:ext>
-                </a:extLst>
-              </a:tr>
-              <a:tr h="370840">
-                <a:tc>
-                  <a:txBody>
-                    <a:bodyPr/>
-                    <a:lstStyle/>
-                    <a:p>
-                      <a:pPr marL="0" marR="0" lvl="0" indent="0" algn="l" defTabSz="914400" rtl="0" eaLnBrk="1" fontAlgn="auto" latinLnBrk="0" hangingPunct="1">
-                        <a:lnSpc>
-                          <a:spcPct val="100000"/>
-                        </a:lnSpc>
-                        <a:spcBef>
-                          <a:spcPts val="0"/>
-                        </a:spcBef>
-                        <a:spcAft>
-                          <a:spcPts val="0"/>
-                        </a:spcAft>
-                        <a:buClrTx/>
-                        <a:buSzTx/>
-                        <a:buFontTx/>
-                        <a:buNone/>
-                        <a:tabLst/>
-                        <a:defRPr/>
-                      </a:pPr>
-                      <a:endParaRPr lang="fr-FR" b="0" dirty="0">
-                        <a:solidFill>
-                          <a:schemeClr val="tx1">
-                            <a:lumMod val="65000"/>
-                            <a:lumOff val="35000"/>
-                          </a:schemeClr>
-                        </a:solidFill>
-                        <a:latin typeface="Exo 2.0" panose="00000500000000000000" pitchFamily="50" charset="0"/>
-                      </a:endParaRPr>
-                    </a:p>
-                    <a:p>
-                      <a:pPr marL="0" marR="0" lvl="0" indent="0" algn="l" defTabSz="914400" rtl="0" eaLnBrk="1" fontAlgn="auto" latinLnBrk="0" hangingPunct="1">
-                        <a:lnSpc>
-                          <a:spcPct val="100000"/>
-                        </a:lnSpc>
-                        <a:spcBef>
-                          <a:spcPts val="0"/>
-                        </a:spcBef>
-                        <a:spcAft>
-                          <a:spcPts val="0"/>
-                        </a:spcAft>
-                        <a:buClrTx/>
-                        <a:buSzTx/>
-                        <a:buFontTx/>
-                        <a:buNone/>
-                        <a:tabLst/>
-                        <a:defRPr/>
-                      </a:pPr>
-                      <a:r>
-                        <a:rPr lang="fr-FR" b="0" dirty="0">
-                          <a:solidFill>
-                            <a:schemeClr val="tx1">
-                              <a:lumMod val="65000"/>
-                              <a:lumOff val="35000"/>
-                            </a:schemeClr>
-                          </a:solidFill>
-                          <a:latin typeface="Exo 2.0" panose="00000500000000000000" pitchFamily="50" charset="0"/>
-                        </a:rPr>
-                        <a:t>Mode 3D</a:t>
-                      </a:r>
-                    </a:p>
-                  </a:txBody>
-                  <a:tcPr>
-                    <a:lnL w="12700" cap="flat" cmpd="sng" algn="ctr">
-                      <a:noFill/>
-                      <a:prstDash val="solid"/>
-                      <a:round/>
-                      <a:headEnd type="none" w="med" len="med"/>
-                      <a:tailEnd type="none" w="med" len="med"/>
-                    </a:lnL>
-                    <a:solidFill>
-                      <a:schemeClr val="bg1"/>
-                    </a:solidFill>
-                  </a:tcPr>
-                </a:tc>
-                <a:tc>
-                  <a:txBody>
-                    <a:bodyPr/>
-                    <a:lstStyle/>
-                    <a:p>
-                      <a:pPr algn="r"/>
-                      <a:endParaRPr lang="fr-FR" b="0" dirty="0">
-                        <a:solidFill>
-                          <a:schemeClr val="tx1">
-                            <a:lumMod val="65000"/>
-                            <a:lumOff val="35000"/>
-                          </a:schemeClr>
-                        </a:solidFill>
-                        <a:latin typeface="Exo 2.0" panose="00000500000000000000" pitchFamily="50" charset="0"/>
-                      </a:endParaRPr>
-                    </a:p>
-                    <a:p>
-                      <a:pPr algn="r"/>
-                      <a:r>
-                        <a:rPr lang="fr-FR" b="0" dirty="0">
-                          <a:solidFill>
-                            <a:schemeClr val="tx1">
-                              <a:lumMod val="65000"/>
-                              <a:lumOff val="35000"/>
-                            </a:schemeClr>
-                          </a:solidFill>
-                          <a:latin typeface="Exo 2.0" panose="00000500000000000000" pitchFamily="50" charset="0"/>
-                        </a:rPr>
-                        <a:t>7000€</a:t>
-                      </a:r>
-                    </a:p>
-                  </a:txBody>
-                  <a:tcPr>
-                    <a:lnR w="12700" cap="flat" cmpd="sng" algn="ctr">
-                      <a:noFill/>
-                      <a:prstDash val="solid"/>
-                      <a:round/>
-                      <a:headEnd type="none" w="med" len="med"/>
-                      <a:tailEnd type="none" w="med" len="med"/>
-                    </a:lnR>
-                    <a:solidFill>
-                      <a:schemeClr val="bg1">
-                        <a:lumMod val="95000"/>
-                      </a:schemeClr>
-                    </a:solidFill>
-                  </a:tcPr>
-                </a:tc>
-                <a:extLst>
-                  <a:ext uri="{0D108BD9-81ED-4DB2-BD59-A6C34878D82A}">
-                    <a16:rowId xmlns:a16="http://schemas.microsoft.com/office/drawing/2014/main" val="1214565585"/>
-                  </a:ext>
-                </a:extLst>
-              </a:tr>
-              <a:tr h="370840">
-                <a:tc>
-                  <a:txBody>
-                    <a:bodyPr/>
-                    <a:lstStyle/>
-                    <a:p>
-                      <a:pPr marL="0" marR="0" lvl="0" indent="0" algn="l" defTabSz="914400" rtl="0" eaLnBrk="1" fontAlgn="auto" latinLnBrk="0" hangingPunct="1">
-                        <a:lnSpc>
-                          <a:spcPct val="100000"/>
-                        </a:lnSpc>
-                        <a:spcBef>
-                          <a:spcPts val="0"/>
-                        </a:spcBef>
-                        <a:spcAft>
-                          <a:spcPts val="0"/>
-                        </a:spcAft>
-                        <a:buClrTx/>
-                        <a:buSzTx/>
-                        <a:buFontTx/>
-                        <a:buNone/>
-                        <a:tabLst/>
-                        <a:defRPr/>
-                      </a:pPr>
-                      <a:endParaRPr lang="fr-FR" b="0" dirty="0">
-                        <a:solidFill>
-                          <a:schemeClr val="tx1">
-                            <a:lumMod val="65000"/>
-                            <a:lumOff val="35000"/>
-                          </a:schemeClr>
-                        </a:solidFill>
-                        <a:latin typeface="Exo 2.0" panose="00000500000000000000" pitchFamily="50" charset="0"/>
-                      </a:endParaRPr>
-                    </a:p>
-                    <a:p>
-                      <a:pPr marL="0" marR="0" lvl="0" indent="0" algn="l" defTabSz="914400" rtl="0" eaLnBrk="1" fontAlgn="auto" latinLnBrk="0" hangingPunct="1">
-                        <a:lnSpc>
-                          <a:spcPct val="100000"/>
-                        </a:lnSpc>
-                        <a:spcBef>
-                          <a:spcPts val="0"/>
-                        </a:spcBef>
-                        <a:spcAft>
-                          <a:spcPts val="0"/>
-                        </a:spcAft>
-                        <a:buClrTx/>
-                        <a:buSzTx/>
-                        <a:buFontTx/>
-                        <a:buNone/>
-                        <a:tabLst/>
-                        <a:defRPr/>
-                      </a:pPr>
-                      <a:r>
-                        <a:rPr lang="fr-FR" b="0" dirty="0">
-                          <a:solidFill>
-                            <a:schemeClr val="tx1">
-                              <a:lumMod val="65000"/>
-                              <a:lumOff val="35000"/>
-                            </a:schemeClr>
-                          </a:solidFill>
-                          <a:latin typeface="Exo 2.0" panose="00000500000000000000" pitchFamily="50" charset="0"/>
-                        </a:rPr>
-                        <a:t>Combinaison de commandes</a:t>
-                      </a:r>
-                    </a:p>
-                  </a:txBody>
-                  <a:tcPr>
-                    <a:lnL w="12700" cap="flat" cmpd="sng" algn="ctr">
-                      <a:noFill/>
-                      <a:prstDash val="solid"/>
-                      <a:round/>
-                      <a:headEnd type="none" w="med" len="med"/>
-                      <a:tailEnd type="none" w="med" len="med"/>
-                    </a:lnL>
-                    <a:solidFill>
-                      <a:schemeClr val="bg1"/>
-                    </a:solidFill>
-                  </a:tcPr>
-                </a:tc>
-                <a:tc>
-                  <a:txBody>
-                    <a:bodyPr/>
-                    <a:lstStyle/>
-                    <a:p>
-                      <a:pPr algn="r"/>
-                      <a:endParaRPr lang="fr-FR" b="0" dirty="0">
-                        <a:solidFill>
-                          <a:schemeClr val="tx1">
-                            <a:lumMod val="65000"/>
-                            <a:lumOff val="35000"/>
-                          </a:schemeClr>
-                        </a:solidFill>
-                        <a:latin typeface="Exo 2.0" panose="00000500000000000000" pitchFamily="50" charset="0"/>
-                      </a:endParaRPr>
-                    </a:p>
-                    <a:p>
-                      <a:pPr algn="r"/>
-                      <a:r>
-                        <a:rPr lang="fr-FR" b="0" dirty="0">
-                          <a:solidFill>
-                            <a:schemeClr val="tx1">
-                              <a:lumMod val="65000"/>
-                              <a:lumOff val="35000"/>
-                            </a:schemeClr>
-                          </a:solidFill>
-                          <a:latin typeface="Exo 2.0" panose="00000500000000000000" pitchFamily="50" charset="0"/>
-                        </a:rPr>
-                        <a:t>1400€</a:t>
-                      </a:r>
-                    </a:p>
-                  </a:txBody>
-                  <a:tcPr>
-                    <a:lnR w="12700" cap="flat" cmpd="sng" algn="ctr">
-                      <a:noFill/>
-                      <a:prstDash val="solid"/>
-                      <a:round/>
-                      <a:headEnd type="none" w="med" len="med"/>
-                      <a:tailEnd type="none" w="med" len="med"/>
-                    </a:lnR>
-                    <a:solidFill>
-                      <a:schemeClr val="bg1">
-                        <a:lumMod val="95000"/>
-                      </a:schemeClr>
-                    </a:solidFill>
-                  </a:tcPr>
-                </a:tc>
-                <a:extLst>
-                  <a:ext uri="{0D108BD9-81ED-4DB2-BD59-A6C34878D82A}">
-                    <a16:rowId xmlns:a16="http://schemas.microsoft.com/office/drawing/2014/main" val="1826921360"/>
-                  </a:ext>
-                </a:extLst>
-              </a:tr>
-              <a:tr h="370840">
-                <a:tc>
-                  <a:txBody>
-                    <a:bodyPr/>
-                    <a:lstStyle/>
-                    <a:p>
-                      <a:pPr marL="0" marR="0" lvl="0" indent="0" algn="l" defTabSz="914400" rtl="0" eaLnBrk="1" fontAlgn="auto" latinLnBrk="0" hangingPunct="1">
-                        <a:lnSpc>
-                          <a:spcPct val="100000"/>
-                        </a:lnSpc>
-                        <a:spcBef>
-                          <a:spcPts val="0"/>
-                        </a:spcBef>
-                        <a:spcAft>
-                          <a:spcPts val="0"/>
-                        </a:spcAft>
-                        <a:buClrTx/>
-                        <a:buSzTx/>
-                        <a:buFontTx/>
-                        <a:buNone/>
-                        <a:tabLst/>
-                        <a:defRPr/>
-                      </a:pPr>
-                      <a:endParaRPr lang="fr-FR" b="0" dirty="0">
-                        <a:solidFill>
-                          <a:schemeClr val="tx1">
-                            <a:lumMod val="65000"/>
-                            <a:lumOff val="35000"/>
-                          </a:schemeClr>
-                        </a:solidFill>
-                        <a:latin typeface="Exo 2.0" panose="00000500000000000000" pitchFamily="50" charset="0"/>
-                      </a:endParaRPr>
-                    </a:p>
-                    <a:p>
-                      <a:pPr marL="0" marR="0" lvl="0" indent="0" algn="l" defTabSz="914400" rtl="0" eaLnBrk="1" fontAlgn="auto" latinLnBrk="0" hangingPunct="1">
-                        <a:lnSpc>
-                          <a:spcPct val="100000"/>
-                        </a:lnSpc>
-                        <a:spcBef>
-                          <a:spcPts val="0"/>
-                        </a:spcBef>
-                        <a:spcAft>
-                          <a:spcPts val="0"/>
-                        </a:spcAft>
-                        <a:buClrTx/>
-                        <a:buSzTx/>
-                        <a:buFontTx/>
-                        <a:buNone/>
-                        <a:tabLst/>
-                        <a:defRPr/>
-                      </a:pPr>
-                      <a:r>
-                        <a:rPr lang="fr-FR" b="0" dirty="0">
-                          <a:solidFill>
-                            <a:schemeClr val="tx1">
-                              <a:lumMod val="65000"/>
-                              <a:lumOff val="35000"/>
-                            </a:schemeClr>
-                          </a:solidFill>
-                          <a:latin typeface="Exo 2.0" panose="00000500000000000000" pitchFamily="50" charset="0"/>
-                        </a:rPr>
-                        <a:t>Gestion des courbes</a:t>
-                      </a:r>
-                    </a:p>
-                  </a:txBody>
-                  <a:tcPr>
-                    <a:lnL w="12700" cap="flat" cmpd="sng" algn="ctr">
-                      <a:noFill/>
-                      <a:prstDash val="solid"/>
-                      <a:round/>
-                      <a:headEnd type="none" w="med" len="med"/>
-                      <a:tailEnd type="none" w="med" len="med"/>
-                    </a:lnL>
-                    <a:solidFill>
-                      <a:schemeClr val="bg1"/>
-                    </a:solidFill>
-                  </a:tcPr>
-                </a:tc>
-                <a:tc>
-                  <a:txBody>
-                    <a:bodyPr/>
-                    <a:lstStyle/>
-                    <a:p>
-                      <a:pPr algn="r"/>
-                      <a:endParaRPr lang="fr-FR" b="0" dirty="0">
-                        <a:solidFill>
-                          <a:schemeClr val="tx1">
-                            <a:lumMod val="65000"/>
-                            <a:lumOff val="35000"/>
-                          </a:schemeClr>
-                        </a:solidFill>
-                        <a:latin typeface="Exo 2.0" panose="00000500000000000000" pitchFamily="50" charset="0"/>
-                      </a:endParaRPr>
-                    </a:p>
-                    <a:p>
-                      <a:pPr algn="r"/>
-                      <a:r>
-                        <a:rPr lang="fr-FR" b="0" dirty="0">
-                          <a:solidFill>
-                            <a:schemeClr val="tx1">
-                              <a:lumMod val="65000"/>
-                              <a:lumOff val="35000"/>
-                            </a:schemeClr>
-                          </a:solidFill>
-                          <a:latin typeface="Exo 2.0" panose="00000500000000000000" pitchFamily="50" charset="0"/>
-                        </a:rPr>
-                        <a:t>400€</a:t>
-                      </a:r>
-                    </a:p>
-                  </a:txBody>
-                  <a:tcPr>
-                    <a:lnR w="12700" cap="flat" cmpd="sng" algn="ctr">
-                      <a:noFill/>
-                      <a:prstDash val="solid"/>
-                      <a:round/>
-                      <a:headEnd type="none" w="med" len="med"/>
-                      <a:tailEnd type="none" w="med" len="med"/>
-                    </a:lnR>
-                    <a:solidFill>
-                      <a:schemeClr val="bg1">
-                        <a:lumMod val="95000"/>
-                      </a:schemeClr>
-                    </a:solidFill>
-                  </a:tcPr>
-                </a:tc>
-                <a:extLst>
-                  <a:ext uri="{0D108BD9-81ED-4DB2-BD59-A6C34878D82A}">
-                    <a16:rowId xmlns:a16="http://schemas.microsoft.com/office/drawing/2014/main" val="2932840409"/>
-                  </a:ext>
-                </a:extLst>
-              </a:tr>
-              <a:tr h="370840">
-                <a:tc>
-                  <a:txBody>
-                    <a:bodyPr/>
-                    <a:lstStyle/>
-                    <a:p>
-                      <a:pPr marL="0" marR="0" lvl="0" indent="0" algn="l" defTabSz="914400" rtl="0" eaLnBrk="1" fontAlgn="auto" latinLnBrk="0" hangingPunct="1">
-                        <a:lnSpc>
-                          <a:spcPct val="100000"/>
-                        </a:lnSpc>
-                        <a:spcBef>
-                          <a:spcPts val="0"/>
-                        </a:spcBef>
-                        <a:spcAft>
-                          <a:spcPts val="0"/>
-                        </a:spcAft>
-                        <a:buClrTx/>
-                        <a:buSzTx/>
-                        <a:buFontTx/>
-                        <a:buNone/>
-                        <a:tabLst/>
-                        <a:defRPr/>
-                      </a:pPr>
-                      <a:endParaRPr lang="fr-FR" b="0" dirty="0">
-                        <a:solidFill>
-                          <a:schemeClr val="tx1">
-                            <a:lumMod val="65000"/>
-                            <a:lumOff val="35000"/>
-                          </a:schemeClr>
-                        </a:solidFill>
-                        <a:latin typeface="Exo 2.0" panose="00000500000000000000" pitchFamily="50" charset="0"/>
-                      </a:endParaRPr>
-                    </a:p>
-                    <a:p>
-                      <a:pPr marL="0" marR="0" lvl="0" indent="0" algn="l" defTabSz="914400" rtl="0" eaLnBrk="1" fontAlgn="auto" latinLnBrk="0" hangingPunct="1">
-                        <a:lnSpc>
-                          <a:spcPct val="100000"/>
-                        </a:lnSpc>
-                        <a:spcBef>
-                          <a:spcPts val="0"/>
-                        </a:spcBef>
-                        <a:spcAft>
-                          <a:spcPts val="0"/>
-                        </a:spcAft>
-                        <a:buClrTx/>
-                        <a:buSzTx/>
-                        <a:buFontTx/>
-                        <a:buNone/>
-                        <a:tabLst/>
-                        <a:defRPr/>
-                      </a:pPr>
-                      <a:r>
-                        <a:rPr lang="fr-FR" b="0" dirty="0">
-                          <a:solidFill>
-                            <a:schemeClr val="tx1">
-                              <a:lumMod val="65000"/>
-                              <a:lumOff val="35000"/>
-                            </a:schemeClr>
-                          </a:solidFill>
-                          <a:latin typeface="Exo 2.0" panose="00000500000000000000" pitchFamily="50" charset="0"/>
-                        </a:rPr>
-                        <a:t>Dégradé de couleurs</a:t>
-                      </a:r>
-                    </a:p>
-                  </a:txBody>
-                  <a:tcPr>
-                    <a:lnL w="12700" cap="flat" cmpd="sng" algn="ctr">
-                      <a:noFill/>
-                      <a:prstDash val="solid"/>
-                      <a:round/>
-                      <a:headEnd type="none" w="med" len="med"/>
-                      <a:tailEnd type="none" w="med" len="med"/>
-                    </a:lnL>
-                    <a:solidFill>
-                      <a:schemeClr val="bg1"/>
-                    </a:solidFill>
-                  </a:tcPr>
-                </a:tc>
-                <a:tc>
-                  <a:txBody>
-                    <a:bodyPr/>
-                    <a:lstStyle/>
-                    <a:p>
-                      <a:pPr algn="r"/>
-                      <a:endParaRPr lang="fr-FR" b="0" dirty="0">
-                        <a:solidFill>
-                          <a:schemeClr val="tx1">
-                            <a:lumMod val="65000"/>
-                            <a:lumOff val="35000"/>
-                          </a:schemeClr>
-                        </a:solidFill>
-                        <a:latin typeface="Exo 2.0" panose="00000500000000000000" pitchFamily="50" charset="0"/>
-                      </a:endParaRPr>
-                    </a:p>
-                    <a:p>
-                      <a:pPr algn="r"/>
-                      <a:r>
-                        <a:rPr lang="fr-FR" b="0" dirty="0">
-                          <a:solidFill>
-                            <a:schemeClr val="tx1">
-                              <a:lumMod val="65000"/>
-                              <a:lumOff val="35000"/>
-                            </a:schemeClr>
-                          </a:solidFill>
-                          <a:latin typeface="Exo 2.0" panose="00000500000000000000" pitchFamily="50" charset="0"/>
-                        </a:rPr>
-                        <a:t>400€</a:t>
-                      </a:r>
-                    </a:p>
-                  </a:txBody>
-                  <a:tcPr>
-                    <a:lnR w="12700" cap="flat" cmpd="sng" algn="ctr">
-                      <a:noFill/>
-                      <a:prstDash val="solid"/>
-                      <a:round/>
-                      <a:headEnd type="none" w="med" len="med"/>
-                      <a:tailEnd type="none" w="med" len="med"/>
-                    </a:lnR>
-                    <a:solidFill>
-                      <a:schemeClr val="bg1">
-                        <a:lumMod val="95000"/>
-                      </a:schemeClr>
-                    </a:solidFill>
-                  </a:tcPr>
-                </a:tc>
-                <a:extLst>
-                  <a:ext uri="{0D108BD9-81ED-4DB2-BD59-A6C34878D82A}">
-                    <a16:rowId xmlns:a16="http://schemas.microsoft.com/office/drawing/2014/main" val="3736278046"/>
-                  </a:ext>
-                </a:extLst>
-              </a:tr>
-              <a:tr h="370840">
-                <a:tc>
-                  <a:txBody>
-                    <a:bodyPr/>
-                    <a:lstStyle/>
-                    <a:p>
-                      <a:pPr marL="0" marR="0" lvl="0" indent="0" algn="l" defTabSz="914400" rtl="0" eaLnBrk="1" fontAlgn="auto" latinLnBrk="0" hangingPunct="1">
-                        <a:lnSpc>
-                          <a:spcPct val="100000"/>
-                        </a:lnSpc>
-                        <a:spcBef>
-                          <a:spcPts val="0"/>
-                        </a:spcBef>
-                        <a:spcAft>
-                          <a:spcPts val="0"/>
-                        </a:spcAft>
-                        <a:buClrTx/>
-                        <a:buSzTx/>
-                        <a:buFontTx/>
-                        <a:buNone/>
-                        <a:tabLst/>
-                        <a:defRPr/>
-                      </a:pPr>
-                      <a:endParaRPr lang="fr-FR" b="0" dirty="0">
-                        <a:solidFill>
-                          <a:schemeClr val="tx1">
-                            <a:lumMod val="65000"/>
-                            <a:lumOff val="35000"/>
-                          </a:schemeClr>
-                        </a:solidFill>
-                        <a:latin typeface="Exo 2.0" panose="00000500000000000000" pitchFamily="50" charset="0"/>
-                      </a:endParaRPr>
-                    </a:p>
-                    <a:p>
-                      <a:pPr marL="0" marR="0" lvl="0" indent="0" algn="l" defTabSz="914400" rtl="0" eaLnBrk="1" fontAlgn="auto" latinLnBrk="0" hangingPunct="1">
-                        <a:lnSpc>
-                          <a:spcPct val="100000"/>
-                        </a:lnSpc>
-                        <a:spcBef>
-                          <a:spcPts val="0"/>
-                        </a:spcBef>
-                        <a:spcAft>
-                          <a:spcPts val="0"/>
-                        </a:spcAft>
-                        <a:buClrTx/>
-                        <a:buSzTx/>
-                        <a:buFontTx/>
-                        <a:buNone/>
-                        <a:tabLst/>
-                        <a:defRPr/>
-                      </a:pPr>
-                      <a:r>
-                        <a:rPr lang="fr-FR" b="0" dirty="0">
-                          <a:solidFill>
-                            <a:schemeClr val="tx1">
-                              <a:lumMod val="65000"/>
-                              <a:lumOff val="35000"/>
-                            </a:schemeClr>
-                          </a:solidFill>
-                          <a:latin typeface="Exo 2.0" panose="00000500000000000000" pitchFamily="50" charset="0"/>
-                        </a:rPr>
-                        <a:t>Année de maintenance</a:t>
-                      </a:r>
-                      <a:r>
-                        <a:rPr lang="fr-FR" b="0" baseline="0" dirty="0">
-                          <a:solidFill>
-                            <a:schemeClr val="tx1">
-                              <a:lumMod val="65000"/>
-                              <a:lumOff val="35000"/>
-                            </a:schemeClr>
-                          </a:solidFill>
-                          <a:latin typeface="Exo 2.0" panose="00000500000000000000" pitchFamily="50" charset="0"/>
-                        </a:rPr>
-                        <a:t> pour </a:t>
-                      </a:r>
-                      <a:r>
-                        <a:rPr lang="fr-FR" b="0" baseline="0" dirty="0" err="1">
-                          <a:solidFill>
-                            <a:schemeClr val="tx1">
-                              <a:lumMod val="65000"/>
-                              <a:lumOff val="35000"/>
-                            </a:schemeClr>
-                          </a:solidFill>
-                          <a:latin typeface="Exo 2.0" panose="00000500000000000000" pitchFamily="50" charset="0"/>
-                        </a:rPr>
-                        <a:t>SupLogo</a:t>
-                      </a:r>
-                      <a:endParaRPr lang="fr-FR" b="0" dirty="0">
-                        <a:solidFill>
-                          <a:schemeClr val="tx1">
-                            <a:lumMod val="65000"/>
-                            <a:lumOff val="35000"/>
-                          </a:schemeClr>
-                        </a:solidFill>
-                        <a:latin typeface="Exo 2.0" panose="00000500000000000000" pitchFamily="50" charset="0"/>
-                      </a:endParaRPr>
-                    </a:p>
-                  </a:txBody>
-                  <a:tcPr>
-                    <a:lnL w="12700" cap="flat" cmpd="sng" algn="ctr">
-                      <a:noFill/>
-                      <a:prstDash val="solid"/>
-                      <a:round/>
-                      <a:headEnd type="none" w="med" len="med"/>
-                      <a:tailEnd type="none" w="med" len="med"/>
-                    </a:lnL>
-                    <a:solidFill>
-                      <a:schemeClr val="bg1"/>
-                    </a:solidFill>
-                  </a:tcPr>
-                </a:tc>
-                <a:tc>
-                  <a:txBody>
-                    <a:bodyPr/>
-                    <a:lstStyle/>
-                    <a:p>
-                      <a:pPr algn="r"/>
-                      <a:endParaRPr lang="fr-FR" b="0" dirty="0">
-                        <a:solidFill>
-                          <a:schemeClr val="tx1">
-                            <a:lumMod val="65000"/>
-                            <a:lumOff val="35000"/>
-                          </a:schemeClr>
-                        </a:solidFill>
-                        <a:latin typeface="Exo 2.0" panose="00000500000000000000" pitchFamily="50" charset="0"/>
-                      </a:endParaRPr>
-                    </a:p>
-                    <a:p>
-                      <a:pPr algn="r"/>
-                      <a:r>
-                        <a:rPr lang="fr-FR" b="0" dirty="0">
-                          <a:solidFill>
-                            <a:schemeClr val="tx1">
-                              <a:lumMod val="65000"/>
-                              <a:lumOff val="35000"/>
-                            </a:schemeClr>
-                          </a:solidFill>
-                          <a:latin typeface="Exo 2.0" panose="00000500000000000000" pitchFamily="50" charset="0"/>
-                        </a:rPr>
-                        <a:t>2500€</a:t>
-                      </a:r>
-                    </a:p>
-                  </a:txBody>
-                  <a:tcPr>
-                    <a:lnR w="12700" cap="flat" cmpd="sng" algn="ctr">
-                      <a:noFill/>
-                      <a:prstDash val="solid"/>
-                      <a:round/>
-                      <a:headEnd type="none" w="med" len="med"/>
-                      <a:tailEnd type="none" w="med" len="med"/>
-                    </a:lnR>
-                    <a:solidFill>
-                      <a:schemeClr val="bg1">
-                        <a:lumMod val="95000"/>
-                      </a:schemeClr>
-                    </a:solidFill>
-                  </a:tcPr>
-                </a:tc>
-                <a:extLst>
-                  <a:ext uri="{0D108BD9-81ED-4DB2-BD59-A6C34878D82A}">
-                    <a16:rowId xmlns:a16="http://schemas.microsoft.com/office/drawing/2014/main" val="2493942223"/>
-                  </a:ext>
-                </a:extLst>
-              </a:tr>
-              <a:tr h="370840">
-                <a:tc>
-                  <a:txBody>
-                    <a:bodyPr/>
-                    <a:lstStyle/>
-                    <a:p>
-                      <a:pPr marL="0" marR="0" lvl="0" indent="0" algn="l" defTabSz="914400" rtl="0" eaLnBrk="1" fontAlgn="auto" latinLnBrk="0" hangingPunct="1">
-                        <a:lnSpc>
-                          <a:spcPct val="100000"/>
-                        </a:lnSpc>
-                        <a:spcBef>
-                          <a:spcPts val="0"/>
-                        </a:spcBef>
-                        <a:spcAft>
-                          <a:spcPts val="0"/>
-                        </a:spcAft>
-                        <a:buClrTx/>
-                        <a:buSzTx/>
-                        <a:buFontTx/>
-                        <a:buNone/>
-                        <a:tabLst/>
-                        <a:defRPr/>
-                      </a:pPr>
-                      <a:endParaRPr lang="fr-FR" b="0" dirty="0">
-                        <a:solidFill>
-                          <a:schemeClr val="tx1">
-                            <a:lumMod val="65000"/>
-                            <a:lumOff val="35000"/>
-                          </a:schemeClr>
-                        </a:solidFill>
-                        <a:latin typeface="Exo 2.0" panose="00000500000000000000" pitchFamily="50" charset="0"/>
-                      </a:endParaRPr>
-                    </a:p>
-                  </a:txBody>
-                  <a:tcPr>
-                    <a:lnL w="12700" cap="flat" cmpd="sng" algn="ctr">
-                      <a:noFill/>
-                      <a:prstDash val="solid"/>
-                      <a:round/>
-                      <a:headEnd type="none" w="med" len="med"/>
-                      <a:tailEnd type="none" w="med" len="med"/>
-                    </a:lnL>
-                    <a:solidFill>
-                      <a:schemeClr val="bg1"/>
-                    </a:solidFill>
-                  </a:tcPr>
-                </a:tc>
-                <a:tc>
-                  <a:txBody>
-                    <a:bodyPr/>
-                    <a:lstStyle/>
-                    <a:p>
-                      <a:pPr marL="0" marR="0" lvl="0" indent="0" algn="r" defTabSz="914400" rtl="0" eaLnBrk="1" fontAlgn="auto" latinLnBrk="0" hangingPunct="1">
-                        <a:lnSpc>
-                          <a:spcPct val="100000"/>
-                        </a:lnSpc>
-                        <a:spcBef>
-                          <a:spcPts val="0"/>
-                        </a:spcBef>
-                        <a:spcAft>
-                          <a:spcPts val="0"/>
-                        </a:spcAft>
-                        <a:buClrTx/>
-                        <a:buSzTx/>
-                        <a:buFontTx/>
-                        <a:buNone/>
-                        <a:tabLst/>
-                        <a:defRPr/>
-                      </a:pPr>
-                      <a:endParaRPr lang="fr-FR" b="0" dirty="0">
-                        <a:solidFill>
-                          <a:schemeClr val="tx1">
-                            <a:lumMod val="65000"/>
-                            <a:lumOff val="35000"/>
-                          </a:schemeClr>
-                        </a:solidFill>
-                        <a:latin typeface="Exo 2.0" panose="00000500000000000000" pitchFamily="50" charset="0"/>
-                      </a:endParaRPr>
-                    </a:p>
-                  </a:txBody>
-                  <a:tcPr>
-                    <a:lnR w="12700" cap="flat" cmpd="sng" algn="ctr">
-                      <a:noFill/>
-                      <a:prstDash val="solid"/>
-                      <a:round/>
-                      <a:headEnd type="none" w="med" len="med"/>
-                      <a:tailEnd type="none" w="med" len="med"/>
-                    </a:lnR>
-                    <a:solidFill>
-                      <a:schemeClr val="bg1">
-                        <a:lumMod val="95000"/>
-                      </a:schemeClr>
-                    </a:solidFill>
-                  </a:tcPr>
-                </a:tc>
-                <a:extLst>
-                  <a:ext uri="{0D108BD9-81ED-4DB2-BD59-A6C34878D82A}">
-                    <a16:rowId xmlns:a16="http://schemas.microsoft.com/office/drawing/2014/main" val="3752774149"/>
-                  </a:ext>
-                </a:extLst>
-              </a:tr>
-            </a:tbl>
-          </a:graphicData>
-        </a:graphic>
-      </p:graphicFrame>
       <p:pic>
         <p:nvPicPr>
           <p:cNvPr id="8" name="Image 7"/>
@@ -10970,16 +9907,1381 @@
           </a:prstGeom>
         </p:spPr>
       </p:pic>
+      <p:graphicFrame>
+        <p:nvGraphicFramePr>
+          <p:cNvPr id="6" name="Tableau 5"/>
+          <p:cNvGraphicFramePr>
+            <a:graphicFrameLocks noGrp="1"/>
+          </p:cNvGraphicFramePr>
+          <p:nvPr>
+            <p:extLst>
+              <p:ext uri="{D42A27DB-BD31-4B8C-83A1-F6EECF244321}">
+                <p14:modId xmlns:p14="http://schemas.microsoft.com/office/powerpoint/2010/main" val="1539532674"/>
+              </p:ext>
+            </p:extLst>
+          </p:nvPr>
+        </p:nvGraphicFramePr>
+        <p:xfrm>
+          <a:off x="2044914" y="1458656"/>
+          <a:ext cx="8128000" cy="4495103"/>
+        </p:xfrm>
+        <a:graphic>
+          <a:graphicData uri="http://schemas.openxmlformats.org/drawingml/2006/table">
+            <a:tbl>
+              <a:tblPr firstRow="1" lastRow="1" bandRow="1">
+                <a:effectLst>
+                  <a:outerShdw blurRad="50800" dist="38100" dir="5400000" algn="t" rotWithShape="0">
+                    <a:prstClr val="black">
+                      <a:alpha val="40000"/>
+                    </a:prstClr>
+                  </a:outerShdw>
+                </a:effectLst>
+                <a:tableStyleId>{073A0DAA-6AF3-43AB-8588-CEC1D06C72B9}</a:tableStyleId>
+              </a:tblPr>
+              <a:tblGrid>
+                <a:gridCol w="369328">
+                  <a:extLst>
+                    <a:ext uri="{9D8B030D-6E8A-4147-A177-3AD203B41FA5}">
+                      <a16:colId xmlns="" xmlns:a16="http://schemas.microsoft.com/office/drawing/2014/main" val="1734895218"/>
+                    </a:ext>
+                  </a:extLst>
+                </a:gridCol>
+                <a:gridCol w="5835236">
+                  <a:extLst>
+                    <a:ext uri="{9D8B030D-6E8A-4147-A177-3AD203B41FA5}">
+                      <a16:colId xmlns="" xmlns:a16="http://schemas.microsoft.com/office/drawing/2014/main" val="908248774"/>
+                    </a:ext>
+                  </a:extLst>
+                </a:gridCol>
+                <a:gridCol w="1923436">
+                  <a:extLst>
+                    <a:ext uri="{9D8B030D-6E8A-4147-A177-3AD203B41FA5}">
+                      <a16:colId xmlns="" xmlns:a16="http://schemas.microsoft.com/office/drawing/2014/main" val="2529677039"/>
+                    </a:ext>
+                  </a:extLst>
+                </a:gridCol>
+              </a:tblGrid>
+              <a:tr h="494118">
+                <a:tc gridSpan="2">
+                  <a:txBody>
+                    <a:bodyPr/>
+                    <a:lstStyle/>
+                    <a:p>
+                      <a:r>
+                        <a:rPr lang="fr-FR" sz="2000" b="0" dirty="0">
+                          <a:latin typeface="+mn-lt"/>
+                        </a:rPr>
+                        <a:t>Module</a:t>
+                      </a:r>
+                      <a:endParaRPr lang="fr-FR" sz="2000" b="0" dirty="0">
+                        <a:solidFill>
+                          <a:schemeClr val="bg1"/>
+                        </a:solidFill>
+                        <a:latin typeface="+mn-lt"/>
+                      </a:endParaRPr>
+                    </a:p>
+                  </a:txBody>
+                  <a:tcPr>
+                    <a:lnL w="12700" cap="flat" cmpd="sng" algn="ctr">
+                      <a:noFill/>
+                      <a:prstDash val="solid"/>
+                      <a:round/>
+                      <a:headEnd type="none" w="med" len="med"/>
+                      <a:tailEnd type="none" w="med" len="med"/>
+                    </a:lnL>
+                    <a:lnT w="12700" cap="flat" cmpd="sng" algn="ctr">
+                      <a:noFill/>
+                      <a:prstDash val="solid"/>
+                      <a:round/>
+                      <a:headEnd type="none" w="med" len="med"/>
+                      <a:tailEnd type="none" w="med" len="med"/>
+                    </a:lnT>
+                    <a:solidFill>
+                      <a:srgbClr val="11AABB"/>
+                    </a:solidFill>
+                  </a:tcPr>
+                </a:tc>
+                <a:tc hMerge="1">
+                  <a:txBody>
+                    <a:bodyPr/>
+                    <a:lstStyle/>
+                    <a:p>
+                      <a:endParaRPr lang="fr-FR"/>
+                    </a:p>
+                  </a:txBody>
+                  <a:tcPr/>
+                </a:tc>
+                <a:tc>
+                  <a:txBody>
+                    <a:bodyPr/>
+                    <a:lstStyle/>
+                    <a:p>
+                      <a:pPr algn="r"/>
+                      <a:r>
+                        <a:rPr lang="fr-FR" sz="2000" b="0" dirty="0">
+                          <a:latin typeface="+mn-lt"/>
+                        </a:rPr>
+                        <a:t>Coût</a:t>
+                      </a:r>
+                    </a:p>
+                  </a:txBody>
+                  <a:tcPr>
+                    <a:lnR w="12700" cap="flat" cmpd="sng" algn="ctr">
+                      <a:noFill/>
+                      <a:prstDash val="solid"/>
+                      <a:round/>
+                      <a:headEnd type="none" w="med" len="med"/>
+                      <a:tailEnd type="none" w="med" len="med"/>
+                    </a:lnR>
+                    <a:lnT w="12700" cap="flat" cmpd="sng" algn="ctr">
+                      <a:noFill/>
+                      <a:prstDash val="solid"/>
+                      <a:round/>
+                      <a:headEnd type="none" w="med" len="med"/>
+                      <a:tailEnd type="none" w="med" len="med"/>
+                    </a:lnT>
+                    <a:solidFill>
+                      <a:srgbClr val="11AABB"/>
+                    </a:solidFill>
+                  </a:tcPr>
+                </a:tc>
+                <a:extLst>
+                  <a:ext uri="{0D108BD9-81ED-4DB2-BD59-A6C34878D82A}">
+                    <a16:rowId xmlns="" xmlns:a16="http://schemas.microsoft.com/office/drawing/2014/main" val="744536208"/>
+                  </a:ext>
+                </a:extLst>
+              </a:tr>
+              <a:tr h="500981">
+                <a:tc gridSpan="2">
+                  <a:txBody>
+                    <a:bodyPr/>
+                    <a:lstStyle/>
+                    <a:p>
+                      <a:r>
+                        <a:rPr lang="fr-FR" sz="2000" b="0" dirty="0">
+                          <a:solidFill>
+                            <a:schemeClr val="tx1">
+                              <a:lumMod val="65000"/>
+                              <a:lumOff val="35000"/>
+                            </a:schemeClr>
+                          </a:solidFill>
+                          <a:latin typeface="+mn-lt"/>
+                        </a:rPr>
+                        <a:t>Application</a:t>
+                      </a:r>
+                    </a:p>
+                  </a:txBody>
+                  <a:tcPr>
+                    <a:lnL w="12700" cap="flat" cmpd="sng" algn="ctr">
+                      <a:noFill/>
+                      <a:prstDash val="solid"/>
+                      <a:round/>
+                      <a:headEnd type="none" w="med" len="med"/>
+                      <a:tailEnd type="none" w="med" len="med"/>
+                    </a:lnL>
+                    <a:solidFill>
+                      <a:schemeClr val="bg1"/>
+                    </a:solidFill>
+                  </a:tcPr>
+                </a:tc>
+                <a:tc hMerge="1">
+                  <a:txBody>
+                    <a:bodyPr/>
+                    <a:lstStyle/>
+                    <a:p>
+                      <a:endParaRPr lang="fr-FR"/>
+                    </a:p>
+                  </a:txBody>
+                  <a:tcPr/>
+                </a:tc>
+                <a:tc>
+                  <a:txBody>
+                    <a:bodyPr/>
+                    <a:lstStyle/>
+                    <a:p>
+                      <a:pPr algn="r"/>
+                      <a:r>
+                        <a:rPr lang="fr-FR" b="0" dirty="0" smtClean="0">
+                          <a:solidFill>
+                            <a:schemeClr val="tx1">
+                              <a:lumMod val="65000"/>
+                              <a:lumOff val="35000"/>
+                            </a:schemeClr>
+                          </a:solidFill>
+                          <a:latin typeface="+mn-lt"/>
+                        </a:rPr>
+                        <a:t>6666€</a:t>
+                      </a:r>
+                      <a:endParaRPr lang="fr-FR" b="0" dirty="0">
+                        <a:solidFill>
+                          <a:schemeClr val="tx1">
+                            <a:lumMod val="65000"/>
+                            <a:lumOff val="35000"/>
+                          </a:schemeClr>
+                        </a:solidFill>
+                        <a:latin typeface="+mn-lt"/>
+                      </a:endParaRPr>
+                    </a:p>
+                  </a:txBody>
+                  <a:tcPr>
+                    <a:lnR w="12700" cap="flat" cmpd="sng" algn="ctr">
+                      <a:noFill/>
+                      <a:prstDash val="solid"/>
+                      <a:round/>
+                      <a:headEnd type="none" w="med" len="med"/>
+                      <a:tailEnd type="none" w="med" len="med"/>
+                    </a:lnR>
+                    <a:solidFill>
+                      <a:schemeClr val="bg1">
+                        <a:lumMod val="95000"/>
+                      </a:schemeClr>
+                    </a:solidFill>
+                  </a:tcPr>
+                </a:tc>
+                <a:extLst>
+                  <a:ext uri="{0D108BD9-81ED-4DB2-BD59-A6C34878D82A}">
+                    <a16:rowId xmlns="" xmlns:a16="http://schemas.microsoft.com/office/drawing/2014/main" val="2523755799"/>
+                  </a:ext>
+                </a:extLst>
+              </a:tr>
+              <a:tr h="500981">
+                <a:tc gridSpan="2">
+                  <a:txBody>
+                    <a:bodyPr/>
+                    <a:lstStyle/>
+                    <a:p>
+                      <a:pPr marL="0" marR="0" lvl="0" indent="0" algn="l" defTabSz="914400" rtl="0" eaLnBrk="1" fontAlgn="auto" latinLnBrk="0" hangingPunct="1">
+                        <a:lnSpc>
+                          <a:spcPct val="100000"/>
+                        </a:lnSpc>
+                        <a:spcBef>
+                          <a:spcPts val="0"/>
+                        </a:spcBef>
+                        <a:spcAft>
+                          <a:spcPts val="0"/>
+                        </a:spcAft>
+                        <a:buClrTx/>
+                        <a:buSzTx/>
+                        <a:buFontTx/>
+                        <a:buNone/>
+                        <a:tabLst/>
+                        <a:defRPr/>
+                      </a:pPr>
+                      <a:r>
+                        <a:rPr lang="fr-FR" sz="2000" b="0" dirty="0">
+                          <a:solidFill>
+                            <a:schemeClr val="tx1">
+                              <a:lumMod val="65000"/>
+                              <a:lumOff val="35000"/>
+                            </a:schemeClr>
+                          </a:solidFill>
+                          <a:latin typeface="+mn-lt"/>
+                        </a:rPr>
+                        <a:t>Contenu supplémentaire</a:t>
+                      </a:r>
+                    </a:p>
+                  </a:txBody>
+                  <a:tcPr>
+                    <a:lnL w="12700" cap="flat" cmpd="sng" algn="ctr">
+                      <a:noFill/>
+                      <a:prstDash val="solid"/>
+                      <a:round/>
+                      <a:headEnd type="none" w="med" len="med"/>
+                      <a:tailEnd type="none" w="med" len="med"/>
+                    </a:lnL>
+                    <a:solidFill>
+                      <a:schemeClr val="bg1">
+                        <a:lumMod val="95000"/>
+                      </a:schemeClr>
+                    </a:solidFill>
+                  </a:tcPr>
+                </a:tc>
+                <a:tc hMerge="1">
+                  <a:txBody>
+                    <a:bodyPr/>
+                    <a:lstStyle/>
+                    <a:p>
+                      <a:endParaRPr lang="fr-FR"/>
+                    </a:p>
+                  </a:txBody>
+                  <a:tcPr/>
+                </a:tc>
+                <a:tc>
+                  <a:txBody>
+                    <a:bodyPr/>
+                    <a:lstStyle/>
+                    <a:p>
+                      <a:pPr algn="r"/>
+                      <a:r>
+                        <a:rPr lang="fr-FR" b="0" dirty="0">
+                          <a:solidFill>
+                            <a:schemeClr val="tx1">
+                              <a:lumMod val="65000"/>
+                              <a:lumOff val="35000"/>
+                            </a:schemeClr>
+                          </a:solidFill>
+                          <a:latin typeface="+mn-lt"/>
+                        </a:rPr>
+                        <a:t>Sur mesure</a:t>
+                      </a:r>
+                    </a:p>
+                  </a:txBody>
+                  <a:tcPr>
+                    <a:lnR w="12700" cap="flat" cmpd="sng" algn="ctr">
+                      <a:noFill/>
+                      <a:prstDash val="solid"/>
+                      <a:round/>
+                      <a:headEnd type="none" w="med" len="med"/>
+                      <a:tailEnd type="none" w="med" len="med"/>
+                    </a:lnR>
+                    <a:solidFill>
+                      <a:schemeClr val="bg1">
+                        <a:lumMod val="95000"/>
+                      </a:schemeClr>
+                    </a:solidFill>
+                  </a:tcPr>
+                </a:tc>
+                <a:extLst>
+                  <a:ext uri="{0D108BD9-81ED-4DB2-BD59-A6C34878D82A}">
+                    <a16:rowId xmlns="" xmlns:a16="http://schemas.microsoft.com/office/drawing/2014/main" val="1214565585"/>
+                  </a:ext>
+                </a:extLst>
+              </a:tr>
+              <a:tr h="500981">
+                <a:tc>
+                  <a:txBody>
+                    <a:bodyPr/>
+                    <a:lstStyle/>
+                    <a:p>
+                      <a:pPr marL="0" marR="0" lvl="0" indent="0" algn="l" defTabSz="914400" rtl="0" eaLnBrk="1" fontAlgn="auto" latinLnBrk="0" hangingPunct="1">
+                        <a:lnSpc>
+                          <a:spcPct val="100000"/>
+                        </a:lnSpc>
+                        <a:spcBef>
+                          <a:spcPts val="0"/>
+                        </a:spcBef>
+                        <a:spcAft>
+                          <a:spcPts val="0"/>
+                        </a:spcAft>
+                        <a:buClrTx/>
+                        <a:buSzTx/>
+                        <a:buFontTx/>
+                        <a:buNone/>
+                        <a:tabLst/>
+                        <a:defRPr/>
+                      </a:pPr>
+                      <a:endParaRPr lang="fr-FR" b="0" dirty="0">
+                        <a:solidFill>
+                          <a:schemeClr val="tx1">
+                            <a:lumMod val="65000"/>
+                            <a:lumOff val="35000"/>
+                          </a:schemeClr>
+                        </a:solidFill>
+                        <a:latin typeface="+mn-lt"/>
+                      </a:endParaRPr>
+                    </a:p>
+                  </a:txBody>
+                  <a:tcPr>
+                    <a:lnL w="12700" cap="flat" cmpd="sng" algn="ctr">
+                      <a:noFill/>
+                      <a:prstDash val="solid"/>
+                      <a:round/>
+                      <a:headEnd type="none" w="med" len="med"/>
+                      <a:tailEnd type="none" w="med" len="med"/>
+                    </a:lnL>
+                    <a:solidFill>
+                      <a:schemeClr val="bg1"/>
+                    </a:solidFill>
+                  </a:tcPr>
+                </a:tc>
+                <a:tc>
+                  <a:txBody>
+                    <a:bodyPr/>
+                    <a:lstStyle/>
+                    <a:p>
+                      <a:pPr marL="0" marR="0" lvl="0" indent="0" algn="l" defTabSz="914400" rtl="0" eaLnBrk="1" fontAlgn="auto" latinLnBrk="0" hangingPunct="1">
+                        <a:lnSpc>
+                          <a:spcPct val="100000"/>
+                        </a:lnSpc>
+                        <a:spcBef>
+                          <a:spcPts val="0"/>
+                        </a:spcBef>
+                        <a:spcAft>
+                          <a:spcPts val="0"/>
+                        </a:spcAft>
+                        <a:buClrTx/>
+                        <a:buSzTx/>
+                        <a:buFontTx/>
+                        <a:buNone/>
+                        <a:tabLst/>
+                        <a:defRPr/>
+                      </a:pPr>
+                      <a:r>
+                        <a:rPr lang="fr-FR" sz="1800" b="0" dirty="0" smtClean="0">
+                          <a:solidFill>
+                            <a:schemeClr val="tx1">
+                              <a:lumMod val="65000"/>
+                              <a:lumOff val="35000"/>
+                            </a:schemeClr>
+                          </a:solidFill>
+                          <a:latin typeface="+mn-lt"/>
+                        </a:rPr>
+                        <a:t>Lecture</a:t>
+                      </a:r>
+                      <a:r>
+                        <a:rPr lang="fr-FR" sz="1800" b="0" baseline="0" dirty="0" smtClean="0">
+                          <a:solidFill>
+                            <a:schemeClr val="tx1">
+                              <a:lumMod val="65000"/>
+                              <a:lumOff val="35000"/>
+                            </a:schemeClr>
+                          </a:solidFill>
+                          <a:latin typeface="+mn-lt"/>
+                        </a:rPr>
+                        <a:t> de script</a:t>
+                      </a:r>
+                      <a:endParaRPr lang="fr-FR" sz="1800" b="0" dirty="0">
+                        <a:solidFill>
+                          <a:schemeClr val="tx1">
+                            <a:lumMod val="65000"/>
+                            <a:lumOff val="35000"/>
+                          </a:schemeClr>
+                        </a:solidFill>
+                        <a:latin typeface="+mn-lt"/>
+                      </a:endParaRPr>
+                    </a:p>
+                  </a:txBody>
+                  <a:tcPr>
+                    <a:solidFill>
+                      <a:schemeClr val="bg1"/>
+                    </a:solidFill>
+                  </a:tcPr>
+                </a:tc>
+                <a:tc>
+                  <a:txBody>
+                    <a:bodyPr/>
+                    <a:lstStyle/>
+                    <a:p>
+                      <a:pPr algn="r"/>
+                      <a:r>
+                        <a:rPr lang="fr-FR" b="0" dirty="0" smtClean="0">
+                          <a:solidFill>
+                            <a:schemeClr val="tx1">
+                              <a:lumMod val="65000"/>
+                              <a:lumOff val="35000"/>
+                            </a:schemeClr>
+                          </a:solidFill>
+                          <a:latin typeface="+mn-lt"/>
+                        </a:rPr>
+                        <a:t>200</a:t>
+                      </a:r>
+                      <a:r>
+                        <a:rPr lang="fr-FR" b="0" dirty="0" smtClean="0">
+                          <a:solidFill>
+                            <a:schemeClr val="tx1">
+                              <a:lumMod val="65000"/>
+                              <a:lumOff val="35000"/>
+                            </a:schemeClr>
+                          </a:solidFill>
+                          <a:latin typeface="+mn-lt"/>
+                        </a:rPr>
+                        <a:t>€</a:t>
+                      </a:r>
+                      <a:endParaRPr lang="fr-FR" b="0" dirty="0">
+                        <a:solidFill>
+                          <a:schemeClr val="tx1">
+                            <a:lumMod val="65000"/>
+                            <a:lumOff val="35000"/>
+                          </a:schemeClr>
+                        </a:solidFill>
+                        <a:latin typeface="+mn-lt"/>
+                      </a:endParaRPr>
+                    </a:p>
+                  </a:txBody>
+                  <a:tcPr>
+                    <a:lnR w="12700" cap="flat" cmpd="sng" algn="ctr">
+                      <a:noFill/>
+                      <a:prstDash val="solid"/>
+                      <a:round/>
+                      <a:headEnd type="none" w="med" len="med"/>
+                      <a:tailEnd type="none" w="med" len="med"/>
+                    </a:lnR>
+                    <a:solidFill>
+                      <a:schemeClr val="bg1">
+                        <a:lumMod val="95000"/>
+                      </a:schemeClr>
+                    </a:solidFill>
+                  </a:tcPr>
+                </a:tc>
+                <a:extLst>
+                  <a:ext uri="{0D108BD9-81ED-4DB2-BD59-A6C34878D82A}">
+                    <a16:rowId xmlns="" xmlns:a16="http://schemas.microsoft.com/office/drawing/2014/main" val="1826921360"/>
+                  </a:ext>
+                </a:extLst>
+              </a:tr>
+              <a:tr h="500981">
+                <a:tc>
+                  <a:txBody>
+                    <a:bodyPr/>
+                    <a:lstStyle/>
+                    <a:p>
+                      <a:pPr marL="0" marR="0" lvl="0" indent="0" algn="l" defTabSz="914400" rtl="0" eaLnBrk="1" fontAlgn="auto" latinLnBrk="0" hangingPunct="1">
+                        <a:lnSpc>
+                          <a:spcPct val="100000"/>
+                        </a:lnSpc>
+                        <a:spcBef>
+                          <a:spcPts val="0"/>
+                        </a:spcBef>
+                        <a:spcAft>
+                          <a:spcPts val="0"/>
+                        </a:spcAft>
+                        <a:buClrTx/>
+                        <a:buSzTx/>
+                        <a:buFontTx/>
+                        <a:buNone/>
+                        <a:tabLst/>
+                        <a:defRPr/>
+                      </a:pPr>
+                      <a:endParaRPr lang="fr-FR" b="0" dirty="0">
+                        <a:solidFill>
+                          <a:schemeClr val="tx1">
+                            <a:lumMod val="65000"/>
+                            <a:lumOff val="35000"/>
+                          </a:schemeClr>
+                        </a:solidFill>
+                        <a:latin typeface="+mn-lt"/>
+                      </a:endParaRPr>
+                    </a:p>
+                  </a:txBody>
+                  <a:tcPr>
+                    <a:lnL w="12700" cap="flat" cmpd="sng" algn="ctr">
+                      <a:noFill/>
+                      <a:prstDash val="solid"/>
+                      <a:round/>
+                      <a:headEnd type="none" w="med" len="med"/>
+                      <a:tailEnd type="none" w="med" len="med"/>
+                    </a:lnL>
+                    <a:solidFill>
+                      <a:schemeClr val="bg1"/>
+                    </a:solidFill>
+                  </a:tcPr>
+                </a:tc>
+                <a:tc>
+                  <a:txBody>
+                    <a:bodyPr/>
+                    <a:lstStyle/>
+                    <a:p>
+                      <a:pPr marL="0" marR="0" lvl="0" indent="0" algn="l" defTabSz="914400" rtl="0" eaLnBrk="1" fontAlgn="auto" latinLnBrk="0" hangingPunct="1">
+                        <a:lnSpc>
+                          <a:spcPct val="100000"/>
+                        </a:lnSpc>
+                        <a:spcBef>
+                          <a:spcPts val="0"/>
+                        </a:spcBef>
+                        <a:spcAft>
+                          <a:spcPts val="0"/>
+                        </a:spcAft>
+                        <a:buClrTx/>
+                        <a:buSzTx/>
+                        <a:buFontTx/>
+                        <a:buNone/>
+                        <a:tabLst/>
+                        <a:defRPr/>
+                      </a:pPr>
+                      <a:r>
+                        <a:rPr lang="fr-FR" sz="1800" b="0" dirty="0" smtClean="0">
+                          <a:solidFill>
+                            <a:schemeClr val="tx1">
+                              <a:lumMod val="65000"/>
+                              <a:lumOff val="35000"/>
+                            </a:schemeClr>
+                          </a:solidFill>
+                          <a:latin typeface="+mn-lt"/>
+                        </a:rPr>
+                        <a:t>Mode</a:t>
+                      </a:r>
+                      <a:r>
+                        <a:rPr lang="fr-FR" sz="1800" b="0" baseline="0" dirty="0" smtClean="0">
+                          <a:solidFill>
+                            <a:schemeClr val="tx1">
+                              <a:lumMod val="65000"/>
+                              <a:lumOff val="35000"/>
+                            </a:schemeClr>
+                          </a:solidFill>
+                          <a:latin typeface="+mn-lt"/>
+                        </a:rPr>
+                        <a:t> 3D</a:t>
+                      </a:r>
+                      <a:endParaRPr lang="fr-FR" sz="1800" b="0" dirty="0">
+                        <a:solidFill>
+                          <a:schemeClr val="tx1">
+                            <a:lumMod val="65000"/>
+                            <a:lumOff val="35000"/>
+                          </a:schemeClr>
+                        </a:solidFill>
+                        <a:latin typeface="+mn-lt"/>
+                      </a:endParaRPr>
+                    </a:p>
+                  </a:txBody>
+                  <a:tcPr>
+                    <a:solidFill>
+                      <a:schemeClr val="bg1">
+                        <a:lumMod val="95000"/>
+                      </a:schemeClr>
+                    </a:solidFill>
+                  </a:tcPr>
+                </a:tc>
+                <a:tc>
+                  <a:txBody>
+                    <a:bodyPr/>
+                    <a:lstStyle/>
+                    <a:p>
+                      <a:pPr algn="r"/>
+                      <a:r>
+                        <a:rPr lang="fr-FR" b="0" dirty="0" smtClean="0">
+                          <a:solidFill>
+                            <a:schemeClr val="tx1">
+                              <a:lumMod val="65000"/>
+                              <a:lumOff val="35000"/>
+                            </a:schemeClr>
+                          </a:solidFill>
+                          <a:latin typeface="+mn-lt"/>
+                        </a:rPr>
+                        <a:t>7000</a:t>
+                      </a:r>
+                      <a:r>
+                        <a:rPr lang="fr-FR" b="0" dirty="0" smtClean="0">
+                          <a:solidFill>
+                            <a:schemeClr val="tx1">
+                              <a:lumMod val="65000"/>
+                              <a:lumOff val="35000"/>
+                            </a:schemeClr>
+                          </a:solidFill>
+                          <a:latin typeface="+mn-lt"/>
+                        </a:rPr>
+                        <a:t>€</a:t>
+                      </a:r>
+                      <a:endParaRPr lang="fr-FR" b="0" dirty="0">
+                        <a:solidFill>
+                          <a:schemeClr val="tx1">
+                            <a:lumMod val="65000"/>
+                            <a:lumOff val="35000"/>
+                          </a:schemeClr>
+                        </a:solidFill>
+                        <a:latin typeface="+mn-lt"/>
+                      </a:endParaRPr>
+                    </a:p>
+                  </a:txBody>
+                  <a:tcPr>
+                    <a:lnR w="12700" cap="flat" cmpd="sng" algn="ctr">
+                      <a:noFill/>
+                      <a:prstDash val="solid"/>
+                      <a:round/>
+                      <a:headEnd type="none" w="med" len="med"/>
+                      <a:tailEnd type="none" w="med" len="med"/>
+                    </a:lnR>
+                    <a:solidFill>
+                      <a:schemeClr val="bg1">
+                        <a:lumMod val="95000"/>
+                      </a:schemeClr>
+                    </a:solidFill>
+                  </a:tcPr>
+                </a:tc>
+                <a:extLst>
+                  <a:ext uri="{0D108BD9-81ED-4DB2-BD59-A6C34878D82A}">
+                    <a16:rowId xmlns="" xmlns:a16="http://schemas.microsoft.com/office/drawing/2014/main" val="2932840409"/>
+                  </a:ext>
+                </a:extLst>
+              </a:tr>
+              <a:tr h="500981">
+                <a:tc>
+                  <a:txBody>
+                    <a:bodyPr/>
+                    <a:lstStyle/>
+                    <a:p>
+                      <a:pPr marL="0" marR="0" lvl="0" indent="0" algn="l" defTabSz="914400" rtl="0" eaLnBrk="1" fontAlgn="auto" latinLnBrk="0" hangingPunct="1">
+                        <a:lnSpc>
+                          <a:spcPct val="100000"/>
+                        </a:lnSpc>
+                        <a:spcBef>
+                          <a:spcPts val="0"/>
+                        </a:spcBef>
+                        <a:spcAft>
+                          <a:spcPts val="0"/>
+                        </a:spcAft>
+                        <a:buClrTx/>
+                        <a:buSzTx/>
+                        <a:buFontTx/>
+                        <a:buNone/>
+                        <a:tabLst/>
+                        <a:defRPr/>
+                      </a:pPr>
+                      <a:endParaRPr lang="fr-FR" b="0" dirty="0">
+                        <a:solidFill>
+                          <a:schemeClr val="tx1">
+                            <a:lumMod val="65000"/>
+                            <a:lumOff val="35000"/>
+                          </a:schemeClr>
+                        </a:solidFill>
+                        <a:latin typeface="+mn-lt"/>
+                      </a:endParaRPr>
+                    </a:p>
+                  </a:txBody>
+                  <a:tcPr>
+                    <a:lnL w="12700" cap="flat" cmpd="sng" algn="ctr">
+                      <a:noFill/>
+                      <a:prstDash val="solid"/>
+                      <a:round/>
+                      <a:headEnd type="none" w="med" len="med"/>
+                      <a:tailEnd type="none" w="med" len="med"/>
+                    </a:lnL>
+                    <a:solidFill>
+                      <a:schemeClr val="bg1"/>
+                    </a:solidFill>
+                  </a:tcPr>
+                </a:tc>
+                <a:tc>
+                  <a:txBody>
+                    <a:bodyPr/>
+                    <a:lstStyle/>
+                    <a:p>
+                      <a:pPr marL="0" marR="0" lvl="0" indent="0" algn="l" defTabSz="914400" rtl="0" eaLnBrk="1" fontAlgn="auto" latinLnBrk="0" hangingPunct="1">
+                        <a:lnSpc>
+                          <a:spcPct val="100000"/>
+                        </a:lnSpc>
+                        <a:spcBef>
+                          <a:spcPts val="0"/>
+                        </a:spcBef>
+                        <a:spcAft>
+                          <a:spcPts val="0"/>
+                        </a:spcAft>
+                        <a:buClrTx/>
+                        <a:buSzTx/>
+                        <a:buFontTx/>
+                        <a:buNone/>
+                        <a:tabLst/>
+                        <a:defRPr/>
+                      </a:pPr>
+                      <a:r>
+                        <a:rPr lang="fr-FR" sz="1800" b="0" dirty="0" smtClean="0">
+                          <a:solidFill>
+                            <a:schemeClr val="tx1">
+                              <a:lumMod val="65000"/>
+                              <a:lumOff val="35000"/>
+                            </a:schemeClr>
+                          </a:solidFill>
+                          <a:latin typeface="+mn-lt"/>
+                        </a:rPr>
+                        <a:t>Combinaison</a:t>
+                      </a:r>
+                      <a:r>
+                        <a:rPr lang="fr-FR" sz="1800" b="0" baseline="0" dirty="0" smtClean="0">
+                          <a:solidFill>
+                            <a:schemeClr val="tx1">
+                              <a:lumMod val="65000"/>
+                              <a:lumOff val="35000"/>
+                            </a:schemeClr>
+                          </a:solidFill>
+                          <a:latin typeface="+mn-lt"/>
+                        </a:rPr>
+                        <a:t> de commandes</a:t>
+                      </a:r>
+                      <a:endParaRPr lang="fr-FR" sz="1800" b="0" dirty="0">
+                        <a:solidFill>
+                          <a:schemeClr val="tx1">
+                            <a:lumMod val="65000"/>
+                            <a:lumOff val="35000"/>
+                          </a:schemeClr>
+                        </a:solidFill>
+                        <a:latin typeface="+mn-lt"/>
+                      </a:endParaRPr>
+                    </a:p>
+                  </a:txBody>
+                  <a:tcPr>
+                    <a:solidFill>
+                      <a:schemeClr val="bg1"/>
+                    </a:solidFill>
+                  </a:tcPr>
+                </a:tc>
+                <a:tc>
+                  <a:txBody>
+                    <a:bodyPr/>
+                    <a:lstStyle/>
+                    <a:p>
+                      <a:pPr algn="r"/>
+                      <a:r>
+                        <a:rPr lang="fr-FR" b="0" dirty="0" smtClean="0">
+                          <a:solidFill>
+                            <a:schemeClr val="tx1">
+                              <a:lumMod val="65000"/>
+                              <a:lumOff val="35000"/>
+                            </a:schemeClr>
+                          </a:solidFill>
+                          <a:latin typeface="+mn-lt"/>
+                        </a:rPr>
+                        <a:t>1400€</a:t>
+                      </a:r>
+                      <a:endParaRPr lang="fr-FR" b="0" dirty="0">
+                        <a:solidFill>
+                          <a:schemeClr val="tx1">
+                            <a:lumMod val="65000"/>
+                            <a:lumOff val="35000"/>
+                          </a:schemeClr>
+                        </a:solidFill>
+                        <a:latin typeface="+mn-lt"/>
+                      </a:endParaRPr>
+                    </a:p>
+                  </a:txBody>
+                  <a:tcPr>
+                    <a:lnR w="12700" cap="flat" cmpd="sng" algn="ctr">
+                      <a:noFill/>
+                      <a:prstDash val="solid"/>
+                      <a:round/>
+                      <a:headEnd type="none" w="med" len="med"/>
+                      <a:tailEnd type="none" w="med" len="med"/>
+                    </a:lnR>
+                    <a:solidFill>
+                      <a:schemeClr val="bg1">
+                        <a:lumMod val="95000"/>
+                      </a:schemeClr>
+                    </a:solidFill>
+                  </a:tcPr>
+                </a:tc>
+                <a:extLst>
+                  <a:ext uri="{0D108BD9-81ED-4DB2-BD59-A6C34878D82A}">
+                    <a16:rowId xmlns="" xmlns:a16="http://schemas.microsoft.com/office/drawing/2014/main" val="3736278046"/>
+                  </a:ext>
+                </a:extLst>
+              </a:tr>
+              <a:tr h="494118">
+                <a:tc>
+                  <a:txBody>
+                    <a:bodyPr/>
+                    <a:lstStyle/>
+                    <a:p>
+                      <a:pPr marL="0" marR="0" lvl="0" indent="0" algn="l" defTabSz="914400" rtl="0" eaLnBrk="1" fontAlgn="auto" latinLnBrk="0" hangingPunct="1">
+                        <a:lnSpc>
+                          <a:spcPct val="100000"/>
+                        </a:lnSpc>
+                        <a:spcBef>
+                          <a:spcPts val="0"/>
+                        </a:spcBef>
+                        <a:spcAft>
+                          <a:spcPts val="0"/>
+                        </a:spcAft>
+                        <a:buClrTx/>
+                        <a:buSzTx/>
+                        <a:buFontTx/>
+                        <a:buNone/>
+                        <a:tabLst/>
+                        <a:defRPr/>
+                      </a:pPr>
+                      <a:endParaRPr lang="fr-FR" b="0" dirty="0">
+                        <a:solidFill>
+                          <a:schemeClr val="tx1">
+                            <a:lumMod val="65000"/>
+                            <a:lumOff val="35000"/>
+                          </a:schemeClr>
+                        </a:solidFill>
+                        <a:latin typeface="+mn-lt"/>
+                      </a:endParaRPr>
+                    </a:p>
+                  </a:txBody>
+                  <a:tcPr>
+                    <a:lnL w="12700" cap="flat" cmpd="sng" algn="ctr">
+                      <a:noFill/>
+                      <a:prstDash val="solid"/>
+                      <a:round/>
+                      <a:headEnd type="none" w="med" len="med"/>
+                      <a:tailEnd type="none" w="med" len="med"/>
+                    </a:lnL>
+                    <a:solidFill>
+                      <a:schemeClr val="bg1"/>
+                    </a:solidFill>
+                  </a:tcPr>
+                </a:tc>
+                <a:tc>
+                  <a:txBody>
+                    <a:bodyPr/>
+                    <a:lstStyle/>
+                    <a:p>
+                      <a:pPr marL="0" marR="0" lvl="0" indent="0" algn="l" defTabSz="914400" rtl="0" eaLnBrk="1" fontAlgn="auto" latinLnBrk="0" hangingPunct="1">
+                        <a:lnSpc>
+                          <a:spcPct val="100000"/>
+                        </a:lnSpc>
+                        <a:spcBef>
+                          <a:spcPts val="0"/>
+                        </a:spcBef>
+                        <a:spcAft>
+                          <a:spcPts val="0"/>
+                        </a:spcAft>
+                        <a:buClrTx/>
+                        <a:buSzTx/>
+                        <a:buFontTx/>
+                        <a:buNone/>
+                        <a:tabLst/>
+                        <a:defRPr/>
+                      </a:pPr>
+                      <a:r>
+                        <a:rPr lang="fr-FR" sz="1800" b="0" dirty="0" smtClean="0">
+                          <a:solidFill>
+                            <a:schemeClr val="tx1">
+                              <a:lumMod val="65000"/>
+                              <a:lumOff val="35000"/>
+                            </a:schemeClr>
+                          </a:solidFill>
+                          <a:latin typeface="+mn-lt"/>
+                        </a:rPr>
+                        <a:t>Gestion des courbes</a:t>
+                      </a:r>
+                      <a:endParaRPr lang="fr-FR" sz="1800" b="0" dirty="0">
+                        <a:solidFill>
+                          <a:schemeClr val="tx1">
+                            <a:lumMod val="65000"/>
+                            <a:lumOff val="35000"/>
+                          </a:schemeClr>
+                        </a:solidFill>
+                        <a:latin typeface="+mn-lt"/>
+                      </a:endParaRPr>
+                    </a:p>
+                  </a:txBody>
+                  <a:tcPr>
+                    <a:solidFill>
+                      <a:schemeClr val="bg1">
+                        <a:lumMod val="95000"/>
+                      </a:schemeClr>
+                    </a:solidFill>
+                  </a:tcPr>
+                </a:tc>
+                <a:tc>
+                  <a:txBody>
+                    <a:bodyPr/>
+                    <a:lstStyle/>
+                    <a:p>
+                      <a:pPr algn="r"/>
+                      <a:r>
+                        <a:rPr lang="fr-FR" b="0" dirty="0" smtClean="0">
+                          <a:solidFill>
+                            <a:schemeClr val="tx1">
+                              <a:lumMod val="65000"/>
+                              <a:lumOff val="35000"/>
+                            </a:schemeClr>
+                          </a:solidFill>
+                          <a:latin typeface="+mn-lt"/>
+                        </a:rPr>
+                        <a:t>400€</a:t>
+                      </a:r>
+                      <a:endParaRPr lang="fr-FR" b="0" dirty="0">
+                        <a:solidFill>
+                          <a:schemeClr val="tx1">
+                            <a:lumMod val="65000"/>
+                            <a:lumOff val="35000"/>
+                          </a:schemeClr>
+                        </a:solidFill>
+                        <a:latin typeface="+mn-lt"/>
+                      </a:endParaRPr>
+                    </a:p>
+                  </a:txBody>
+                  <a:tcPr>
+                    <a:lnR w="12700" cap="flat" cmpd="sng" algn="ctr">
+                      <a:noFill/>
+                      <a:prstDash val="solid"/>
+                      <a:round/>
+                      <a:headEnd type="none" w="med" len="med"/>
+                      <a:tailEnd type="none" w="med" len="med"/>
+                    </a:lnR>
+                    <a:solidFill>
+                      <a:schemeClr val="bg1">
+                        <a:lumMod val="95000"/>
+                      </a:schemeClr>
+                    </a:solidFill>
+                  </a:tcPr>
+                </a:tc>
+                <a:extLst>
+                  <a:ext uri="{0D108BD9-81ED-4DB2-BD59-A6C34878D82A}">
+                    <a16:rowId xmlns="" xmlns:a16="http://schemas.microsoft.com/office/drawing/2014/main" val="2493942223"/>
+                  </a:ext>
+                </a:extLst>
+              </a:tr>
+              <a:tr h="500981">
+                <a:tc>
+                  <a:txBody>
+                    <a:bodyPr/>
+                    <a:lstStyle/>
+                    <a:p>
+                      <a:pPr marL="0" marR="0" lvl="0" indent="0" algn="l" defTabSz="914400" rtl="0" eaLnBrk="1" fontAlgn="auto" latinLnBrk="0" hangingPunct="1">
+                        <a:lnSpc>
+                          <a:spcPct val="100000"/>
+                        </a:lnSpc>
+                        <a:spcBef>
+                          <a:spcPts val="0"/>
+                        </a:spcBef>
+                        <a:spcAft>
+                          <a:spcPts val="0"/>
+                        </a:spcAft>
+                        <a:buClrTx/>
+                        <a:buSzTx/>
+                        <a:buFontTx/>
+                        <a:buNone/>
+                        <a:tabLst/>
+                        <a:defRPr/>
+                      </a:pPr>
+                      <a:endParaRPr lang="fr-FR" b="0" dirty="0">
+                        <a:solidFill>
+                          <a:schemeClr val="tx1">
+                            <a:lumMod val="65000"/>
+                            <a:lumOff val="35000"/>
+                          </a:schemeClr>
+                        </a:solidFill>
+                        <a:latin typeface="+mn-lt"/>
+                      </a:endParaRPr>
+                    </a:p>
+                  </a:txBody>
+                  <a:tcPr>
+                    <a:lnL w="12700" cap="flat" cmpd="sng" algn="ctr">
+                      <a:noFill/>
+                      <a:prstDash val="solid"/>
+                      <a:round/>
+                      <a:headEnd type="none" w="med" len="med"/>
+                      <a:tailEnd type="none" w="med" len="med"/>
+                    </a:lnL>
+                    <a:solidFill>
+                      <a:schemeClr val="bg1"/>
+                    </a:solidFill>
+                  </a:tcPr>
+                </a:tc>
+                <a:tc>
+                  <a:txBody>
+                    <a:bodyPr/>
+                    <a:lstStyle/>
+                    <a:p>
+                      <a:pPr marL="0" marR="0" lvl="0" indent="0" algn="l" defTabSz="914400" rtl="0" eaLnBrk="1" fontAlgn="auto" latinLnBrk="0" hangingPunct="1">
+                        <a:lnSpc>
+                          <a:spcPct val="100000"/>
+                        </a:lnSpc>
+                        <a:spcBef>
+                          <a:spcPts val="0"/>
+                        </a:spcBef>
+                        <a:spcAft>
+                          <a:spcPts val="0"/>
+                        </a:spcAft>
+                        <a:buClrTx/>
+                        <a:buSzTx/>
+                        <a:buFontTx/>
+                        <a:buNone/>
+                        <a:tabLst/>
+                        <a:defRPr/>
+                      </a:pPr>
+                      <a:r>
+                        <a:rPr lang="fr-FR" sz="1800" b="0" dirty="0" smtClean="0">
+                          <a:solidFill>
+                            <a:schemeClr val="tx1">
+                              <a:lumMod val="65000"/>
+                              <a:lumOff val="35000"/>
+                            </a:schemeClr>
+                          </a:solidFill>
+                          <a:latin typeface="+mn-lt"/>
+                        </a:rPr>
+                        <a:t>Dégradé</a:t>
+                      </a:r>
+                      <a:r>
+                        <a:rPr lang="fr-FR" sz="1800" b="0" baseline="0" dirty="0" smtClean="0">
+                          <a:solidFill>
+                            <a:schemeClr val="tx1">
+                              <a:lumMod val="65000"/>
+                              <a:lumOff val="35000"/>
+                            </a:schemeClr>
+                          </a:solidFill>
+                          <a:latin typeface="+mn-lt"/>
+                        </a:rPr>
+                        <a:t> de couleurs</a:t>
+                      </a:r>
+                      <a:endParaRPr lang="fr-FR" sz="1800" b="0" dirty="0">
+                        <a:solidFill>
+                          <a:schemeClr val="tx1">
+                            <a:lumMod val="65000"/>
+                            <a:lumOff val="35000"/>
+                          </a:schemeClr>
+                        </a:solidFill>
+                        <a:latin typeface="+mn-lt"/>
+                      </a:endParaRPr>
+                    </a:p>
+                  </a:txBody>
+                  <a:tcPr>
+                    <a:solidFill>
+                      <a:schemeClr val="bg1"/>
+                    </a:solidFill>
+                  </a:tcPr>
+                </a:tc>
+                <a:tc>
+                  <a:txBody>
+                    <a:bodyPr/>
+                    <a:lstStyle/>
+                    <a:p>
+                      <a:pPr marL="0" marR="0" lvl="0" indent="0" algn="r" defTabSz="914400" rtl="0" eaLnBrk="1" fontAlgn="auto" latinLnBrk="0" hangingPunct="1">
+                        <a:lnSpc>
+                          <a:spcPct val="100000"/>
+                        </a:lnSpc>
+                        <a:spcBef>
+                          <a:spcPts val="0"/>
+                        </a:spcBef>
+                        <a:spcAft>
+                          <a:spcPts val="0"/>
+                        </a:spcAft>
+                        <a:buClrTx/>
+                        <a:buSzTx/>
+                        <a:buFontTx/>
+                        <a:buNone/>
+                        <a:tabLst/>
+                        <a:defRPr/>
+                      </a:pPr>
+                      <a:r>
+                        <a:rPr lang="fr-FR" b="0" dirty="0" smtClean="0">
+                          <a:solidFill>
+                            <a:schemeClr val="tx1">
+                              <a:lumMod val="65000"/>
+                              <a:lumOff val="35000"/>
+                            </a:schemeClr>
+                          </a:solidFill>
+                          <a:latin typeface="+mn-lt"/>
+                        </a:rPr>
+                        <a:t>400</a:t>
+                      </a:r>
+                      <a:r>
+                        <a:rPr lang="fr-FR" b="0" dirty="0">
+                          <a:solidFill>
+                            <a:schemeClr val="tx1">
+                              <a:lumMod val="65000"/>
+                              <a:lumOff val="35000"/>
+                            </a:schemeClr>
+                          </a:solidFill>
+                          <a:latin typeface="+mn-lt"/>
+                        </a:rPr>
+                        <a:t>€</a:t>
+                      </a:r>
+                    </a:p>
+                  </a:txBody>
+                  <a:tcPr>
+                    <a:lnR w="12700" cap="flat" cmpd="sng" algn="ctr">
+                      <a:noFill/>
+                      <a:prstDash val="solid"/>
+                      <a:round/>
+                      <a:headEnd type="none" w="med" len="med"/>
+                      <a:tailEnd type="none" w="med" len="med"/>
+                    </a:lnR>
+                    <a:solidFill>
+                      <a:schemeClr val="bg1">
+                        <a:lumMod val="95000"/>
+                      </a:schemeClr>
+                    </a:solidFill>
+                  </a:tcPr>
+                </a:tc>
+                <a:extLst>
+                  <a:ext uri="{0D108BD9-81ED-4DB2-BD59-A6C34878D82A}">
+                    <a16:rowId xmlns="" xmlns:a16="http://schemas.microsoft.com/office/drawing/2014/main" val="3752774149"/>
+                  </a:ext>
+                </a:extLst>
+              </a:tr>
+              <a:tr h="500981">
+                <a:tc gridSpan="2">
+                  <a:txBody>
+                    <a:bodyPr/>
+                    <a:lstStyle/>
+                    <a:p>
+                      <a:pPr marL="0" marR="0" lvl="0" indent="0" algn="l" defTabSz="914400" rtl="0" eaLnBrk="1" fontAlgn="auto" latinLnBrk="0" hangingPunct="1">
+                        <a:lnSpc>
+                          <a:spcPct val="100000"/>
+                        </a:lnSpc>
+                        <a:spcBef>
+                          <a:spcPts val="0"/>
+                        </a:spcBef>
+                        <a:spcAft>
+                          <a:spcPts val="0"/>
+                        </a:spcAft>
+                        <a:buClrTx/>
+                        <a:buSzTx/>
+                        <a:buFontTx/>
+                        <a:buNone/>
+                        <a:tabLst/>
+                        <a:defRPr/>
+                      </a:pPr>
+                      <a:r>
+                        <a:rPr lang="fr-FR" sz="2000" b="0" dirty="0">
+                          <a:solidFill>
+                            <a:schemeClr val="tx1">
+                              <a:lumMod val="65000"/>
+                              <a:lumOff val="35000"/>
+                            </a:schemeClr>
+                          </a:solidFill>
+                          <a:latin typeface="+mn-lt"/>
+                        </a:rPr>
+                        <a:t>Support</a:t>
+                      </a:r>
+                      <a:r>
+                        <a:rPr lang="fr-FR" sz="2000" b="0" baseline="0" dirty="0">
+                          <a:solidFill>
+                            <a:schemeClr val="tx1">
+                              <a:lumMod val="65000"/>
+                              <a:lumOff val="35000"/>
+                            </a:schemeClr>
+                          </a:solidFill>
+                          <a:latin typeface="+mn-lt"/>
+                        </a:rPr>
+                        <a:t> technique du jeu sur 1 </a:t>
+                      </a:r>
+                      <a:r>
+                        <a:rPr lang="fr-FR" sz="2000" b="0" baseline="0" dirty="0" smtClean="0">
+                          <a:solidFill>
+                            <a:schemeClr val="tx1">
+                              <a:lumMod val="65000"/>
+                              <a:lumOff val="35000"/>
+                            </a:schemeClr>
+                          </a:solidFill>
+                          <a:latin typeface="+mn-lt"/>
+                        </a:rPr>
+                        <a:t>an </a:t>
+                      </a:r>
+                      <a:r>
+                        <a:rPr lang="fr-FR" sz="2000" b="0" baseline="0" dirty="0">
+                          <a:solidFill>
+                            <a:schemeClr val="tx1">
+                              <a:lumMod val="65000"/>
+                              <a:lumOff val="35000"/>
+                            </a:schemeClr>
+                          </a:solidFill>
+                          <a:latin typeface="+mn-lt"/>
+                        </a:rPr>
+                        <a:t>(ajustable)</a:t>
+                      </a:r>
+                      <a:endParaRPr lang="fr-FR" sz="2000" b="0" dirty="0">
+                        <a:solidFill>
+                          <a:schemeClr val="tx1">
+                            <a:lumMod val="65000"/>
+                            <a:lumOff val="35000"/>
+                          </a:schemeClr>
+                        </a:solidFill>
+                        <a:latin typeface="+mn-lt"/>
+                      </a:endParaRPr>
+                    </a:p>
+                  </a:txBody>
+                  <a:tcPr>
+                    <a:lnL w="12700" cap="flat" cmpd="sng" algn="ctr">
+                      <a:noFill/>
+                      <a:prstDash val="solid"/>
+                      <a:round/>
+                      <a:headEnd type="none" w="med" len="med"/>
+                      <a:tailEnd type="none" w="med" len="med"/>
+                    </a:lnL>
+                    <a:lnB w="12700" cap="flat" cmpd="sng" algn="ctr">
+                      <a:noFill/>
+                      <a:prstDash val="solid"/>
+                      <a:round/>
+                      <a:headEnd type="none" w="med" len="med"/>
+                      <a:tailEnd type="none" w="med" len="med"/>
+                    </a:lnB>
+                    <a:solidFill>
+                      <a:schemeClr val="bg1">
+                        <a:lumMod val="95000"/>
+                      </a:schemeClr>
+                    </a:solidFill>
+                  </a:tcPr>
+                </a:tc>
+                <a:tc hMerge="1">
+                  <a:txBody>
+                    <a:bodyPr/>
+                    <a:lstStyle/>
+                    <a:p>
+                      <a:endParaRPr lang="fr-FR"/>
+                    </a:p>
+                  </a:txBody>
+                  <a:tcPr/>
+                </a:tc>
+                <a:tc>
+                  <a:txBody>
+                    <a:bodyPr/>
+                    <a:lstStyle/>
+                    <a:p>
+                      <a:pPr algn="r"/>
+                      <a:r>
+                        <a:rPr lang="fr-FR" b="0" dirty="0" smtClean="0">
+                          <a:solidFill>
+                            <a:schemeClr val="tx1">
+                              <a:lumMod val="65000"/>
+                              <a:lumOff val="35000"/>
+                            </a:schemeClr>
+                          </a:solidFill>
+                          <a:latin typeface="+mn-lt"/>
+                        </a:rPr>
+                        <a:t>2500</a:t>
+                      </a:r>
+                      <a:r>
+                        <a:rPr lang="fr-FR" b="0" dirty="0" smtClean="0">
+                          <a:solidFill>
+                            <a:schemeClr val="tx1">
+                              <a:lumMod val="65000"/>
+                              <a:lumOff val="35000"/>
+                            </a:schemeClr>
+                          </a:solidFill>
+                          <a:latin typeface="+mn-lt"/>
+                        </a:rPr>
+                        <a:t>€</a:t>
+                      </a:r>
+                      <a:endParaRPr lang="fr-FR" b="0" dirty="0">
+                        <a:solidFill>
+                          <a:schemeClr val="tx1">
+                            <a:lumMod val="65000"/>
+                            <a:lumOff val="35000"/>
+                          </a:schemeClr>
+                        </a:solidFill>
+                        <a:latin typeface="+mn-lt"/>
+                      </a:endParaRPr>
+                    </a:p>
+                  </a:txBody>
+                  <a:tcPr>
+                    <a:lnR w="12700" cap="flat" cmpd="sng" algn="ctr">
+                      <a:noFill/>
+                      <a:prstDash val="solid"/>
+                      <a:round/>
+                      <a:headEnd type="none" w="med" len="med"/>
+                      <a:tailEnd type="none" w="med" len="med"/>
+                    </a:lnR>
+                    <a:lnB w="38100" cmpd="sng">
+                      <a:noFill/>
+                    </a:lnB>
+                    <a:solidFill>
+                      <a:schemeClr val="bg1">
+                        <a:lumMod val="95000"/>
+                      </a:schemeClr>
+                    </a:solidFill>
+                  </a:tcPr>
+                </a:tc>
+                <a:extLst>
+                  <a:ext uri="{0D108BD9-81ED-4DB2-BD59-A6C34878D82A}">
+                    <a16:rowId xmlns="" xmlns:a16="http://schemas.microsoft.com/office/drawing/2014/main" val="3767000208"/>
+                  </a:ext>
+                </a:extLst>
+              </a:tr>
+            </a:tbl>
+          </a:graphicData>
+        </a:graphic>
+      </p:graphicFrame>
     </p:spTree>
     <p:extLst>
       <p:ext uri="{BB962C8B-B14F-4D97-AF65-F5344CB8AC3E}">
-        <p14:creationId xmlns:p14="http://schemas.microsoft.com/office/powerpoint/2010/main" val="2538984212"/>
+        <p14:creationId xmlns:p14="http://schemas.microsoft.com/office/powerpoint/2010/main" val="3045039752"/>
       </p:ext>
     </p:extLst>
   </p:cSld>
   <p:clrMapOvr>
     <a:masterClrMapping/>
   </p:clrMapOvr>
+  <p:timing>
+    <p:tnLst>
+      <p:par>
+        <p:cTn id="1" dur="indefinite" restart="never" nodeType="tmRoot"/>
+      </p:par>
+    </p:tnLst>
+  </p:timing>
 </p:sld>
 </file>
 

--- a/Suplogo.pptx
+++ b/Suplogo.pptx
@@ -123,6 +123,10 @@
 </p:presentation>
 </file>
 
+<file path=ppt/revisionInfo.xml><?xml version="1.0" encoding="utf-8"?>
+<p1510:revInfo xmlns:a="http://schemas.openxmlformats.org/drawingml/2006/main" xmlns:r="http://schemas.openxmlformats.org/officeDocument/2006/relationships" xmlns:p1510="http://schemas.microsoft.com/office/powerpoint/2015/10/main"/>
+</file>
+
 <file path=ppt/notesMasters/notesMaster1.xml><?xml version="1.0" encoding="utf-8"?>
 <p:notesMaster xmlns:a="http://schemas.openxmlformats.org/drawingml/2006/main" xmlns:r="http://schemas.openxmlformats.org/officeDocument/2006/relationships" xmlns:p="http://schemas.openxmlformats.org/presentationml/2006/main">
   <p:cSld>
@@ -517,20 +521,20 @@
           <a:lstStyle/>
           <a:p>
             <a:r>
-              <a:rPr lang="fr-FR" dirty="0" smtClean="0"/>
+              <a:rPr lang="fr-FR" dirty="0"/>
               <a:t>Robin</a:t>
             </a:r>
           </a:p>
           <a:p>
-            <a:endParaRPr lang="fr-FR" dirty="0" smtClean="0"/>
-          </a:p>
-          <a:p>
-            <a:r>
-              <a:rPr lang="fr-FR" dirty="0" smtClean="0"/>
+            <a:endParaRPr lang="fr-FR" dirty="0"/>
+          </a:p>
+          <a:p>
+            <a:r>
+              <a:rPr lang="fr-FR" dirty="0"/>
               <a:t>Présentation</a:t>
             </a:r>
             <a:r>
-              <a:rPr lang="fr-FR" baseline="0" dirty="0" smtClean="0"/>
+              <a:rPr lang="fr-FR" baseline="0" dirty="0"/>
               <a:t> de l’équipe et de ce qu’on présente</a:t>
             </a:r>
             <a:endParaRPr lang="fr-FR" dirty="0"/>
@@ -618,19 +622,19 @@
           <a:lstStyle/>
           <a:p>
             <a:r>
-              <a:rPr lang="fr-FR" dirty="0" smtClean="0"/>
+              <a:rPr lang="fr-FR" dirty="0"/>
               <a:t>Chacun</a:t>
             </a:r>
             <a:r>
-              <a:rPr lang="fr-FR" baseline="0" dirty="0" smtClean="0"/>
+              <a:rPr lang="fr-FR" baseline="0" dirty="0"/>
               <a:t> se présente Robin d’abord puis Kevin, </a:t>
             </a:r>
             <a:r>
-              <a:rPr lang="fr-FR" baseline="0" dirty="0" err="1" smtClean="0"/>
+              <a:rPr lang="fr-FR" baseline="0" dirty="0" err="1"/>
               <a:t>Seb</a:t>
             </a:r>
             <a:r>
-              <a:rPr lang="fr-FR" baseline="0" dirty="0" smtClean="0"/>
+              <a:rPr lang="fr-FR" baseline="0" dirty="0"/>
               <a:t>, Yohann et Lisa</a:t>
             </a:r>
             <a:endParaRPr lang="fr-FR" dirty="0"/>
@@ -718,7 +722,7 @@
           <a:lstStyle/>
           <a:p>
             <a:r>
-              <a:rPr lang="fr-FR" dirty="0" smtClean="0"/>
+              <a:rPr lang="fr-FR" dirty="0"/>
               <a:t>Lisa </a:t>
             </a:r>
           </a:p>
@@ -808,10 +812,9 @@
           <a:lstStyle/>
           <a:p>
             <a:r>
-              <a:rPr lang="fr-FR" dirty="0" smtClean="0"/>
+              <a:rPr lang="fr-FR" dirty="0"/>
               <a:t>Yohann</a:t>
             </a:r>
-            <a:endParaRPr lang="fr-FR" dirty="0"/>
           </a:p>
         </p:txBody>
       </p:sp>
@@ -896,10 +899,9 @@
           <a:lstStyle/>
           <a:p>
             <a:r>
-              <a:rPr lang="fr-FR" dirty="0" smtClean="0"/>
+              <a:rPr lang="fr-FR" dirty="0"/>
               <a:t>Sébastien</a:t>
             </a:r>
-            <a:endParaRPr lang="fr-FR" dirty="0"/>
           </a:p>
         </p:txBody>
       </p:sp>
@@ -984,67 +986,80 @@
           <a:lstStyle/>
           <a:p>
             <a:r>
-              <a:rPr lang="fr-FR" dirty="0" smtClean="0"/>
+              <a:rPr lang="fr-FR" dirty="0"/>
               <a:t>Kevin</a:t>
             </a:r>
           </a:p>
           <a:p>
-            <a:endParaRPr lang="fr-FR" dirty="0" smtClean="0"/>
-          </a:p>
-          <a:p>
-            <a:r>
-              <a:rPr lang="fr-FR" dirty="0" smtClean="0"/>
-              <a:t>Yohann</a:t>
-            </a:r>
-            <a:r>
-              <a:rPr lang="fr-FR" baseline="0" dirty="0" smtClean="0"/>
-              <a:t> </a:t>
-            </a:r>
-            <a:r>
-              <a:rPr lang="fr-FR" baseline="0" dirty="0" smtClean="0"/>
-              <a:t>: implémentation des fonctions</a:t>
-            </a:r>
-          </a:p>
-          <a:p>
-            <a:r>
-              <a:rPr lang="fr-FR" baseline="0" dirty="0" smtClean="0"/>
-              <a:t>Lisa : création fenêtre et </a:t>
-            </a:r>
-            <a:r>
-              <a:rPr lang="fr-FR" baseline="0" dirty="0" err="1" smtClean="0"/>
+            <a:endParaRPr lang="fr-FR" dirty="0"/>
+          </a:p>
+          <a:p>
+            <a:r>
+              <a:rPr lang="fr-FR" dirty="0"/>
+              <a:t>Robin -&gt; mise en place de la </a:t>
+            </a:r>
+            <a:r>
+              <a:rPr lang="fr-FR" dirty="0" err="1"/>
+              <a:t>workspace</a:t>
+            </a:r>
+            <a:r>
+              <a:rPr lang="fr-FR" dirty="0"/>
+              <a:t>, moteur </a:t>
+            </a:r>
+            <a:r>
+              <a:rPr lang="fr-FR"/>
+              <a:t>de production</a:t>
+            </a:r>
+            <a:endParaRPr lang="fr-FR" dirty="0"/>
+          </a:p>
+          <a:p>
+            <a:r>
+              <a:rPr lang="fr-FR" dirty="0"/>
+              <a:t>Lisa -&gt; création fenêtre et </a:t>
+            </a:r>
+            <a:r>
+              <a:rPr lang="fr-FR" dirty="0" err="1"/>
               <a:t>canvas</a:t>
             </a:r>
-            <a:r>
-              <a:rPr lang="fr-FR" baseline="0" dirty="0" smtClean="0"/>
-              <a:t> ; parseur de l’interpréteur ; implémentation des fonctions ; gestion de l’affichage</a:t>
-            </a:r>
-          </a:p>
-          <a:p>
-            <a:r>
-              <a:rPr lang="fr-FR" baseline="0" dirty="0" smtClean="0"/>
-              <a:t>Sébastien : parseur de l’interpréteur ; implémentation des fonctions ; création du logo</a:t>
-            </a:r>
-          </a:p>
-          <a:p>
-            <a:r>
-              <a:rPr lang="fr-FR" baseline="0" dirty="0" smtClean="0"/>
-              <a:t>Kévin : conseils/respect conventions JAVA</a:t>
-            </a:r>
-          </a:p>
-          <a:p>
-            <a:r>
-              <a:rPr lang="fr-FR" baseline="0" dirty="0" smtClean="0"/>
-              <a:t>Robin : </a:t>
-            </a:r>
-            <a:r>
-              <a:rPr lang="fr-FR" baseline="0" dirty="0" err="1" smtClean="0"/>
-              <a:t>workspace</a:t>
-            </a:r>
-            <a:r>
-              <a:rPr lang="fr-FR" baseline="0" dirty="0" smtClean="0"/>
-              <a:t> &amp; moteur de production ; exécuteur de l’interpréteur</a:t>
-            </a:r>
             <a:endParaRPr lang="fr-FR" dirty="0"/>
+          </a:p>
+          <a:p>
+            <a:r>
+              <a:rPr lang="fr-FR" dirty="0"/>
+              <a:t>Lisa et Sébastien -&gt; parseur de commandes</a:t>
+            </a:r>
+          </a:p>
+          <a:p>
+            <a:r>
+              <a:rPr lang="fr-FR" dirty="0"/>
+              <a:t>Robin et moi -&gt; </a:t>
+            </a:r>
+            <a:r>
+              <a:rPr lang="fr-FR" dirty="0" err="1"/>
+              <a:t>éxecution</a:t>
+            </a:r>
+            <a:r>
+              <a:rPr lang="fr-FR" dirty="0"/>
+              <a:t> des commandes</a:t>
+            </a:r>
+          </a:p>
+          <a:p>
+            <a:r>
+              <a:rPr lang="fr-FR" dirty="0"/>
+              <a:t>Toute l’équipe sauf robin -&gt; implémentation des commandes</a:t>
+            </a:r>
+          </a:p>
+          <a:p>
+            <a:r>
+              <a:rPr lang="fr-FR" dirty="0"/>
+              <a:t>Lisa -&gt; gestion de l’affichage</a:t>
+            </a:r>
+          </a:p>
+          <a:p>
+            <a:r>
+              <a:rPr lang="fr-FR" dirty="0"/>
+              <a:t>Sébastien -&gt; Logo</a:t>
+            </a:r>
           </a:p>
         </p:txBody>
       </p:sp>
@@ -1129,10 +1144,9 @@
           <a:lstStyle/>
           <a:p>
             <a:r>
-              <a:rPr lang="fr-FR" dirty="0" smtClean="0"/>
+              <a:rPr lang="fr-FR" dirty="0"/>
               <a:t>Lisa</a:t>
             </a:r>
-            <a:endParaRPr lang="fr-FR" dirty="0"/>
           </a:p>
         </p:txBody>
       </p:sp>
@@ -1217,10 +1231,9 @@
           <a:lstStyle/>
           <a:p>
             <a:r>
-              <a:rPr lang="fr-FR" dirty="0" smtClean="0"/>
+              <a:rPr lang="fr-FR" dirty="0"/>
               <a:t>Robin</a:t>
             </a:r>
-            <a:endParaRPr lang="fr-FR" dirty="0"/>
           </a:p>
         </p:txBody>
       </p:sp>
@@ -4302,7 +4315,7 @@
           <a:lstStyle/>
           <a:p>
             <a:r>
-              <a:rPr lang="fr-FR" dirty="0" err="1" smtClean="0">
+              <a:rPr lang="fr-FR" dirty="0" err="1">
                 <a:solidFill>
                   <a:schemeClr val="bg1"/>
                 </a:solidFill>
@@ -4376,7 +4389,7 @@
               <a:t> - Sébastien Erfani – Yohann Jolain – Robin </a:t>
             </a:r>
             <a:r>
-              <a:rPr lang="fr-FR" dirty="0" err="1" smtClean="0">
+              <a:rPr lang="fr-FR" dirty="0" err="1">
                 <a:solidFill>
                   <a:schemeClr val="bg1"/>
                 </a:solidFill>
@@ -4385,7 +4398,7 @@
               <a:t>Biechy</a:t>
             </a:r>
             <a:r>
-              <a:rPr lang="fr-FR" dirty="0" smtClean="0">
+              <a:rPr lang="fr-FR" dirty="0">
                 <a:solidFill>
                   <a:schemeClr val="bg1"/>
                 </a:solidFill>
@@ -4393,12 +4406,6 @@
               </a:rPr>
               <a:t> – Lisa Jaafar</a:t>
             </a:r>
-            <a:endParaRPr lang="fr-FR" dirty="0">
-              <a:solidFill>
-                <a:schemeClr val="bg1"/>
-              </a:solidFill>
-              <a:latin typeface="Exo 2.0" panose="00000500000000000000" pitchFamily="50" charset="0"/>
-            </a:endParaRPr>
           </a:p>
           <a:p>
             <a:endParaRPr lang="fr-FR" dirty="0">
@@ -4482,13 +4489,6 @@
   <p:clrMapOvr>
     <a:masterClrMapping/>
   </p:clrMapOvr>
-  <p:timing>
-    <p:tnLst>
-      <p:par>
-        <p:cTn id="1" dur="indefinite" restart="never" nodeType="tmRoot"/>
-      </p:par>
-    </p:tnLst>
-  </p:timing>
 </p:sld>
 </file>
 
@@ -4759,7 +4759,7 @@
               <a:buNone/>
             </a:pPr>
             <a:r>
-              <a:rPr lang="fr-FR" dirty="0" smtClean="0">
+              <a:rPr lang="fr-FR" dirty="0">
                 <a:solidFill>
                   <a:schemeClr val="bg1"/>
                 </a:solidFill>
@@ -4767,12 +4767,6 @@
               </a:rPr>
               <a:t>L’ÉQUIPE DE DEVIANT SQUAD</a:t>
             </a:r>
-            <a:endParaRPr lang="fr-FR" dirty="0">
-              <a:solidFill>
-                <a:schemeClr val="bg1"/>
-              </a:solidFill>
-              <a:latin typeface="Exo 2.0" panose="00000500000000000000" pitchFamily="50" charset="0"/>
-            </a:endParaRPr>
           </a:p>
         </p:txBody>
       </p:sp>
@@ -5008,29 +5002,8 @@
                 </a:solidFill>
                 <a:latin typeface="Exo 2.0" panose="00000500000000000000" pitchFamily="50" charset="0"/>
               </a:rPr>
-              <a:t>Robin </a:t>
-            </a:r>
-            <a:r>
-              <a:rPr lang="fr-FR" dirty="0" smtClean="0">
-                <a:solidFill>
-                  <a:schemeClr val="tx1">
-                    <a:lumMod val="65000"/>
-                    <a:lumOff val="35000"/>
-                  </a:schemeClr>
-                </a:solidFill>
-                <a:latin typeface="Exo 2.0" panose="00000500000000000000" pitchFamily="50" charset="0"/>
-              </a:rPr>
-              <a:t>BIECHY</a:t>
-            </a:r>
-            <a:endParaRPr lang="fr-FR" dirty="0">
-              <a:solidFill>
-                <a:schemeClr val="tx1">
-                  <a:lumMod val="65000"/>
-                  <a:lumOff val="35000"/>
-                </a:schemeClr>
-              </a:solidFill>
-              <a:latin typeface="Exo 2.0" panose="00000500000000000000" pitchFamily="50" charset="0"/>
-            </a:endParaRPr>
+              <a:t>Robin BIECHY</a:t>
+            </a:r>
           </a:p>
           <a:p>
             <a:pPr>
@@ -5039,7 +5012,7 @@
               </a:lnSpc>
             </a:pPr>
             <a:r>
-              <a:rPr lang="fr-FR" sz="1600" i="1" dirty="0" smtClean="0">
+              <a:rPr lang="fr-FR" sz="1600" i="1" dirty="0">
                 <a:solidFill>
                   <a:schemeClr val="tx1">
                     <a:lumMod val="50000"/>
@@ -5050,15 +5023,6 @@
               </a:rPr>
               <a:t>Chef de projet</a:t>
             </a:r>
-            <a:endParaRPr lang="fr-FR" sz="1600" i="1" dirty="0">
-              <a:solidFill>
-                <a:schemeClr val="tx1">
-                  <a:lumMod val="50000"/>
-                  <a:lumOff val="50000"/>
-                </a:schemeClr>
-              </a:solidFill>
-              <a:latin typeface="Exo 2.0" panose="00000500000000000000" pitchFamily="50" charset="0"/>
-            </a:endParaRPr>
           </a:p>
         </p:txBody>
       </p:sp>
@@ -5090,7 +5054,7 @@
               </a:lnSpc>
             </a:pPr>
             <a:r>
-              <a:rPr lang="fr-FR" dirty="0" smtClean="0">
+              <a:rPr lang="fr-FR" dirty="0">
                 <a:solidFill>
                   <a:schemeClr val="tx1">
                     <a:lumMod val="65000"/>
@@ -5109,7 +5073,7 @@
               </a:lnSpc>
             </a:pPr>
             <a:r>
-              <a:rPr lang="fr-FR" sz="1600" i="1" dirty="0" smtClean="0">
+              <a:rPr lang="fr-FR" sz="1600" i="1" dirty="0">
                 <a:solidFill>
                   <a:schemeClr val="tx1">
                     <a:lumMod val="50000"/>
@@ -5120,15 +5084,6 @@
               </a:rPr>
               <a:t>Développeur senior</a:t>
             </a:r>
-            <a:endParaRPr lang="fr-FR" sz="1600" i="1" dirty="0">
-              <a:solidFill>
-                <a:schemeClr val="tx1">
-                  <a:lumMod val="50000"/>
-                  <a:lumOff val="50000"/>
-                </a:schemeClr>
-              </a:solidFill>
-              <a:latin typeface="Exo 2.0" panose="00000500000000000000" pitchFamily="50" charset="0"/>
-            </a:endParaRPr>
           </a:p>
         </p:txBody>
       </p:sp>
@@ -5160,7 +5115,7 @@
               </a:lnSpc>
             </a:pPr>
             <a:r>
-              <a:rPr lang="fr-FR" dirty="0" smtClean="0">
+              <a:rPr lang="fr-FR" dirty="0">
                 <a:solidFill>
                   <a:schemeClr val="tx1">
                     <a:lumMod val="65000"/>
@@ -5179,7 +5134,7 @@
               </a:lnSpc>
             </a:pPr>
             <a:r>
-              <a:rPr lang="fr-FR" sz="1600" i="1" dirty="0" smtClean="0">
+              <a:rPr lang="fr-FR" sz="1600" i="1" dirty="0">
                 <a:solidFill>
                   <a:schemeClr val="tx1">
                     <a:lumMod val="50000"/>
@@ -5190,15 +5145,6 @@
               </a:rPr>
               <a:t>Développeur senior</a:t>
             </a:r>
-            <a:endParaRPr lang="fr-FR" sz="1600" i="1" dirty="0">
-              <a:solidFill>
-                <a:schemeClr val="tx1">
-                  <a:lumMod val="50000"/>
-                  <a:lumOff val="50000"/>
-                </a:schemeClr>
-              </a:solidFill>
-              <a:latin typeface="Exo 2.0" panose="00000500000000000000" pitchFamily="50" charset="0"/>
-            </a:endParaRPr>
           </a:p>
         </p:txBody>
       </p:sp>
@@ -5230,7 +5176,7 @@
               </a:lnSpc>
             </a:pPr>
             <a:r>
-              <a:rPr lang="fr-FR" dirty="0" smtClean="0">
+              <a:rPr lang="fr-FR" dirty="0">
                 <a:solidFill>
                   <a:schemeClr val="tx1">
                     <a:lumMod val="65000"/>
@@ -5249,7 +5195,7 @@
               </a:lnSpc>
             </a:pPr>
             <a:r>
-              <a:rPr lang="fr-FR" sz="1600" i="1" dirty="0" smtClean="0">
+              <a:rPr lang="fr-FR" sz="1600" i="1" dirty="0">
                 <a:solidFill>
                   <a:schemeClr val="tx1">
                     <a:lumMod val="50000"/>
@@ -5260,15 +5206,6 @@
               </a:rPr>
               <a:t>Expert JAVA</a:t>
             </a:r>
-            <a:endParaRPr lang="fr-FR" sz="1600" i="1" dirty="0">
-              <a:solidFill>
-                <a:schemeClr val="tx1">
-                  <a:lumMod val="50000"/>
-                  <a:lumOff val="50000"/>
-                </a:schemeClr>
-              </a:solidFill>
-              <a:latin typeface="Exo 2.0" panose="00000500000000000000" pitchFamily="50" charset="0"/>
-            </a:endParaRPr>
           </a:p>
         </p:txBody>
       </p:sp>
@@ -5300,7 +5237,7 @@
               </a:lnSpc>
             </a:pPr>
             <a:r>
-              <a:rPr lang="fr-FR" dirty="0" smtClean="0">
+              <a:rPr lang="fr-FR" dirty="0">
                 <a:solidFill>
                   <a:schemeClr val="tx1">
                     <a:lumMod val="65000"/>
@@ -5319,7 +5256,7 @@
               </a:lnSpc>
             </a:pPr>
             <a:r>
-              <a:rPr lang="fr-FR" sz="1600" i="1" dirty="0" smtClean="0">
+              <a:rPr lang="fr-FR" sz="1600" i="1" dirty="0">
                 <a:solidFill>
                   <a:schemeClr val="tx1">
                     <a:lumMod val="50000"/>
@@ -5330,15 +5267,6 @@
               </a:rPr>
               <a:t>Développeur junior</a:t>
             </a:r>
-            <a:endParaRPr lang="fr-FR" sz="1600" i="1" dirty="0">
-              <a:solidFill>
-                <a:schemeClr val="tx1">
-                  <a:lumMod val="50000"/>
-                  <a:lumOff val="50000"/>
-                </a:schemeClr>
-              </a:solidFill>
-              <a:latin typeface="Exo 2.0" panose="00000500000000000000" pitchFamily="50" charset="0"/>
-            </a:endParaRPr>
           </a:p>
         </p:txBody>
       </p:sp>
@@ -5352,13 +5280,6 @@
   <p:clrMapOvr>
     <a:masterClrMapping/>
   </p:clrMapOvr>
-  <p:timing>
-    <p:tnLst>
-      <p:par>
-        <p:cTn id="1" dur="indefinite" restart="never" nodeType="tmRoot"/>
-      </p:par>
-    </p:tnLst>
-  </p:timing>
 </p:sld>
 </file>
 
@@ -5724,7 +5645,7 @@
               <a:buAutoNum type="romanUcPeriod"/>
             </a:pPr>
             <a:r>
-              <a:rPr lang="fr-FR" sz="2400" dirty="0" smtClean="0">
+              <a:rPr lang="fr-FR" sz="2400" dirty="0">
                 <a:solidFill>
                   <a:schemeClr val="tx1">
                     <a:lumMod val="65000"/>
@@ -5735,15 +5656,6 @@
               </a:rPr>
               <a:t>L’application</a:t>
             </a:r>
-            <a:endParaRPr lang="fr-FR" sz="2400" dirty="0">
-              <a:solidFill>
-                <a:schemeClr val="tx1">
-                  <a:lumMod val="65000"/>
-                  <a:lumOff val="35000"/>
-                </a:schemeClr>
-              </a:solidFill>
-              <a:latin typeface="Exo 2.0" panose="00000500000000000000" pitchFamily="50" charset="0"/>
-            </a:endParaRPr>
           </a:p>
           <a:p>
             <a:pPr marL="400050" indent="-400050">
@@ -5753,7 +5665,7 @@
               <a:buAutoNum type="romanUcPeriod"/>
             </a:pPr>
             <a:r>
-              <a:rPr lang="fr-FR" sz="2400" dirty="0" smtClean="0">
+              <a:rPr lang="fr-FR" sz="2400" dirty="0">
                 <a:solidFill>
                   <a:schemeClr val="tx1">
                     <a:lumMod val="65000"/>
@@ -5773,7 +5685,7 @@
               <a:buAutoNum type="romanUcPeriod"/>
             </a:pPr>
             <a:r>
-              <a:rPr lang="fr-FR" sz="2400" dirty="0" smtClean="0">
+              <a:rPr lang="fr-FR" sz="2400" dirty="0">
                 <a:solidFill>
                   <a:schemeClr val="tx1">
                     <a:lumMod val="65000"/>
@@ -5784,15 +5696,6 @@
               </a:rPr>
               <a:t>Le déroulement du projet</a:t>
             </a:r>
-            <a:endParaRPr lang="fr-FR" sz="2400" dirty="0">
-              <a:solidFill>
-                <a:schemeClr val="tx1">
-                  <a:lumMod val="65000"/>
-                  <a:lumOff val="35000"/>
-                </a:schemeClr>
-              </a:solidFill>
-              <a:latin typeface="Exo 2.0" panose="00000500000000000000" pitchFamily="50" charset="0"/>
-            </a:endParaRPr>
           </a:p>
           <a:p>
             <a:pPr marL="400050" indent="-400050">
@@ -5802,7 +5705,7 @@
               <a:buAutoNum type="romanUcPeriod"/>
             </a:pPr>
             <a:r>
-              <a:rPr lang="fr-FR" sz="2400" dirty="0" smtClean="0">
+              <a:rPr lang="fr-FR" sz="2400" dirty="0">
                 <a:solidFill>
                   <a:schemeClr val="tx1">
                     <a:lumMod val="65000"/>
@@ -5822,7 +5725,7 @@
               <a:buAutoNum type="romanUcPeriod"/>
             </a:pPr>
             <a:r>
-              <a:rPr lang="fr-FR" sz="2400" dirty="0" smtClean="0">
+              <a:rPr lang="fr-FR" sz="2400" dirty="0">
                 <a:solidFill>
                   <a:schemeClr val="tx1">
                     <a:lumMod val="65000"/>
@@ -5833,15 +5736,6 @@
               </a:rPr>
               <a:t>Devis</a:t>
             </a:r>
-            <a:endParaRPr lang="fr-FR" sz="2400" dirty="0">
-              <a:solidFill>
-                <a:schemeClr val="tx1">
-                  <a:lumMod val="65000"/>
-                  <a:lumOff val="35000"/>
-                </a:schemeClr>
-              </a:solidFill>
-              <a:latin typeface="Exo 2.0" panose="00000500000000000000" pitchFamily="50" charset="0"/>
-            </a:endParaRPr>
           </a:p>
           <a:p>
             <a:pPr marL="400050" indent="-400050">
@@ -5929,13 +5823,6 @@
   <p:transition spd="slow">
     <p:push dir="u"/>
   </p:transition>
-  <p:timing>
-    <p:tnLst>
-      <p:par>
-        <p:cTn id="1" dur="indefinite" restart="never" nodeType="tmRoot"/>
-      </p:par>
-    </p:tnLst>
-  </p:timing>
 </p:sld>
 </file>
 
@@ -6261,7 +6148,7 @@
               <a:buNone/>
             </a:pPr>
             <a:r>
-              <a:rPr lang="fr-FR" dirty="0" smtClean="0">
+              <a:rPr lang="fr-FR" dirty="0">
                 <a:solidFill>
                   <a:schemeClr val="bg1"/>
                 </a:solidFill>
@@ -6269,12 +6156,6 @@
               </a:rPr>
               <a:t>L’APPLICATION</a:t>
             </a:r>
-            <a:endParaRPr lang="fr-FR" dirty="0">
-              <a:solidFill>
-                <a:schemeClr val="bg1"/>
-              </a:solidFill>
-              <a:latin typeface="Exo 2.0" panose="00000500000000000000" pitchFamily="50" charset="0"/>
-            </a:endParaRPr>
           </a:p>
         </p:txBody>
       </p:sp>
@@ -6301,7 +6182,7 @@
           <a:lstStyle/>
           <a:p>
             <a:r>
-              <a:rPr lang="fr-FR" sz="2400" dirty="0" err="1" smtClean="0">
+              <a:rPr lang="fr-FR" sz="2400" dirty="0" err="1">
                 <a:solidFill>
                   <a:schemeClr val="tx1">
                     <a:lumMod val="65000"/>
@@ -6313,7 +6194,7 @@
               <a:t>Suplogo</a:t>
             </a:r>
             <a:r>
-              <a:rPr lang="fr-FR" sz="2400" dirty="0" smtClean="0">
+              <a:rPr lang="fr-FR" sz="2400" dirty="0">
                 <a:solidFill>
                   <a:schemeClr val="tx1">
                     <a:lumMod val="65000"/>
@@ -6323,18 +6204,6 @@
                 <a:latin typeface="Exo 2.0" panose="00000500000000000000" pitchFamily="50" charset="0"/>
               </a:rPr>
               <a:t> est une application faite pour programmer en langage LOGO.</a:t>
-            </a:r>
-            <a:r>
-              <a:rPr lang="fr-FR" sz="2400" dirty="0">
-                <a:solidFill>
-                  <a:schemeClr val="tx1">
-                    <a:lumMod val="65000"/>
-                    <a:lumOff val="35000"/>
-                  </a:schemeClr>
-                </a:solidFill>
-                <a:latin typeface="Exo 2.0" panose="00000500000000000000" pitchFamily="50" charset="0"/>
-              </a:rPr>
-              <a:t/>
             </a:r>
             <a:br>
               <a:rPr lang="fr-FR" sz="2400" dirty="0">
@@ -6368,10 +6237,10 @@
                 </a:solidFill>
                 <a:latin typeface="Exo 2.0" panose="00000500000000000000" pitchFamily="50" charset="0"/>
               </a:rPr>
-              <a:t>Le jeu est programmé avec le langage </a:t>
-            </a:r>
-            <a:r>
-              <a:rPr lang="fr-FR" sz="2400" dirty="0" smtClean="0">
+              <a:t>Le jeu est programmé avec le langage JAVA et la bibliothèque </a:t>
+            </a:r>
+            <a:r>
+              <a:rPr lang="fr-FR" sz="2400" dirty="0" err="1">
                 <a:solidFill>
                   <a:schemeClr val="tx1">
                     <a:lumMod val="65000"/>
@@ -6380,7 +6249,7 @@
                 </a:solidFill>
                 <a:latin typeface="Exo 2.0" panose="00000500000000000000" pitchFamily="50" charset="0"/>
               </a:rPr>
-              <a:t>JAVA </a:t>
+              <a:t>JavaFX</a:t>
             </a:r>
             <a:r>
               <a:rPr lang="fr-FR" sz="2400" dirty="0">
@@ -6392,53 +6261,8 @@
                 </a:solidFill>
                 <a:latin typeface="Exo 2.0" panose="00000500000000000000" pitchFamily="50" charset="0"/>
               </a:rPr>
-              <a:t>et la </a:t>
-            </a:r>
-            <a:r>
-              <a:rPr lang="fr-FR" sz="2400" dirty="0" smtClean="0">
-                <a:solidFill>
-                  <a:schemeClr val="tx1">
-                    <a:lumMod val="65000"/>
-                    <a:lumOff val="35000"/>
-                  </a:schemeClr>
-                </a:solidFill>
-                <a:latin typeface="Exo 2.0" panose="00000500000000000000" pitchFamily="50" charset="0"/>
-              </a:rPr>
-              <a:t>bibliothèque </a:t>
-            </a:r>
-            <a:r>
-              <a:rPr lang="fr-FR" sz="2400" dirty="0" err="1" smtClean="0">
-                <a:solidFill>
-                  <a:schemeClr val="tx1">
-                    <a:lumMod val="65000"/>
-                    <a:lumOff val="35000"/>
-                  </a:schemeClr>
-                </a:solidFill>
-                <a:latin typeface="Exo 2.0" panose="00000500000000000000" pitchFamily="50" charset="0"/>
-              </a:rPr>
-              <a:t>JavaFX</a:t>
-            </a:r>
-            <a:r>
-              <a:rPr lang="fr-FR" sz="2400" dirty="0" smtClean="0">
-                <a:solidFill>
-                  <a:schemeClr val="tx1">
-                    <a:lumMod val="65000"/>
-                    <a:lumOff val="35000"/>
-                  </a:schemeClr>
-                </a:solidFill>
-                <a:latin typeface="Exo 2.0" panose="00000500000000000000" pitchFamily="50" charset="0"/>
-              </a:rPr>
               <a:t>.</a:t>
             </a:r>
-            <a:endParaRPr lang="fr-FR" sz="2400" dirty="0">
-              <a:solidFill>
-                <a:schemeClr val="tx1">
-                  <a:lumMod val="65000"/>
-                  <a:lumOff val="35000"/>
-                </a:schemeClr>
-              </a:solidFill>
-              <a:latin typeface="Exo 2.0" panose="00000500000000000000" pitchFamily="50" charset="0"/>
-            </a:endParaRPr>
           </a:p>
           <a:p>
             <a:endParaRPr lang="fr-FR" sz="2400" dirty="0">
@@ -6609,13 +6433,6 @@
   <p:clrMapOvr>
     <a:masterClrMapping/>
   </p:clrMapOvr>
-  <p:timing>
-    <p:tnLst>
-      <p:par>
-        <p:cTn id="1" dur="indefinite" restart="never" nodeType="tmRoot"/>
-      </p:par>
-    </p:tnLst>
-  </p:timing>
 </p:sld>
 </file>
 
@@ -6886,7 +6703,7 @@
               <a:buNone/>
             </a:pPr>
             <a:r>
-              <a:rPr lang="fr-FR" dirty="0" smtClean="0">
+              <a:rPr lang="fr-FR" dirty="0">
                 <a:solidFill>
                   <a:schemeClr val="bg1"/>
                 </a:solidFill>
@@ -6894,12 +6711,6 @@
               </a:rPr>
               <a:t>LES COMMANDES</a:t>
             </a:r>
-            <a:endParaRPr lang="fr-FR" dirty="0">
-              <a:solidFill>
-                <a:schemeClr val="bg1"/>
-              </a:solidFill>
-              <a:latin typeface="Exo 2.0" panose="00000500000000000000" pitchFamily="50" charset="0"/>
-            </a:endParaRPr>
           </a:p>
         </p:txBody>
       </p:sp>
@@ -7004,7 +6815,7 @@
         </p:nvGraphicFramePr>
         <p:xfrm>
           <a:off x="2011575" y="1084081"/>
-          <a:ext cx="8128000" cy="5405120"/>
+          <a:ext cx="8128000" cy="4937760"/>
         </p:xfrm>
         <a:graphic>
           <a:graphicData uri="http://schemas.openxmlformats.org/drawingml/2006/table">
@@ -7013,8 +6824,20 @@
                 <a:tableStyleId>{5940675A-B579-460E-94D1-54222C63F5DA}</a:tableStyleId>
               </a:tblPr>
               <a:tblGrid>
-                <a:gridCol w="4064000"/>
-                <a:gridCol w="4064000"/>
+                <a:gridCol w="4064000">
+                  <a:extLst>
+                    <a:ext uri="{9D8B030D-6E8A-4147-A177-3AD203B41FA5}">
+                      <a16:colId xmlns:a16="http://schemas.microsoft.com/office/drawing/2014/main" val="20000"/>
+                    </a:ext>
+                  </a:extLst>
+                </a:gridCol>
+                <a:gridCol w="4064000">
+                  <a:extLst>
+                    <a:ext uri="{9D8B030D-6E8A-4147-A177-3AD203B41FA5}">
+                      <a16:colId xmlns:a16="http://schemas.microsoft.com/office/drawing/2014/main" val="20001"/>
+                    </a:ext>
+                  </a:extLst>
+                </a:gridCol>
               </a:tblGrid>
               <a:tr h="370840">
                 <a:tc>
@@ -7023,7 +6846,7 @@
                     <a:lstStyle/>
                     <a:p>
                       <a:r>
-                        <a:rPr lang="fr-FR" b="1" dirty="0" smtClean="0">
+                        <a:rPr lang="fr-FR" b="1" dirty="0">
                           <a:solidFill>
                             <a:schemeClr val="bg1"/>
                           </a:solidFill>
@@ -7038,19 +6861,6 @@
                         </a:rPr>
                         <a:t>COMMANDES</a:t>
                       </a:r>
-                      <a:endParaRPr lang="fr-FR" b="1" dirty="0">
-                        <a:solidFill>
-                          <a:schemeClr val="bg1"/>
-                        </a:solidFill>
-                        <a:effectLst>
-                          <a:outerShdw blurRad="38100" dist="38100" dir="2700000" algn="tl">
-                            <a:srgbClr val="000000">
-                              <a:alpha val="43137"/>
-                            </a:srgbClr>
-                          </a:outerShdw>
-                        </a:effectLst>
-                        <a:latin typeface="Exo 2.0" panose="00000500000000000000"/>
-                      </a:endParaRPr>
                     </a:p>
                   </a:txBody>
                   <a:tcPr>
@@ -7105,7 +6915,7 @@
                     <a:lstStyle/>
                     <a:p>
                       <a:r>
-                        <a:rPr lang="fr-FR" b="1" dirty="0" smtClean="0">
+                        <a:rPr lang="fr-FR" b="1" dirty="0">
                           <a:solidFill>
                             <a:schemeClr val="bg1"/>
                           </a:solidFill>
@@ -7120,19 +6930,6 @@
                         </a:rPr>
                         <a:t>EFFETS</a:t>
                       </a:r>
-                      <a:endParaRPr lang="fr-FR" b="1" dirty="0">
-                        <a:solidFill>
-                          <a:schemeClr val="bg1"/>
-                        </a:solidFill>
-                        <a:effectLst>
-                          <a:outerShdw blurRad="38100" dist="38100" dir="2700000" algn="tl">
-                            <a:srgbClr val="000000">
-                              <a:alpha val="43137"/>
-                            </a:srgbClr>
-                          </a:outerShdw>
-                        </a:effectLst>
-                        <a:latin typeface="Exo 2.0" panose="00000500000000000000"/>
-                      </a:endParaRPr>
                     </a:p>
                   </a:txBody>
                   <a:tcPr>
@@ -7181,6 +6978,11 @@
                     </a:solidFill>
                   </a:tcPr>
                 </a:tc>
+                <a:extLst>
+                  <a:ext uri="{0D108BD9-81ED-4DB2-BD59-A6C34878D82A}">
+                    <a16:rowId xmlns:a16="http://schemas.microsoft.com/office/drawing/2014/main" val="10000"/>
+                  </a:ext>
+                </a:extLst>
               </a:tr>
               <a:tr h="370840">
                 <a:tc>
@@ -7189,13 +6991,13 @@
                     <a:lstStyle/>
                     <a:p>
                       <a:r>
-                        <a:rPr lang="fr-FR" sz="1300" dirty="0" smtClean="0">
+                        <a:rPr lang="fr-FR" sz="1300" dirty="0">
                           <a:latin typeface="Exo 2.0" panose="00000500000000000000"/>
                         </a:rPr>
                         <a:t>AV </a:t>
                       </a:r>
                       <a:r>
-                        <a:rPr lang="fr-FR" sz="1300" i="1" dirty="0" smtClean="0">
+                        <a:rPr lang="fr-FR" sz="1300" i="1" dirty="0">
                           <a:latin typeface="Exo 2.0" panose="00000500000000000000"/>
                         </a:rPr>
                         <a:t>pixels</a:t>
@@ -7253,19 +7055,19 @@
                     <a:lstStyle/>
                     <a:p>
                       <a:r>
-                        <a:rPr lang="fr-FR" sz="1300" dirty="0" smtClean="0">
+                        <a:rPr lang="fr-FR" sz="1300" dirty="0">
                           <a:latin typeface="Exo 2.0" panose="00000500000000000000"/>
                         </a:rPr>
                         <a:t>La tortue bouge de </a:t>
                       </a:r>
                       <a:r>
-                        <a:rPr lang="fr-FR" sz="1300" i="1" dirty="0" smtClean="0">
+                        <a:rPr lang="fr-FR" sz="1300" i="1" dirty="0">
                           <a:latin typeface="Exo 2.0" panose="00000500000000000000"/>
                         </a:rPr>
                         <a:t>pixels</a:t>
                       </a:r>
                       <a:r>
-                        <a:rPr lang="fr-FR" sz="1300" i="0" baseline="0" dirty="0" smtClean="0">
+                        <a:rPr lang="fr-FR" sz="1300" i="0" baseline="0" dirty="0">
                           <a:latin typeface="Exo 2.0" panose="00000500000000000000"/>
                         </a:rPr>
                         <a:t> vers l’avant</a:t>
@@ -7317,6 +7119,11 @@
                     </a:solidFill>
                   </a:tcPr>
                 </a:tc>
+                <a:extLst>
+                  <a:ext uri="{0D108BD9-81ED-4DB2-BD59-A6C34878D82A}">
+                    <a16:rowId xmlns:a16="http://schemas.microsoft.com/office/drawing/2014/main" val="10001"/>
+                  </a:ext>
+                </a:extLst>
               </a:tr>
               <a:tr h="370840">
                 <a:tc>
@@ -7325,13 +7132,13 @@
                     <a:lstStyle/>
                     <a:p>
                       <a:r>
-                        <a:rPr lang="fr-FR" sz="1300" dirty="0" smtClean="0">
+                        <a:rPr lang="fr-FR" sz="1300" dirty="0">
                           <a:latin typeface="Exo 2.0" panose="00000500000000000000"/>
                         </a:rPr>
                         <a:t>RE </a:t>
                       </a:r>
                       <a:r>
-                        <a:rPr lang="fr-FR" sz="1300" i="1" dirty="0" smtClean="0">
+                        <a:rPr lang="fr-FR" sz="1300" i="1" dirty="0">
                           <a:latin typeface="Exo 2.0" panose="00000500000000000000"/>
                         </a:rPr>
                         <a:t>pixels</a:t>
@@ -7389,25 +7196,25 @@
                     <a:lstStyle/>
                     <a:p>
                       <a:r>
-                        <a:rPr lang="fr-FR" sz="1300" dirty="0" smtClean="0">
+                        <a:rPr lang="fr-FR" sz="1300" dirty="0">
                           <a:latin typeface="Exo 2.0" panose="00000500000000000000"/>
                         </a:rPr>
                         <a:t>La tortue</a:t>
                       </a:r>
                       <a:r>
-                        <a:rPr lang="fr-FR" sz="1300" baseline="0" dirty="0" smtClean="0">
+                        <a:rPr lang="fr-FR" sz="1300" baseline="0" dirty="0">
                           <a:latin typeface="Exo 2.0" panose="00000500000000000000"/>
                         </a:rPr>
                         <a:t> bouge de </a:t>
                       </a:r>
                       <a:r>
-                        <a:rPr lang="fr-FR" sz="1300" i="1" baseline="0" dirty="0" smtClean="0">
+                        <a:rPr lang="fr-FR" sz="1300" i="1" baseline="0" dirty="0">
                           <a:latin typeface="Exo 2.0" panose="00000500000000000000"/>
                         </a:rPr>
                         <a:t>pixels</a:t>
                       </a:r>
                       <a:r>
-                        <a:rPr lang="fr-FR" sz="1300" i="0" baseline="0" dirty="0" smtClean="0">
+                        <a:rPr lang="fr-FR" sz="1300" i="0" baseline="0" dirty="0">
                           <a:latin typeface="Exo 2.0" panose="00000500000000000000"/>
                         </a:rPr>
                         <a:t> vers l’arrière</a:t>
@@ -7459,6 +7266,11 @@
                     </a:solidFill>
                   </a:tcPr>
                 </a:tc>
+                <a:extLst>
+                  <a:ext uri="{0D108BD9-81ED-4DB2-BD59-A6C34878D82A}">
+                    <a16:rowId xmlns:a16="http://schemas.microsoft.com/office/drawing/2014/main" val="10002"/>
+                  </a:ext>
+                </a:extLst>
               </a:tr>
               <a:tr h="370840">
                 <a:tc>
@@ -7467,13 +7279,13 @@
                     <a:lstStyle/>
                     <a:p>
                       <a:r>
-                        <a:rPr lang="fr-FR" sz="1300" dirty="0" smtClean="0">
+                        <a:rPr lang="fr-FR" sz="1300" dirty="0">
                           <a:latin typeface="Exo 2.0" panose="00000500000000000000"/>
                         </a:rPr>
                         <a:t>TD </a:t>
                       </a:r>
                       <a:r>
-                        <a:rPr lang="fr-FR" sz="1300" i="1" dirty="0" err="1" smtClean="0">
+                        <a:rPr lang="fr-FR" sz="1300" i="1" dirty="0" err="1">
                           <a:latin typeface="Exo 2.0" panose="00000500000000000000"/>
                         </a:rPr>
                         <a:t>degres</a:t>
@@ -7531,19 +7343,19 @@
                     <a:lstStyle/>
                     <a:p>
                       <a:r>
-                        <a:rPr lang="fr-FR" sz="1300" dirty="0" smtClean="0">
+                        <a:rPr lang="fr-FR" sz="1300" dirty="0">
                           <a:latin typeface="Exo 2.0" panose="00000500000000000000"/>
                         </a:rPr>
                         <a:t>La tortue tourne de </a:t>
                       </a:r>
                       <a:r>
-                        <a:rPr lang="fr-FR" sz="1300" i="1" dirty="0" smtClean="0">
+                        <a:rPr lang="fr-FR" sz="1300" i="1" dirty="0">
                           <a:latin typeface="Exo 2.0" panose="00000500000000000000"/>
                         </a:rPr>
                         <a:t>degrés</a:t>
                       </a:r>
                       <a:r>
-                        <a:rPr lang="fr-FR" sz="1300" i="0" dirty="0" smtClean="0">
+                        <a:rPr lang="fr-FR" sz="1300" i="0" dirty="0">
                           <a:latin typeface="Exo 2.0" panose="00000500000000000000"/>
                         </a:rPr>
                         <a:t> vers la droite</a:t>
@@ -7595,6 +7407,11 @@
                     </a:solidFill>
                   </a:tcPr>
                 </a:tc>
+                <a:extLst>
+                  <a:ext uri="{0D108BD9-81ED-4DB2-BD59-A6C34878D82A}">
+                    <a16:rowId xmlns:a16="http://schemas.microsoft.com/office/drawing/2014/main" val="10003"/>
+                  </a:ext>
+                </a:extLst>
               </a:tr>
               <a:tr h="370840">
                 <a:tc>
@@ -7603,13 +7420,13 @@
                     <a:lstStyle/>
                     <a:p>
                       <a:r>
-                        <a:rPr lang="fr-FR" sz="1300" dirty="0" smtClean="0">
+                        <a:rPr lang="fr-FR" sz="1300" dirty="0">
                           <a:latin typeface="Exo 2.0" panose="00000500000000000000"/>
                         </a:rPr>
                         <a:t>TG </a:t>
                       </a:r>
                       <a:r>
-                        <a:rPr lang="fr-FR" sz="1300" i="1" dirty="0" err="1" smtClean="0">
+                        <a:rPr lang="fr-FR" sz="1300" i="1" dirty="0" err="1">
                           <a:latin typeface="Exo 2.0" panose="00000500000000000000"/>
                         </a:rPr>
                         <a:t>degres</a:t>
@@ -7667,19 +7484,19 @@
                     <a:lstStyle/>
                     <a:p>
                       <a:r>
-                        <a:rPr lang="fr-FR" sz="1300" dirty="0" smtClean="0">
+                        <a:rPr lang="fr-FR" sz="1300" dirty="0">
                           <a:latin typeface="Exo 2.0" panose="00000500000000000000"/>
                         </a:rPr>
                         <a:t>La tortue tourne de </a:t>
                       </a:r>
                       <a:r>
-                        <a:rPr lang="fr-FR" sz="1300" i="1" dirty="0" smtClean="0">
+                        <a:rPr lang="fr-FR" sz="1300" i="1" dirty="0">
                           <a:latin typeface="Exo 2.0" panose="00000500000000000000"/>
                         </a:rPr>
                         <a:t>degrés</a:t>
                       </a:r>
                       <a:r>
-                        <a:rPr lang="fr-FR" sz="1300" i="0" dirty="0" smtClean="0">
+                        <a:rPr lang="fr-FR" sz="1300" i="0" dirty="0">
                           <a:latin typeface="Exo 2.0" panose="00000500000000000000"/>
                         </a:rPr>
                         <a:t> vers la gauche</a:t>
@@ -7731,6 +7548,11 @@
                     </a:solidFill>
                   </a:tcPr>
                 </a:tc>
+                <a:extLst>
+                  <a:ext uri="{0D108BD9-81ED-4DB2-BD59-A6C34878D82A}">
+                    <a16:rowId xmlns:a16="http://schemas.microsoft.com/office/drawing/2014/main" val="10004"/>
+                  </a:ext>
+                </a:extLst>
               </a:tr>
               <a:tr h="370840">
                 <a:tc>
@@ -7739,13 +7561,13 @@
                     <a:lstStyle/>
                     <a:p>
                       <a:r>
-                        <a:rPr lang="fr-FR" sz="1300" dirty="0" smtClean="0">
+                        <a:rPr lang="fr-FR" sz="1300" dirty="0">
                           <a:latin typeface="Exo 2.0" panose="00000500000000000000"/>
                         </a:rPr>
                         <a:t>FCC </a:t>
                       </a:r>
                       <a:r>
-                        <a:rPr lang="fr-FR" sz="1300" i="1" dirty="0" smtClean="0">
+                        <a:rPr lang="fr-FR" sz="1300" i="1" dirty="0">
                           <a:latin typeface="Exo 2.0" panose="00000500000000000000"/>
                         </a:rPr>
                         <a:t>couleur</a:t>
@@ -7803,25 +7625,25 @@
                     <a:lstStyle/>
                     <a:p>
                       <a:r>
-                        <a:rPr lang="fr-FR" sz="1300" dirty="0" smtClean="0">
+                        <a:rPr lang="fr-FR" sz="1300" dirty="0">
                           <a:latin typeface="Exo 2.0" panose="00000500000000000000"/>
                         </a:rPr>
                         <a:t>Change</a:t>
                       </a:r>
                       <a:r>
-                        <a:rPr lang="fr-FR" sz="1300" baseline="0" dirty="0" smtClean="0">
+                        <a:rPr lang="fr-FR" sz="1300" baseline="0" dirty="0">
                           <a:latin typeface="Exo 2.0" panose="00000500000000000000"/>
                         </a:rPr>
                         <a:t> la couleur de la tortue en </a:t>
                       </a:r>
                       <a:r>
-                        <a:rPr lang="fr-FR" sz="1300" i="1" baseline="0" dirty="0" smtClean="0">
+                        <a:rPr lang="fr-FR" sz="1300" i="1" baseline="0" dirty="0">
                           <a:latin typeface="Exo 2.0" panose="00000500000000000000"/>
                         </a:rPr>
                         <a:t>couleur</a:t>
                       </a:r>
                       <a:r>
-                        <a:rPr lang="fr-FR" sz="1300" i="0" baseline="0" dirty="0" smtClean="0">
+                        <a:rPr lang="fr-FR" sz="1300" i="0" baseline="0" dirty="0">
                           <a:latin typeface="Exo 2.0" panose="00000500000000000000"/>
                         </a:rPr>
                         <a:t> au format RVB</a:t>
@@ -7873,6 +7695,11 @@
                     </a:solidFill>
                   </a:tcPr>
                 </a:tc>
+                <a:extLst>
+                  <a:ext uri="{0D108BD9-81ED-4DB2-BD59-A6C34878D82A}">
+                    <a16:rowId xmlns:a16="http://schemas.microsoft.com/office/drawing/2014/main" val="10005"/>
+                  </a:ext>
+                </a:extLst>
               </a:tr>
               <a:tr h="370840">
                 <a:tc>
@@ -7881,14 +7708,11 @@
                     <a:lstStyle/>
                     <a:p>
                       <a:r>
-                        <a:rPr lang="fr-FR" sz="1300" dirty="0" smtClean="0">
+                        <a:rPr lang="fr-FR" sz="1300" dirty="0">
                           <a:latin typeface="Exo 2.0" panose="00000500000000000000"/>
                         </a:rPr>
                         <a:t>LC</a:t>
                       </a:r>
-                      <a:endParaRPr lang="fr-FR" sz="1300" dirty="0">
-                        <a:latin typeface="Exo 2.0" panose="00000500000000000000"/>
-                      </a:endParaRPr>
                     </a:p>
                   </a:txBody>
                   <a:tcPr>
@@ -7939,14 +7763,11 @@
                     <a:lstStyle/>
                     <a:p>
                       <a:r>
-                        <a:rPr lang="fr-FR" sz="1300" dirty="0" smtClean="0">
+                        <a:rPr lang="fr-FR" sz="1300" dirty="0">
                           <a:latin typeface="Exo 2.0" panose="00000500000000000000"/>
                         </a:rPr>
                         <a:t>Le stylo est levé</a:t>
                       </a:r>
-                      <a:endParaRPr lang="fr-FR" sz="1300" dirty="0">
-                        <a:latin typeface="Exo 2.0" panose="00000500000000000000"/>
-                      </a:endParaRPr>
                     </a:p>
                   </a:txBody>
                   <a:tcPr>
@@ -7991,6 +7812,11 @@
                     </a:solidFill>
                   </a:tcPr>
                 </a:tc>
+                <a:extLst>
+                  <a:ext uri="{0D108BD9-81ED-4DB2-BD59-A6C34878D82A}">
+                    <a16:rowId xmlns:a16="http://schemas.microsoft.com/office/drawing/2014/main" val="10006"/>
+                  </a:ext>
+                </a:extLst>
               </a:tr>
               <a:tr h="370840">
                 <a:tc>
@@ -7999,14 +7825,11 @@
                     <a:lstStyle/>
                     <a:p>
                       <a:r>
-                        <a:rPr lang="fr-FR" sz="1300" dirty="0" smtClean="0">
+                        <a:rPr lang="fr-FR" sz="1300" dirty="0">
                           <a:latin typeface="Exo 2.0" panose="00000500000000000000"/>
                         </a:rPr>
                         <a:t>BC</a:t>
                       </a:r>
-                      <a:endParaRPr lang="fr-FR" sz="1300" dirty="0">
-                        <a:latin typeface="Exo 2.0" panose="00000500000000000000"/>
-                      </a:endParaRPr>
                     </a:p>
                   </a:txBody>
                   <a:tcPr>
@@ -8057,14 +7880,11 @@
                     <a:lstStyle/>
                     <a:p>
                       <a:r>
-                        <a:rPr lang="fr-FR" sz="1300" dirty="0" smtClean="0">
+                        <a:rPr lang="fr-FR" sz="1300" dirty="0">
                           <a:latin typeface="Exo 2.0" panose="00000500000000000000"/>
                         </a:rPr>
                         <a:t>Le stylo est baissé</a:t>
                       </a:r>
-                      <a:endParaRPr lang="fr-FR" sz="1300" dirty="0">
-                        <a:latin typeface="Exo 2.0" panose="00000500000000000000"/>
-                      </a:endParaRPr>
                     </a:p>
                   </a:txBody>
                   <a:tcPr>
@@ -8109,6 +7929,11 @@
                     </a:solidFill>
                   </a:tcPr>
                 </a:tc>
+                <a:extLst>
+                  <a:ext uri="{0D108BD9-81ED-4DB2-BD59-A6C34878D82A}">
+                    <a16:rowId xmlns:a16="http://schemas.microsoft.com/office/drawing/2014/main" val="10007"/>
+                  </a:ext>
+                </a:extLst>
               </a:tr>
               <a:tr h="370840">
                 <a:tc>
@@ -8117,14 +7942,11 @@
                     <a:lstStyle/>
                     <a:p>
                       <a:r>
-                        <a:rPr lang="fr-FR" sz="1300" dirty="0" smtClean="0">
+                        <a:rPr lang="fr-FR" sz="1300" dirty="0">
                           <a:latin typeface="Exo 2.0" panose="00000500000000000000"/>
                         </a:rPr>
                         <a:t>VE</a:t>
                       </a:r>
-                      <a:endParaRPr lang="fr-FR" sz="1300" dirty="0">
-                        <a:latin typeface="Exo 2.0" panose="00000500000000000000"/>
-                      </a:endParaRPr>
                     </a:p>
                   </a:txBody>
                   <a:tcPr>
@@ -8175,14 +7997,11 @@
                     <a:lstStyle/>
                     <a:p>
                       <a:r>
-                        <a:rPr lang="fr-FR" sz="1300" dirty="0" smtClean="0">
+                        <a:rPr lang="fr-FR" sz="1300" dirty="0">
                           <a:latin typeface="Exo 2.0" panose="00000500000000000000"/>
                         </a:rPr>
                         <a:t>Efface l’écran et place la tortue au centre orientée vers le haut</a:t>
                       </a:r>
-                      <a:endParaRPr lang="fr-FR" sz="1300" dirty="0">
-                        <a:latin typeface="Exo 2.0" panose="00000500000000000000"/>
-                      </a:endParaRPr>
                     </a:p>
                   </a:txBody>
                   <a:tcPr>
@@ -8227,6 +8046,11 @@
                     </a:solidFill>
                   </a:tcPr>
                 </a:tc>
+                <a:extLst>
+                  <a:ext uri="{0D108BD9-81ED-4DB2-BD59-A6C34878D82A}">
+                    <a16:rowId xmlns:a16="http://schemas.microsoft.com/office/drawing/2014/main" val="10008"/>
+                  </a:ext>
+                </a:extLst>
               </a:tr>
               <a:tr h="370840">
                 <a:tc>
@@ -8235,14 +8059,11 @@
                     <a:lstStyle/>
                     <a:p>
                       <a:r>
-                        <a:rPr lang="fr-FR" sz="1300" dirty="0" smtClean="0">
+                        <a:rPr lang="fr-FR" sz="1300" dirty="0">
                           <a:latin typeface="Exo 2.0" panose="00000500000000000000"/>
                         </a:rPr>
                         <a:t>CT</a:t>
                       </a:r>
-                      <a:endParaRPr lang="fr-FR" sz="1300" dirty="0">
-                        <a:latin typeface="Exo 2.0" panose="00000500000000000000"/>
-                      </a:endParaRPr>
                     </a:p>
                   </a:txBody>
                   <a:tcPr>
@@ -8293,14 +8114,11 @@
                     <a:lstStyle/>
                     <a:p>
                       <a:r>
-                        <a:rPr lang="fr-FR" sz="1300" dirty="0" smtClean="0">
+                        <a:rPr lang="fr-FR" sz="1300" dirty="0">
                           <a:latin typeface="Exo 2.0" panose="00000500000000000000"/>
                         </a:rPr>
                         <a:t>Cache la tortue</a:t>
                       </a:r>
-                      <a:endParaRPr lang="fr-FR" sz="1300" dirty="0">
-                        <a:latin typeface="Exo 2.0" panose="00000500000000000000"/>
-                      </a:endParaRPr>
                     </a:p>
                   </a:txBody>
                   <a:tcPr>
@@ -8345,6 +8163,11 @@
                     </a:solidFill>
                   </a:tcPr>
                 </a:tc>
+                <a:extLst>
+                  <a:ext uri="{0D108BD9-81ED-4DB2-BD59-A6C34878D82A}">
+                    <a16:rowId xmlns:a16="http://schemas.microsoft.com/office/drawing/2014/main" val="10009"/>
+                  </a:ext>
+                </a:extLst>
               </a:tr>
               <a:tr h="370840">
                 <a:tc>
@@ -8353,14 +8176,11 @@
                     <a:lstStyle/>
                     <a:p>
                       <a:r>
-                        <a:rPr lang="fr-FR" sz="1300" dirty="0" smtClean="0">
+                        <a:rPr lang="fr-FR" sz="1300" dirty="0">
                           <a:latin typeface="Exo 2.0" panose="00000500000000000000"/>
                         </a:rPr>
                         <a:t>MT</a:t>
                       </a:r>
-                      <a:endParaRPr lang="fr-FR" sz="1300" dirty="0">
-                        <a:latin typeface="Exo 2.0" panose="00000500000000000000"/>
-                      </a:endParaRPr>
                     </a:p>
                   </a:txBody>
                   <a:tcPr>
@@ -8411,14 +8231,11 @@
                     <a:lstStyle/>
                     <a:p>
                       <a:r>
-                        <a:rPr lang="fr-FR" sz="1300" dirty="0" smtClean="0">
+                        <a:rPr lang="fr-FR" sz="1300" dirty="0">
                           <a:latin typeface="Exo 2.0" panose="00000500000000000000"/>
                         </a:rPr>
                         <a:t>Montre la tortue</a:t>
                       </a:r>
-                      <a:endParaRPr lang="fr-FR" sz="1300" dirty="0">
-                        <a:latin typeface="Exo 2.0" panose="00000500000000000000"/>
-                      </a:endParaRPr>
                     </a:p>
                   </a:txBody>
                   <a:tcPr>
@@ -8463,6 +8280,11 @@
                     </a:solidFill>
                   </a:tcPr>
                 </a:tc>
+                <a:extLst>
+                  <a:ext uri="{0D108BD9-81ED-4DB2-BD59-A6C34878D82A}">
+                    <a16:rowId xmlns:a16="http://schemas.microsoft.com/office/drawing/2014/main" val="10010"/>
+                  </a:ext>
+                </a:extLst>
               </a:tr>
               <a:tr h="370840">
                 <a:tc>
@@ -8471,31 +8293,31 @@
                     <a:lstStyle/>
                     <a:p>
                       <a:r>
-                        <a:rPr lang="fr-FR" sz="1300" dirty="0" smtClean="0">
+                        <a:rPr lang="fr-FR" sz="1300" dirty="0">
                           <a:latin typeface="Exo 2.0" panose="00000500000000000000"/>
                         </a:rPr>
                         <a:t>REPETE </a:t>
                       </a:r>
                       <a:r>
-                        <a:rPr lang="fr-FR" sz="1300" i="1" dirty="0" err="1" smtClean="0">
+                        <a:rPr lang="fr-FR" sz="1300" i="1" dirty="0" err="1">
                           <a:latin typeface="Exo 2.0" panose="00000500000000000000"/>
                         </a:rPr>
                         <a:t>nbr_de_fois</a:t>
                       </a:r>
                       <a:r>
-                        <a:rPr lang="fr-FR" sz="1300" i="0" dirty="0" smtClean="0">
+                        <a:rPr lang="fr-FR" sz="1300" i="0" dirty="0">
                           <a:latin typeface="Exo 2.0" panose="00000500000000000000"/>
                         </a:rPr>
                         <a:t> [</a:t>
                       </a:r>
                       <a:r>
-                        <a:rPr lang="fr-FR" sz="1300" i="1" dirty="0" smtClean="0">
+                        <a:rPr lang="fr-FR" sz="1300" i="1" dirty="0">
                           <a:latin typeface="Exo 2.0" panose="00000500000000000000"/>
                         </a:rPr>
                         <a:t>commande</a:t>
                       </a:r>
                       <a:r>
-                        <a:rPr lang="fr-FR" sz="1300" i="0" dirty="0" smtClean="0">
+                        <a:rPr lang="fr-FR" sz="1300" i="0" dirty="0">
                           <a:latin typeface="Exo 2.0" panose="00000500000000000000"/>
                         </a:rPr>
                         <a:t>]</a:t>
@@ -8553,31 +8375,31 @@
                     <a:lstStyle/>
                     <a:p>
                       <a:r>
-                        <a:rPr lang="fr-FR" sz="1300" dirty="0" err="1" smtClean="0">
+                        <a:rPr lang="fr-FR" sz="1300" dirty="0" err="1">
                           <a:latin typeface="Exo 2.0" panose="00000500000000000000"/>
                         </a:rPr>
                         <a:t>Execute</a:t>
                       </a:r>
                       <a:r>
-                        <a:rPr lang="fr-FR" sz="1300" dirty="0" smtClean="0">
+                        <a:rPr lang="fr-FR" sz="1300" dirty="0">
                           <a:latin typeface="Exo 2.0" panose="00000500000000000000"/>
                         </a:rPr>
                         <a:t> la </a:t>
                       </a:r>
                       <a:r>
-                        <a:rPr lang="fr-FR" sz="1300" i="1" dirty="0" smtClean="0">
+                        <a:rPr lang="fr-FR" sz="1300" i="1" dirty="0">
                           <a:latin typeface="Exo 2.0" panose="00000500000000000000"/>
                         </a:rPr>
                         <a:t>commande</a:t>
                       </a:r>
                       <a:r>
-                        <a:rPr lang="fr-FR" sz="1300" i="0" dirty="0" smtClean="0">
+                        <a:rPr lang="fr-FR" sz="1300" i="0" dirty="0">
                           <a:latin typeface="Exo 2.0" panose="00000500000000000000"/>
                         </a:rPr>
                         <a:t> un </a:t>
                       </a:r>
                       <a:r>
-                        <a:rPr lang="fr-FR" sz="1300" i="1" dirty="0" err="1" smtClean="0">
+                        <a:rPr lang="fr-FR" sz="1300" i="1" dirty="0" err="1">
                           <a:latin typeface="Exo 2.0" panose="00000500000000000000"/>
                         </a:rPr>
                         <a:t>nbr_de_fois</a:t>
@@ -8629,6 +8451,11 @@
                     </a:solidFill>
                   </a:tcPr>
                 </a:tc>
+                <a:extLst>
+                  <a:ext uri="{0D108BD9-81ED-4DB2-BD59-A6C34878D82A}">
+                    <a16:rowId xmlns:a16="http://schemas.microsoft.com/office/drawing/2014/main" val="10011"/>
+                  </a:ext>
+                </a:extLst>
               </a:tr>
               <a:tr h="370840">
                 <a:tc>
@@ -8637,14 +8464,11 @@
                     <a:lstStyle/>
                     <a:p>
                       <a:r>
-                        <a:rPr lang="fr-FR" sz="1300" dirty="0" smtClean="0">
+                        <a:rPr lang="fr-FR" sz="1300" dirty="0">
                           <a:latin typeface="Exo 2.0" panose="00000500000000000000"/>
                         </a:rPr>
                         <a:t>VI</a:t>
                       </a:r>
-                      <a:endParaRPr lang="fr-FR" sz="1300" dirty="0">
-                        <a:latin typeface="Exo 2.0" panose="00000500000000000000"/>
-                      </a:endParaRPr>
                     </a:p>
                   </a:txBody>
                   <a:tcPr>
@@ -8695,14 +8519,11 @@
                     <a:lstStyle/>
                     <a:p>
                       <a:r>
-                        <a:rPr lang="fr-FR" sz="1300" dirty="0" smtClean="0">
+                        <a:rPr lang="fr-FR" sz="1300" dirty="0">
                           <a:latin typeface="Exo 2.0" panose="00000500000000000000"/>
                         </a:rPr>
                         <a:t>Gère la vitesse</a:t>
                       </a:r>
-                      <a:endParaRPr lang="fr-FR" sz="1300" dirty="0">
-                        <a:latin typeface="Exo 2.0" panose="00000500000000000000"/>
-                      </a:endParaRPr>
                     </a:p>
                   </a:txBody>
                   <a:tcPr>
@@ -8747,6 +8568,11 @@
                     </a:solidFill>
                   </a:tcPr>
                 </a:tc>
+                <a:extLst>
+                  <a:ext uri="{0D108BD9-81ED-4DB2-BD59-A6C34878D82A}">
+                    <a16:rowId xmlns:a16="http://schemas.microsoft.com/office/drawing/2014/main" val="10012"/>
+                  </a:ext>
+                </a:extLst>
               </a:tr>
             </a:tbl>
           </a:graphicData>
@@ -8762,13 +8588,6 @@
   <p:clrMapOvr>
     <a:masterClrMapping/>
   </p:clrMapOvr>
-  <p:timing>
-    <p:tnLst>
-      <p:par>
-        <p:cTn id="1" dur="indefinite" restart="never" nodeType="tmRoot"/>
-      </p:par>
-    </p:tnLst>
-  </p:timing>
 </p:sld>
 </file>
 
@@ -9039,7 +8858,7 @@
               <a:buNone/>
             </a:pPr>
             <a:r>
-              <a:rPr lang="fr-FR" dirty="0" smtClean="0">
+              <a:rPr lang="fr-FR" dirty="0">
                 <a:solidFill>
                   <a:schemeClr val="bg1"/>
                 </a:solidFill>
@@ -9047,12 +8866,6 @@
               </a:rPr>
               <a:t>LE DEROULEMENT DU PROJET</a:t>
             </a:r>
-            <a:endParaRPr lang="fr-FR" dirty="0">
-              <a:solidFill>
-                <a:schemeClr val="bg1"/>
-              </a:solidFill>
-              <a:latin typeface="Exo 2.0" panose="00000500000000000000" pitchFamily="50" charset="0"/>
-            </a:endParaRPr>
           </a:p>
         </p:txBody>
       </p:sp>
@@ -9082,7 +8895,7 @@
               <a:buAutoNum type="romanUcPeriod"/>
             </a:pPr>
             <a:r>
-              <a:rPr lang="fr-FR" dirty="0" smtClean="0">
+              <a:rPr lang="fr-FR" dirty="0">
                 <a:solidFill>
                   <a:schemeClr val="bg1"/>
                 </a:solidFill>
@@ -9188,13 +9001,6 @@
   <p:clrMapOvr>
     <a:masterClrMapping/>
   </p:clrMapOvr>
-  <p:timing>
-    <p:tnLst>
-      <p:par>
-        <p:cTn id="1" dur="indefinite" restart="never" nodeType="tmRoot"/>
-      </p:par>
-    </p:tnLst>
-  </p:timing>
 </p:sld>
 </file>
 
@@ -9465,7 +9271,7 @@
               <a:buNone/>
             </a:pPr>
             <a:r>
-              <a:rPr lang="fr-FR" dirty="0" smtClean="0">
+              <a:rPr lang="fr-FR" dirty="0">
                 <a:solidFill>
                   <a:schemeClr val="bg1"/>
                 </a:solidFill>
@@ -9473,12 +9279,6 @@
               </a:rPr>
               <a:t>LES ÉVOLUTIONS</a:t>
             </a:r>
-            <a:endParaRPr lang="fr-FR" dirty="0">
-              <a:solidFill>
-                <a:schemeClr val="bg1"/>
-              </a:solidFill>
-              <a:latin typeface="Exo 2.0" panose="00000500000000000000" pitchFamily="50" charset="0"/>
-            </a:endParaRPr>
           </a:p>
         </p:txBody>
       </p:sp>
@@ -9577,7 +9377,7 @@
               <a:t>- </a:t>
             </a:r>
             <a:r>
-              <a:rPr lang="fr-FR" sz="2400" dirty="0" err="1" smtClean="0">
+              <a:rPr lang="fr-FR" sz="2400" dirty="0" err="1">
                 <a:solidFill>
                   <a:schemeClr val="tx1">
                     <a:lumMod val="65000"/>
@@ -9589,7 +9389,7 @@
               <a:t>Suplogo</a:t>
             </a:r>
             <a:r>
-              <a:rPr lang="fr-FR" sz="2400" dirty="0" smtClean="0">
+              <a:rPr lang="fr-FR" sz="2400" dirty="0">
                 <a:solidFill>
                   <a:schemeClr val="tx1">
                     <a:lumMod val="65000"/>
@@ -9600,15 +9400,6 @@
               </a:rPr>
               <a:t> 3D</a:t>
             </a:r>
-            <a:endParaRPr lang="fr-FR" sz="2400" dirty="0">
-              <a:solidFill>
-                <a:schemeClr val="tx1">
-                  <a:lumMod val="65000"/>
-                  <a:lumOff val="35000"/>
-                </a:schemeClr>
-              </a:solidFill>
-              <a:latin typeface="Exo 2.0" panose="00000500000000000000" pitchFamily="50" charset="0"/>
-            </a:endParaRPr>
           </a:p>
           <a:p>
             <a:pPr marL="342900" indent="-342900">
@@ -9619,7 +9410,7 @@
               <a:buChar char="-"/>
             </a:pPr>
             <a:r>
-              <a:rPr lang="fr-FR" sz="2400" dirty="0" smtClean="0">
+              <a:rPr lang="fr-FR" sz="2400" dirty="0">
                 <a:solidFill>
                   <a:schemeClr val="tx1">
                     <a:lumMod val="65000"/>
@@ -9630,15 +9421,6 @@
               </a:rPr>
               <a:t>Lecture de script</a:t>
             </a:r>
-            <a:endParaRPr lang="fr-FR" sz="2400" dirty="0">
-              <a:solidFill>
-                <a:schemeClr val="tx1">
-                  <a:lumMod val="65000"/>
-                  <a:lumOff val="35000"/>
-                </a:schemeClr>
-              </a:solidFill>
-              <a:latin typeface="Exo 2.0" panose="00000500000000000000" pitchFamily="50" charset="0"/>
-            </a:endParaRPr>
           </a:p>
           <a:p>
             <a:pPr marL="342900" indent="-342900">
@@ -9649,7 +9431,7 @@
               <a:buChar char="-"/>
             </a:pPr>
             <a:r>
-              <a:rPr lang="fr-FR" sz="2400" dirty="0" smtClean="0">
+              <a:rPr lang="fr-FR" sz="2400" dirty="0">
                 <a:solidFill>
                   <a:schemeClr val="tx1">
                     <a:lumMod val="65000"/>
@@ -9670,7 +9452,7 @@
               <a:buChar char="-"/>
             </a:pPr>
             <a:r>
-              <a:rPr lang="fr-FR" sz="2400" dirty="0" smtClean="0">
+              <a:rPr lang="fr-FR" sz="2400" dirty="0">
                 <a:solidFill>
                   <a:schemeClr val="tx1">
                     <a:lumMod val="65000"/>
@@ -9691,7 +9473,7 @@
               <a:buChar char="-"/>
             </a:pPr>
             <a:r>
-              <a:rPr lang="fr-FR" sz="2400" dirty="0" smtClean="0">
+              <a:rPr lang="fr-FR" sz="2400" dirty="0">
                 <a:solidFill>
                   <a:schemeClr val="tx1">
                     <a:lumMod val="65000"/>
@@ -9807,13 +9589,6 @@
   <p:clrMapOvr>
     <a:masterClrMapping/>
   </p:clrMapOvr>
-  <p:timing>
-    <p:tnLst>
-      <p:par>
-        <p:cTn id="1" dur="indefinite" restart="never" nodeType="tmRoot"/>
-      </p:par>
-    </p:tnLst>
-  </p:timing>
 </p:sld>
 </file>
 
@@ -10185,14 +9960,14 @@
                 <a:gridCol w="6204564">
                   <a:extLst>
                     <a:ext uri="{9D8B030D-6E8A-4147-A177-3AD203B41FA5}">
-                      <a16:colId xmlns="" xmlns:a16="http://schemas.microsoft.com/office/drawing/2014/main" val="1734895218"/>
+                      <a16:colId xmlns:a16="http://schemas.microsoft.com/office/drawing/2014/main" val="1734895218"/>
                     </a:ext>
                   </a:extLst>
                 </a:gridCol>
                 <a:gridCol w="1923436">
                   <a:extLst>
                     <a:ext uri="{9D8B030D-6E8A-4147-A177-3AD203B41FA5}">
-                      <a16:colId xmlns="" xmlns:a16="http://schemas.microsoft.com/office/drawing/2014/main" val="2529677039"/>
+                      <a16:colId xmlns:a16="http://schemas.microsoft.com/office/drawing/2014/main" val="2529677039"/>
                     </a:ext>
                   </a:extLst>
                 </a:gridCol>
@@ -10273,7 +10048,7 @@
                 </a:tc>
                 <a:extLst>
                   <a:ext uri="{0D108BD9-81ED-4DB2-BD59-A6C34878D82A}">
-                    <a16:rowId xmlns="" xmlns:a16="http://schemas.microsoft.com/office/drawing/2014/main" val="744536208"/>
+                    <a16:rowId xmlns:a16="http://schemas.microsoft.com/office/drawing/2014/main" val="744536208"/>
                   </a:ext>
                 </a:extLst>
               </a:tr>
@@ -10284,7 +10059,7 @@
                     <a:lstStyle/>
                     <a:p>
                       <a:r>
-                        <a:rPr lang="fr-FR" b="0" dirty="0" smtClean="0">
+                        <a:rPr lang="fr-FR" b="0" dirty="0">
                           <a:solidFill>
                             <a:schemeClr val="tx1">
                               <a:lumMod val="65000"/>
@@ -10296,7 +10071,7 @@
                         <a:t>Lecture</a:t>
                       </a:r>
                       <a:r>
-                        <a:rPr lang="fr-FR" b="0" baseline="0" dirty="0" smtClean="0">
+                        <a:rPr lang="fr-FR" b="0" baseline="0" dirty="0">
                           <a:solidFill>
                             <a:schemeClr val="tx1">
                               <a:lumMod val="65000"/>
@@ -10338,7 +10113,7 @@
                     <a:p>
                       <a:pPr algn="r"/>
                       <a:r>
-                        <a:rPr lang="fr-FR" b="0" dirty="0" smtClean="0">
+                        <a:rPr lang="fr-FR" b="0" dirty="0">
                           <a:solidFill>
                             <a:schemeClr val="tx1">
                               <a:lumMod val="65000"/>
@@ -10349,15 +10124,6 @@
                         </a:rPr>
                         <a:t>200€</a:t>
                       </a:r>
-                      <a:endParaRPr lang="fr-FR" b="0" dirty="0">
-                        <a:solidFill>
-                          <a:schemeClr val="tx1">
-                            <a:lumMod val="65000"/>
-                            <a:lumOff val="35000"/>
-                          </a:schemeClr>
-                        </a:solidFill>
-                        <a:latin typeface="Exo 2.0" panose="00000500000000000000" pitchFamily="50" charset="0"/>
-                      </a:endParaRPr>
                     </a:p>
                   </a:txBody>
                   <a:tcPr>
@@ -10377,7 +10143,7 @@
                 </a:tc>
                 <a:extLst>
                   <a:ext uri="{0D108BD9-81ED-4DB2-BD59-A6C34878D82A}">
-                    <a16:rowId xmlns="" xmlns:a16="http://schemas.microsoft.com/office/drawing/2014/main" val="2523755799"/>
+                    <a16:rowId xmlns:a16="http://schemas.microsoft.com/office/drawing/2014/main" val="2523755799"/>
                   </a:ext>
                 </a:extLst>
               </a:tr>
@@ -10404,7 +10170,7 @@
                         <a:tabLst/>
                         <a:defRPr/>
                       </a:pPr>
-                      <a:endParaRPr lang="fr-FR" b="0" dirty="0" smtClean="0">
+                      <a:endParaRPr lang="fr-FR" b="0" dirty="0">
                         <a:solidFill>
                           <a:schemeClr val="tx1">
                             <a:lumMod val="65000"/>
@@ -10433,7 +10199,7 @@
                         <a:defRPr/>
                       </a:pPr>
                       <a:r>
-                        <a:rPr lang="fr-FR" b="0" dirty="0" smtClean="0">
+                        <a:rPr lang="fr-FR" b="0" dirty="0">
                           <a:solidFill>
                             <a:schemeClr val="tx1">
                               <a:lumMod val="65000"/>
@@ -10444,15 +10210,6 @@
                         </a:rPr>
                         <a:t>Mode 3D</a:t>
                       </a:r>
-                      <a:endParaRPr lang="fr-FR" b="0" dirty="0">
-                        <a:solidFill>
-                          <a:schemeClr val="tx1">
-                            <a:lumMod val="65000"/>
-                            <a:lumOff val="35000"/>
-                          </a:schemeClr>
-                        </a:solidFill>
-                        <a:latin typeface="Exo 2.0" panose="00000500000000000000" pitchFamily="50" charset="0"/>
-                      </a:endParaRPr>
                     </a:p>
                   </a:txBody>
                   <a:tcPr>
@@ -10474,7 +10231,7 @@
                     <a:lstStyle/>
                     <a:p>
                       <a:pPr algn="r"/>
-                      <a:endParaRPr lang="fr-FR" b="0" dirty="0" smtClean="0">
+                      <a:endParaRPr lang="fr-FR" b="0" dirty="0">
                         <a:solidFill>
                           <a:schemeClr val="tx1">
                             <a:lumMod val="65000"/>
@@ -10487,7 +10244,7 @@
                     <a:p>
                       <a:pPr algn="r"/>
                       <a:r>
-                        <a:rPr lang="fr-FR" b="0" dirty="0" smtClean="0">
+                        <a:rPr lang="fr-FR" b="0" dirty="0">
                           <a:solidFill>
                             <a:schemeClr val="tx1">
                               <a:lumMod val="65000"/>
@@ -10498,15 +10255,6 @@
                         </a:rPr>
                         <a:t>7000€</a:t>
                       </a:r>
-                      <a:endParaRPr lang="fr-FR" b="0" dirty="0">
-                        <a:solidFill>
-                          <a:schemeClr val="tx1">
-                            <a:lumMod val="65000"/>
-                            <a:lumOff val="35000"/>
-                          </a:schemeClr>
-                        </a:solidFill>
-                        <a:latin typeface="Exo 2.0" panose="00000500000000000000" pitchFamily="50" charset="0"/>
-                      </a:endParaRPr>
                     </a:p>
                   </a:txBody>
                   <a:tcPr>
@@ -10526,7 +10274,7 @@
                 </a:tc>
                 <a:extLst>
                   <a:ext uri="{0D108BD9-81ED-4DB2-BD59-A6C34878D82A}">
-                    <a16:rowId xmlns="" xmlns:a16="http://schemas.microsoft.com/office/drawing/2014/main" val="1214565585"/>
+                    <a16:rowId xmlns:a16="http://schemas.microsoft.com/office/drawing/2014/main" val="1214565585"/>
                   </a:ext>
                 </a:extLst>
               </a:tr>
@@ -10553,7 +10301,7 @@
                         <a:tabLst/>
                         <a:defRPr/>
                       </a:pPr>
-                      <a:endParaRPr lang="fr-FR" b="0" dirty="0" smtClean="0">
+                      <a:endParaRPr lang="fr-FR" b="0" dirty="0">
                         <a:solidFill>
                           <a:schemeClr val="tx1">
                             <a:lumMod val="65000"/>
@@ -10582,7 +10330,7 @@
                         <a:defRPr/>
                       </a:pPr>
                       <a:r>
-                        <a:rPr lang="fr-FR" b="0" dirty="0" smtClean="0">
+                        <a:rPr lang="fr-FR" b="0" dirty="0">
                           <a:solidFill>
                             <a:schemeClr val="tx1">
                               <a:lumMod val="65000"/>
@@ -10593,15 +10341,6 @@
                         </a:rPr>
                         <a:t>Combinaison de commandes</a:t>
                       </a:r>
-                      <a:endParaRPr lang="fr-FR" b="0" dirty="0">
-                        <a:solidFill>
-                          <a:schemeClr val="tx1">
-                            <a:lumMod val="65000"/>
-                            <a:lumOff val="35000"/>
-                          </a:schemeClr>
-                        </a:solidFill>
-                        <a:latin typeface="Exo 2.0" panose="00000500000000000000" pitchFamily="50" charset="0"/>
-                      </a:endParaRPr>
                     </a:p>
                   </a:txBody>
                   <a:tcPr>
@@ -10623,7 +10362,7 @@
                     <a:lstStyle/>
                     <a:p>
                       <a:pPr algn="r"/>
-                      <a:endParaRPr lang="fr-FR" b="0" dirty="0" smtClean="0">
+                      <a:endParaRPr lang="fr-FR" b="0" dirty="0">
                         <a:solidFill>
                           <a:schemeClr val="tx1">
                             <a:lumMod val="65000"/>
@@ -10636,7 +10375,7 @@
                     <a:p>
                       <a:pPr algn="r"/>
                       <a:r>
-                        <a:rPr lang="fr-FR" b="0" dirty="0" smtClean="0">
+                        <a:rPr lang="fr-FR" b="0" dirty="0">
                           <a:solidFill>
                             <a:schemeClr val="tx1">
                               <a:lumMod val="65000"/>
@@ -10647,15 +10386,6 @@
                         </a:rPr>
                         <a:t>1400€</a:t>
                       </a:r>
-                      <a:endParaRPr lang="fr-FR" b="0" dirty="0">
-                        <a:solidFill>
-                          <a:schemeClr val="tx1">
-                            <a:lumMod val="65000"/>
-                            <a:lumOff val="35000"/>
-                          </a:schemeClr>
-                        </a:solidFill>
-                        <a:latin typeface="Exo 2.0" panose="00000500000000000000" pitchFamily="50" charset="0"/>
-                      </a:endParaRPr>
                     </a:p>
                   </a:txBody>
                   <a:tcPr>
@@ -10675,7 +10405,7 @@
                 </a:tc>
                 <a:extLst>
                   <a:ext uri="{0D108BD9-81ED-4DB2-BD59-A6C34878D82A}">
-                    <a16:rowId xmlns="" xmlns:a16="http://schemas.microsoft.com/office/drawing/2014/main" val="1826921360"/>
+                    <a16:rowId xmlns:a16="http://schemas.microsoft.com/office/drawing/2014/main" val="1826921360"/>
                   </a:ext>
                 </a:extLst>
               </a:tr>
@@ -10702,7 +10432,7 @@
                         <a:tabLst/>
                         <a:defRPr/>
                       </a:pPr>
-                      <a:endParaRPr lang="fr-FR" b="0" dirty="0" smtClean="0">
+                      <a:endParaRPr lang="fr-FR" b="0" dirty="0">
                         <a:solidFill>
                           <a:schemeClr val="tx1">
                             <a:lumMod val="65000"/>
@@ -10731,7 +10461,7 @@
                         <a:defRPr/>
                       </a:pPr>
                       <a:r>
-                        <a:rPr lang="fr-FR" b="0" dirty="0" smtClean="0">
+                        <a:rPr lang="fr-FR" b="0" dirty="0">
                           <a:solidFill>
                             <a:schemeClr val="tx1">
                               <a:lumMod val="65000"/>
@@ -10742,15 +10472,6 @@
                         </a:rPr>
                         <a:t>Gestion des courbes</a:t>
                       </a:r>
-                      <a:endParaRPr lang="fr-FR" b="0" dirty="0">
-                        <a:solidFill>
-                          <a:schemeClr val="tx1">
-                            <a:lumMod val="65000"/>
-                            <a:lumOff val="35000"/>
-                          </a:schemeClr>
-                        </a:solidFill>
-                        <a:latin typeface="Exo 2.0" panose="00000500000000000000" pitchFamily="50" charset="0"/>
-                      </a:endParaRPr>
                     </a:p>
                   </a:txBody>
                   <a:tcPr>
@@ -10772,7 +10493,7 @@
                     <a:lstStyle/>
                     <a:p>
                       <a:pPr algn="r"/>
-                      <a:endParaRPr lang="fr-FR" b="0" dirty="0" smtClean="0">
+                      <a:endParaRPr lang="fr-FR" b="0" dirty="0">
                         <a:solidFill>
                           <a:schemeClr val="tx1">
                             <a:lumMod val="65000"/>
@@ -10785,7 +10506,7 @@
                     <a:p>
                       <a:pPr algn="r"/>
                       <a:r>
-                        <a:rPr lang="fr-FR" b="0" dirty="0" smtClean="0">
+                        <a:rPr lang="fr-FR" b="0" dirty="0">
                           <a:solidFill>
                             <a:schemeClr val="tx1">
                               <a:lumMod val="65000"/>
@@ -10796,15 +10517,6 @@
                         </a:rPr>
                         <a:t>400€</a:t>
                       </a:r>
-                      <a:endParaRPr lang="fr-FR" b="0" dirty="0">
-                        <a:solidFill>
-                          <a:schemeClr val="tx1">
-                            <a:lumMod val="65000"/>
-                            <a:lumOff val="35000"/>
-                          </a:schemeClr>
-                        </a:solidFill>
-                        <a:latin typeface="Exo 2.0" panose="00000500000000000000" pitchFamily="50" charset="0"/>
-                      </a:endParaRPr>
                     </a:p>
                   </a:txBody>
                   <a:tcPr>
@@ -10824,7 +10536,7 @@
                 </a:tc>
                 <a:extLst>
                   <a:ext uri="{0D108BD9-81ED-4DB2-BD59-A6C34878D82A}">
-                    <a16:rowId xmlns="" xmlns:a16="http://schemas.microsoft.com/office/drawing/2014/main" val="2932840409"/>
+                    <a16:rowId xmlns:a16="http://schemas.microsoft.com/office/drawing/2014/main" val="2932840409"/>
                   </a:ext>
                 </a:extLst>
               </a:tr>
@@ -10851,7 +10563,7 @@
                         <a:tabLst/>
                         <a:defRPr/>
                       </a:pPr>
-                      <a:endParaRPr lang="fr-FR" b="0" dirty="0" smtClean="0">
+                      <a:endParaRPr lang="fr-FR" b="0" dirty="0">
                         <a:solidFill>
                           <a:schemeClr val="tx1">
                             <a:lumMod val="65000"/>
@@ -10880,7 +10592,7 @@
                         <a:defRPr/>
                       </a:pPr>
                       <a:r>
-                        <a:rPr lang="fr-FR" b="0" dirty="0" smtClean="0">
+                        <a:rPr lang="fr-FR" b="0" dirty="0">
                           <a:solidFill>
                             <a:schemeClr val="tx1">
                               <a:lumMod val="65000"/>
@@ -10891,15 +10603,6 @@
                         </a:rPr>
                         <a:t>Dégradé de couleurs</a:t>
                       </a:r>
-                      <a:endParaRPr lang="fr-FR" b="0" dirty="0">
-                        <a:solidFill>
-                          <a:schemeClr val="tx1">
-                            <a:lumMod val="65000"/>
-                            <a:lumOff val="35000"/>
-                          </a:schemeClr>
-                        </a:solidFill>
-                        <a:latin typeface="Exo 2.0" panose="00000500000000000000" pitchFamily="50" charset="0"/>
-                      </a:endParaRPr>
                     </a:p>
                   </a:txBody>
                   <a:tcPr>
@@ -10921,7 +10624,7 @@
                     <a:lstStyle/>
                     <a:p>
                       <a:pPr algn="r"/>
-                      <a:endParaRPr lang="fr-FR" b="0" dirty="0" smtClean="0">
+                      <a:endParaRPr lang="fr-FR" b="0" dirty="0">
                         <a:solidFill>
                           <a:schemeClr val="tx1">
                             <a:lumMod val="65000"/>
@@ -10934,7 +10637,7 @@
                     <a:p>
                       <a:pPr algn="r"/>
                       <a:r>
-                        <a:rPr lang="fr-FR" b="0" dirty="0" smtClean="0">
+                        <a:rPr lang="fr-FR" b="0" dirty="0">
                           <a:solidFill>
                             <a:schemeClr val="tx1">
                               <a:lumMod val="65000"/>
@@ -10945,15 +10648,6 @@
                         </a:rPr>
                         <a:t>400€</a:t>
                       </a:r>
-                      <a:endParaRPr lang="fr-FR" b="0" dirty="0">
-                        <a:solidFill>
-                          <a:schemeClr val="tx1">
-                            <a:lumMod val="65000"/>
-                            <a:lumOff val="35000"/>
-                          </a:schemeClr>
-                        </a:solidFill>
-                        <a:latin typeface="Exo 2.0" panose="00000500000000000000" pitchFamily="50" charset="0"/>
-                      </a:endParaRPr>
                     </a:p>
                   </a:txBody>
                   <a:tcPr>
@@ -10973,7 +10667,7 @@
                 </a:tc>
                 <a:extLst>
                   <a:ext uri="{0D108BD9-81ED-4DB2-BD59-A6C34878D82A}">
-                    <a16:rowId xmlns="" xmlns:a16="http://schemas.microsoft.com/office/drawing/2014/main" val="3736278046"/>
+                    <a16:rowId xmlns:a16="http://schemas.microsoft.com/office/drawing/2014/main" val="3736278046"/>
                   </a:ext>
                 </a:extLst>
               </a:tr>
@@ -11000,7 +10694,7 @@
                         <a:tabLst/>
                         <a:defRPr/>
                       </a:pPr>
-                      <a:endParaRPr lang="fr-FR" b="0" dirty="0" smtClean="0">
+                      <a:endParaRPr lang="fr-FR" b="0" dirty="0">
                         <a:solidFill>
                           <a:schemeClr val="tx1">
                             <a:lumMod val="65000"/>
@@ -11029,7 +10723,7 @@
                         <a:defRPr/>
                       </a:pPr>
                       <a:r>
-                        <a:rPr lang="fr-FR" b="0" dirty="0" smtClean="0">
+                        <a:rPr lang="fr-FR" b="0" dirty="0">
                           <a:solidFill>
                             <a:schemeClr val="tx1">
                               <a:lumMod val="65000"/>
@@ -11041,7 +10735,7 @@
                         <a:t>Année de maintenance</a:t>
                       </a:r>
                       <a:r>
-                        <a:rPr lang="fr-FR" b="0" baseline="0" dirty="0" smtClean="0">
+                        <a:rPr lang="fr-FR" b="0" baseline="0" dirty="0">
                           <a:solidFill>
                             <a:schemeClr val="tx1">
                               <a:lumMod val="65000"/>
@@ -11053,7 +10747,7 @@
                         <a:t> pour </a:t>
                       </a:r>
                       <a:r>
-                        <a:rPr lang="fr-FR" b="0" baseline="0" dirty="0" err="1" smtClean="0">
+                        <a:rPr lang="fr-FR" b="0" baseline="0" dirty="0" err="1">
                           <a:solidFill>
                             <a:schemeClr val="tx1">
                               <a:lumMod val="65000"/>
@@ -11094,7 +10788,7 @@
                     <a:lstStyle/>
                     <a:p>
                       <a:pPr algn="r"/>
-                      <a:endParaRPr lang="fr-FR" b="0" dirty="0" smtClean="0">
+                      <a:endParaRPr lang="fr-FR" b="0" dirty="0">
                         <a:solidFill>
                           <a:schemeClr val="tx1">
                             <a:lumMod val="65000"/>
@@ -11107,7 +10801,7 @@
                     <a:p>
                       <a:pPr algn="r"/>
                       <a:r>
-                        <a:rPr lang="fr-FR" b="0" dirty="0" smtClean="0">
+                        <a:rPr lang="fr-FR" b="0" dirty="0">
                           <a:solidFill>
                             <a:schemeClr val="tx1">
                               <a:lumMod val="65000"/>
@@ -11118,15 +10812,6 @@
                         </a:rPr>
                         <a:t>2500€</a:t>
                       </a:r>
-                      <a:endParaRPr lang="fr-FR" b="0" dirty="0">
-                        <a:solidFill>
-                          <a:schemeClr val="tx1">
-                            <a:lumMod val="65000"/>
-                            <a:lumOff val="35000"/>
-                          </a:schemeClr>
-                        </a:solidFill>
-                        <a:latin typeface="Exo 2.0" panose="00000500000000000000" pitchFamily="50" charset="0"/>
-                      </a:endParaRPr>
                     </a:p>
                   </a:txBody>
                   <a:tcPr>
@@ -11146,7 +10831,7 @@
                 </a:tc>
                 <a:extLst>
                   <a:ext uri="{0D108BD9-81ED-4DB2-BD59-A6C34878D82A}">
-                    <a16:rowId xmlns="" xmlns:a16="http://schemas.microsoft.com/office/drawing/2014/main" val="2493942223"/>
+                    <a16:rowId xmlns:a16="http://schemas.microsoft.com/office/drawing/2014/main" val="2493942223"/>
                   </a:ext>
                 </a:extLst>
               </a:tr>
@@ -11247,7 +10932,7 @@
                 </a:tc>
                 <a:extLst>
                   <a:ext uri="{0D108BD9-81ED-4DB2-BD59-A6C34878D82A}">
-                    <a16:rowId xmlns="" xmlns:a16="http://schemas.microsoft.com/office/drawing/2014/main" val="3752774149"/>
+                    <a16:rowId xmlns:a16="http://schemas.microsoft.com/office/drawing/2014/main" val="3752774149"/>
                   </a:ext>
                 </a:extLst>
               </a:tr>
@@ -11295,13 +10980,6 @@
   <p:clrMapOvr>
     <a:masterClrMapping/>
   </p:clrMapOvr>
-  <p:timing>
-    <p:tnLst>
-      <p:par>
-        <p:cTn id="1" dur="indefinite" restart="never" nodeType="tmRoot"/>
-      </p:par>
-    </p:tnLst>
-  </p:timing>
 </p:sld>
 </file>
 
@@ -11444,7 +11122,7 @@
           <a:lstStyle/>
           <a:p>
             <a:r>
-              <a:rPr lang="fr-FR" dirty="0" smtClean="0">
+              <a:rPr lang="fr-FR" dirty="0">
                 <a:solidFill>
                   <a:schemeClr val="bg1"/>
                 </a:solidFill>
@@ -11452,12 +11130,6 @@
               </a:rPr>
               <a:t>Démonstration</a:t>
             </a:r>
-            <a:endParaRPr lang="fr-FR" dirty="0">
-              <a:solidFill>
-                <a:schemeClr val="bg1"/>
-              </a:solidFill>
-              <a:latin typeface="Exo 2.0" panose="00000500000000000000" pitchFamily="50" charset="0"/>
-            </a:endParaRPr>
           </a:p>
         </p:txBody>
       </p:sp>
@@ -11491,7 +11163,7 @@
           <a:lstStyle/>
           <a:p>
             <a:r>
-              <a:rPr lang="fr-FR" dirty="0" smtClean="0">
+              <a:rPr lang="fr-FR" dirty="0">
                 <a:solidFill>
                   <a:schemeClr val="bg1"/>
                 </a:solidFill>
@@ -11499,12 +11171,6 @@
               </a:rPr>
               <a:t>Merci de votre attention</a:t>
             </a:r>
-            <a:endParaRPr lang="fr-FR" dirty="0">
-              <a:solidFill>
-                <a:schemeClr val="bg1"/>
-              </a:solidFill>
-              <a:latin typeface="Exo 2.0" panose="00000500000000000000" pitchFamily="50" charset="0"/>
-            </a:endParaRPr>
           </a:p>
           <a:p>
             <a:endParaRPr lang="fr-FR" dirty="0">
@@ -11580,13 +11246,6 @@
   <p:clrMapOvr>
     <a:masterClrMapping/>
   </p:clrMapOvr>
-  <p:timing>
-    <p:tnLst>
-      <p:par>
-        <p:cTn id="1" dur="indefinite" restart="never" nodeType="tmRoot"/>
-      </p:par>
-    </p:tnLst>
-  </p:timing>
 </p:sld>
 </file>
 

--- a/Suplogo.pptx
+++ b/Suplogo.pptx
@@ -209,7 +209,7 @@
           <a:p>
             <a:fld id="{14E4E7EC-0EA8-44C5-8AE2-84A80E56D04E}" type="datetimeFigureOut">
               <a:rPr lang="fr-FR" smtClean="0"/>
-              <a:t>28/06/2017</a:t>
+              <a:t>29/06/2017</a:t>
             </a:fld>
             <a:endParaRPr lang="fr-FR"/>
           </a:p>
@@ -1486,7 +1486,7 @@
           <a:p>
             <a:fld id="{EED3147D-F3CE-40D2-B78F-189808B83622}" type="datetimeFigureOut">
               <a:rPr lang="fr-FR" smtClean="0"/>
-              <a:t>28/06/2017</a:t>
+              <a:t>29/06/2017</a:t>
             </a:fld>
             <a:endParaRPr lang="fr-FR"/>
           </a:p>
@@ -1654,7 +1654,7 @@
           <a:p>
             <a:fld id="{EED3147D-F3CE-40D2-B78F-189808B83622}" type="datetimeFigureOut">
               <a:rPr lang="fr-FR" smtClean="0"/>
-              <a:t>28/06/2017</a:t>
+              <a:t>29/06/2017</a:t>
             </a:fld>
             <a:endParaRPr lang="fr-FR"/>
           </a:p>
@@ -1832,7 +1832,7 @@
           <a:p>
             <a:fld id="{EED3147D-F3CE-40D2-B78F-189808B83622}" type="datetimeFigureOut">
               <a:rPr lang="fr-FR" smtClean="0"/>
-              <a:t>28/06/2017</a:t>
+              <a:t>29/06/2017</a:t>
             </a:fld>
             <a:endParaRPr lang="fr-FR"/>
           </a:p>
@@ -2000,7 +2000,7 @@
           <a:p>
             <a:fld id="{EED3147D-F3CE-40D2-B78F-189808B83622}" type="datetimeFigureOut">
               <a:rPr lang="fr-FR" smtClean="0"/>
-              <a:t>28/06/2017</a:t>
+              <a:t>29/06/2017</a:t>
             </a:fld>
             <a:endParaRPr lang="fr-FR"/>
           </a:p>
@@ -2245,7 +2245,7 @@
           <a:p>
             <a:fld id="{EED3147D-F3CE-40D2-B78F-189808B83622}" type="datetimeFigureOut">
               <a:rPr lang="fr-FR" smtClean="0"/>
-              <a:t>28/06/2017</a:t>
+              <a:t>29/06/2017</a:t>
             </a:fld>
             <a:endParaRPr lang="fr-FR"/>
           </a:p>
@@ -2474,7 +2474,7 @@
           <a:p>
             <a:fld id="{EED3147D-F3CE-40D2-B78F-189808B83622}" type="datetimeFigureOut">
               <a:rPr lang="fr-FR" smtClean="0"/>
-              <a:t>28/06/2017</a:t>
+              <a:t>29/06/2017</a:t>
             </a:fld>
             <a:endParaRPr lang="fr-FR"/>
           </a:p>
@@ -2838,7 +2838,7 @@
           <a:p>
             <a:fld id="{EED3147D-F3CE-40D2-B78F-189808B83622}" type="datetimeFigureOut">
               <a:rPr lang="fr-FR" smtClean="0"/>
-              <a:t>28/06/2017</a:t>
+              <a:t>29/06/2017</a:t>
             </a:fld>
             <a:endParaRPr lang="fr-FR"/>
           </a:p>
@@ -2955,7 +2955,7 @@
           <a:p>
             <a:fld id="{EED3147D-F3CE-40D2-B78F-189808B83622}" type="datetimeFigureOut">
               <a:rPr lang="fr-FR" smtClean="0"/>
-              <a:t>28/06/2017</a:t>
+              <a:t>29/06/2017</a:t>
             </a:fld>
             <a:endParaRPr lang="fr-FR"/>
           </a:p>
@@ -3050,7 +3050,7 @@
           <a:p>
             <a:fld id="{EED3147D-F3CE-40D2-B78F-189808B83622}" type="datetimeFigureOut">
               <a:rPr lang="fr-FR" smtClean="0"/>
-              <a:t>28/06/2017</a:t>
+              <a:t>29/06/2017</a:t>
             </a:fld>
             <a:endParaRPr lang="fr-FR"/>
           </a:p>
@@ -3325,7 +3325,7 @@
           <a:p>
             <a:fld id="{EED3147D-F3CE-40D2-B78F-189808B83622}" type="datetimeFigureOut">
               <a:rPr lang="fr-FR" smtClean="0"/>
-              <a:t>28/06/2017</a:t>
+              <a:t>29/06/2017</a:t>
             </a:fld>
             <a:endParaRPr lang="fr-FR"/>
           </a:p>
@@ -3577,7 +3577,7 @@
           <a:p>
             <a:fld id="{EED3147D-F3CE-40D2-B78F-189808B83622}" type="datetimeFigureOut">
               <a:rPr lang="fr-FR" smtClean="0"/>
-              <a:t>28/06/2017</a:t>
+              <a:t>29/06/2017</a:t>
             </a:fld>
             <a:endParaRPr lang="fr-FR"/>
           </a:p>
@@ -3788,7 +3788,7 @@
           <a:p>
             <a:fld id="{EED3147D-F3CE-40D2-B78F-189808B83622}" type="datetimeFigureOut">
               <a:rPr lang="fr-FR" smtClean="0"/>
-              <a:t>28/06/2017</a:t>
+              <a:t>29/06/2017</a:t>
             </a:fld>
             <a:endParaRPr lang="fr-FR"/>
           </a:p>
@@ -6353,7 +6353,7 @@
       </p:pic>
       <p:pic>
         <p:nvPicPr>
-          <p:cNvPr id="5" name="Image 4"/>
+          <p:cNvPr id="13" name="Image 12"/>
           <p:cNvPicPr>
             <a:picLocks noChangeAspect="1"/>
           </p:cNvPicPr>
@@ -6361,30 +6361,6 @@
         </p:nvPicPr>
         <p:blipFill>
           <a:blip r:embed="rId5"/>
-          <a:stretch>
-            <a:fillRect/>
-          </a:stretch>
-        </p:blipFill>
-        <p:spPr>
-          <a:xfrm>
-            <a:off x="567410" y="3567981"/>
-            <a:ext cx="2717045" cy="2725354"/>
-          </a:xfrm>
-          <a:prstGeom prst="rect">
-            <a:avLst/>
-          </a:prstGeom>
-        </p:spPr>
-      </p:pic>
-      <p:pic>
-        <p:nvPicPr>
-          <p:cNvPr id="13" name="Image 12"/>
-          <p:cNvPicPr>
-            <a:picLocks noChangeAspect="1"/>
-          </p:cNvPicPr>
-          <p:nvPr/>
-        </p:nvPicPr>
-        <p:blipFill>
-          <a:blip r:embed="rId6"/>
           <a:stretch>
             <a:fillRect/>
           </a:stretch>
@@ -6408,7 +6384,7 @@
           <p:nvPr/>
         </p:nvPicPr>
         <p:blipFill>
-          <a:blip r:embed="rId7"/>
+          <a:blip r:embed="rId6"/>
           <a:stretch>
             <a:fillRect/>
           </a:stretch>
@@ -6417,6 +6393,36 @@
           <a:xfrm>
             <a:off x="6409989" y="3864035"/>
             <a:ext cx="2190684" cy="2140130"/>
+          </a:xfrm>
+          <a:prstGeom prst="rect">
+            <a:avLst/>
+          </a:prstGeom>
+        </p:spPr>
+      </p:pic>
+      <p:pic>
+        <p:nvPicPr>
+          <p:cNvPr id="6" name="Image 5"/>
+          <p:cNvPicPr>
+            <a:picLocks noChangeAspect="1"/>
+          </p:cNvPicPr>
+          <p:nvPr/>
+        </p:nvPicPr>
+        <p:blipFill>
+          <a:blip r:embed="rId7">
+            <a:extLst>
+              <a:ext uri="{28A0092B-C50C-407E-A947-70E740481C1C}">
+                <a14:useLocalDpi xmlns:a14="http://schemas.microsoft.com/office/drawing/2010/main" val="0"/>
+              </a:ext>
+            </a:extLst>
+          </a:blip>
+          <a:stretch>
+            <a:fillRect/>
+          </a:stretch>
+        </p:blipFill>
+        <p:spPr>
+          <a:xfrm>
+            <a:off x="566769" y="3567980"/>
+            <a:ext cx="2755772" cy="2725355"/>
           </a:xfrm>
           <a:prstGeom prst="rect">
             <a:avLst/>
@@ -6433,6 +6439,13 @@
   <p:clrMapOvr>
     <a:masterClrMapping/>
   </p:clrMapOvr>
+  <p:timing>
+    <p:tnLst>
+      <p:par>
+        <p:cTn id="1" dur="indefinite" restart="never" nodeType="tmRoot"/>
+      </p:par>
+    </p:tnLst>
+  </p:timing>
 </p:sld>
 </file>
 
@@ -6799,1785 +6812,110 @@
           </a:prstGeom>
         </p:spPr>
       </p:pic>
-      <p:graphicFrame>
-        <p:nvGraphicFramePr>
-          <p:cNvPr id="5" name="Tableau 4"/>
-          <p:cNvGraphicFramePr>
-            <a:graphicFrameLocks noGrp="1"/>
-          </p:cNvGraphicFramePr>
-          <p:nvPr>
-            <p:extLst>
-              <p:ext uri="{D42A27DB-BD31-4B8C-83A1-F6EECF244321}">
-                <p14:modId xmlns:p14="http://schemas.microsoft.com/office/powerpoint/2010/main" val="1593494323"/>
-              </p:ext>
-            </p:extLst>
-          </p:nvPr>
-        </p:nvGraphicFramePr>
-        <p:xfrm>
-          <a:off x="2011575" y="1084081"/>
-          <a:ext cx="8128000" cy="5405120"/>
-        </p:xfrm>
-        <a:graphic>
-          <a:graphicData uri="http://schemas.openxmlformats.org/drawingml/2006/table">
-            <a:tbl>
-              <a:tblPr firstRow="1" bandRow="1">
-                <a:tableStyleId>{5940675A-B579-460E-94D1-54222C63F5DA}</a:tableStyleId>
-              </a:tblPr>
-              <a:tblGrid>
-                <a:gridCol w="4064000">
-                  <a:extLst>
-                    <a:ext uri="{9D8B030D-6E8A-4147-A177-3AD203B41FA5}">
-                      <a16:colId xmlns:a16="http://schemas.microsoft.com/office/drawing/2014/main" xmlns="" val="20000"/>
-                    </a:ext>
-                  </a:extLst>
-                </a:gridCol>
-                <a:gridCol w="4064000">
-                  <a:extLst>
-                    <a:ext uri="{9D8B030D-6E8A-4147-A177-3AD203B41FA5}">
-                      <a16:colId xmlns:a16="http://schemas.microsoft.com/office/drawing/2014/main" xmlns="" val="20001"/>
-                    </a:ext>
-                  </a:extLst>
-                </a:gridCol>
-              </a:tblGrid>
-              <a:tr h="370840">
-                <a:tc>
-                  <a:txBody>
-                    <a:bodyPr/>
-                    <a:lstStyle/>
-                    <a:p>
-                      <a:r>
-                        <a:rPr lang="fr-FR" b="1" dirty="0">
-                          <a:solidFill>
-                            <a:schemeClr val="bg1"/>
-                          </a:solidFill>
-                          <a:effectLst>
-                            <a:outerShdw blurRad="38100" dist="38100" dir="2700000" algn="tl">
-                              <a:srgbClr val="000000">
-                                <a:alpha val="43137"/>
-                              </a:srgbClr>
-                            </a:outerShdw>
-                          </a:effectLst>
-                          <a:latin typeface="Exo 2.0" panose="00000500000000000000"/>
-                        </a:rPr>
-                        <a:t>COMMANDES</a:t>
-                      </a:r>
-                    </a:p>
-                  </a:txBody>
-                  <a:tcPr>
-                    <a:lnL w="12700" cap="flat" cmpd="sng" algn="ctr">
-                      <a:solidFill>
-                        <a:srgbClr val="FF3399"/>
-                      </a:solidFill>
-                      <a:prstDash val="solid"/>
-                      <a:round/>
-                      <a:headEnd type="none" w="med" len="med"/>
-                      <a:tailEnd type="none" w="med" len="med"/>
-                    </a:lnL>
-                    <a:lnR w="12700" cap="flat" cmpd="sng" algn="ctr">
-                      <a:solidFill>
-                        <a:srgbClr val="FF3399"/>
-                      </a:solidFill>
-                      <a:prstDash val="solid"/>
-                      <a:round/>
-                      <a:headEnd type="none" w="med" len="med"/>
-                      <a:tailEnd type="none" w="med" len="med"/>
-                    </a:lnR>
-                    <a:lnT w="12700" cap="flat" cmpd="sng" algn="ctr">
-                      <a:solidFill>
-                        <a:srgbClr val="FF3399"/>
-                      </a:solidFill>
-                      <a:prstDash val="solid"/>
-                      <a:round/>
-                      <a:headEnd type="none" w="med" len="med"/>
-                      <a:tailEnd type="none" w="med" len="med"/>
-                    </a:lnT>
-                    <a:lnB w="12700" cap="flat" cmpd="sng" algn="ctr">
-                      <a:solidFill>
-                        <a:srgbClr val="FF3399"/>
-                      </a:solidFill>
-                      <a:prstDash val="solid"/>
-                      <a:round/>
-                      <a:headEnd type="none" w="med" len="med"/>
-                      <a:tailEnd type="none" w="med" len="med"/>
-                    </a:lnB>
-                    <a:cell3D prstMaterial="dkEdge">
-                      <a:bevel prst="artDeco"/>
-                      <a:lightRig rig="flood" dir="t"/>
-                    </a:cell3D>
-                    <a:solidFill>
-                      <a:srgbClr val="BB1177"/>
-                    </a:solidFill>
-                  </a:tcPr>
-                </a:tc>
-                <a:tc>
-                  <a:txBody>
-                    <a:bodyPr/>
-                    <a:lstStyle/>
-                    <a:p>
-                      <a:r>
-                        <a:rPr lang="fr-FR" b="1" dirty="0">
-                          <a:solidFill>
-                            <a:schemeClr val="bg1"/>
-                          </a:solidFill>
-                          <a:effectLst>
-                            <a:outerShdw blurRad="38100" dist="38100" dir="2700000" algn="tl">
-                              <a:srgbClr val="000000">
-                                <a:alpha val="43137"/>
-                              </a:srgbClr>
-                            </a:outerShdw>
-                          </a:effectLst>
-                          <a:latin typeface="Exo 2.0" panose="00000500000000000000"/>
-                        </a:rPr>
-                        <a:t>EFFETS</a:t>
-                      </a:r>
-                    </a:p>
-                  </a:txBody>
-                  <a:tcPr>
-                    <a:lnL w="12700" cap="flat" cmpd="sng" algn="ctr">
-                      <a:solidFill>
-                        <a:srgbClr val="FF3399"/>
-                      </a:solidFill>
-                      <a:prstDash val="solid"/>
-                      <a:round/>
-                      <a:headEnd type="none" w="med" len="med"/>
-                      <a:tailEnd type="none" w="med" len="med"/>
-                    </a:lnL>
-                    <a:lnR w="12700" cap="flat" cmpd="sng" algn="ctr">
-                      <a:solidFill>
-                        <a:srgbClr val="FF3399"/>
-                      </a:solidFill>
-                      <a:prstDash val="solid"/>
-                      <a:round/>
-                      <a:headEnd type="none" w="med" len="med"/>
-                      <a:tailEnd type="none" w="med" len="med"/>
-                    </a:lnR>
-                    <a:lnT w="12700" cap="flat" cmpd="sng" algn="ctr">
-                      <a:solidFill>
-                        <a:srgbClr val="FF3399"/>
-                      </a:solidFill>
-                      <a:prstDash val="solid"/>
-                      <a:round/>
-                      <a:headEnd type="none" w="med" len="med"/>
-                      <a:tailEnd type="none" w="med" len="med"/>
-                    </a:lnT>
-                    <a:lnB w="12700" cap="flat" cmpd="sng" algn="ctr">
-                      <a:solidFill>
-                        <a:srgbClr val="FF3399"/>
-                      </a:solidFill>
-                      <a:prstDash val="solid"/>
-                      <a:round/>
-                      <a:headEnd type="none" w="med" len="med"/>
-                      <a:tailEnd type="none" w="med" len="med"/>
-                    </a:lnB>
-                    <a:cell3D prstMaterial="dkEdge">
-                      <a:bevel prst="artDeco"/>
-                      <a:lightRig rig="flood" dir="t"/>
-                    </a:cell3D>
-                    <a:solidFill>
-                      <a:srgbClr val="BB1177"/>
-                    </a:solidFill>
-                  </a:tcPr>
-                </a:tc>
-                <a:extLst>
-                  <a:ext uri="{0D108BD9-81ED-4DB2-BD59-A6C34878D82A}">
-                    <a16:rowId xmlns:a16="http://schemas.microsoft.com/office/drawing/2014/main" xmlns="" val="10000"/>
-                  </a:ext>
-                </a:extLst>
-              </a:tr>
-              <a:tr h="370840">
-                <a:tc>
-                  <a:txBody>
-                    <a:bodyPr/>
-                    <a:lstStyle/>
-                    <a:p>
-                      <a:r>
-                        <a:rPr lang="fr-FR" sz="1300" dirty="0">
-                          <a:latin typeface="Exo 2.0" panose="00000500000000000000"/>
-                        </a:rPr>
-                        <a:t>AV </a:t>
-                      </a:r>
-                      <a:r>
-                        <a:rPr lang="fr-FR" sz="1300" i="1" dirty="0">
-                          <a:latin typeface="Exo 2.0" panose="00000500000000000000"/>
-                        </a:rPr>
-                        <a:t>pixels</a:t>
-                      </a:r>
-                      <a:endParaRPr lang="fr-FR" sz="1300" dirty="0">
-                        <a:latin typeface="Exo 2.0" panose="00000500000000000000"/>
-                      </a:endParaRPr>
-                    </a:p>
-                  </a:txBody>
-                  <a:tcPr>
-                    <a:lnL w="12700" cap="flat" cmpd="sng" algn="ctr">
-                      <a:solidFill>
-                        <a:srgbClr val="FF3399"/>
-                      </a:solidFill>
-                      <a:prstDash val="solid"/>
-                      <a:round/>
-                      <a:headEnd type="none" w="med" len="med"/>
-                      <a:tailEnd type="none" w="med" len="med"/>
-                    </a:lnL>
-                    <a:lnR w="12700" cap="flat" cmpd="sng" algn="ctr">
-                      <a:solidFill>
-                        <a:srgbClr val="FF3399"/>
-                      </a:solidFill>
-                      <a:prstDash val="solid"/>
-                      <a:round/>
-                      <a:headEnd type="none" w="med" len="med"/>
-                      <a:tailEnd type="none" w="med" len="med"/>
-                    </a:lnR>
-                    <a:lnT w="12700" cap="flat" cmpd="sng" algn="ctr">
-                      <a:solidFill>
-                        <a:srgbClr val="FF3399"/>
-                      </a:solidFill>
-                      <a:prstDash val="solid"/>
-                      <a:round/>
-                      <a:headEnd type="none" w="med" len="med"/>
-                      <a:tailEnd type="none" w="med" len="med"/>
-                    </a:lnT>
-                    <a:lnB w="12700" cap="flat" cmpd="sng" algn="ctr">
-                      <a:solidFill>
-                        <a:srgbClr val="FF3399"/>
-                      </a:solidFill>
-                      <a:prstDash val="solid"/>
-                      <a:round/>
-                      <a:headEnd type="none" w="med" len="med"/>
-                      <a:tailEnd type="none" w="med" len="med"/>
-                    </a:lnB>
-                    <a:solidFill>
-                      <a:srgbClr val="FFD9F8"/>
-                    </a:solidFill>
-                  </a:tcPr>
-                </a:tc>
-                <a:tc>
-                  <a:txBody>
-                    <a:bodyPr/>
-                    <a:lstStyle/>
-                    <a:p>
-                      <a:r>
-                        <a:rPr lang="fr-FR" sz="1300" dirty="0">
-                          <a:latin typeface="Exo 2.0" panose="00000500000000000000"/>
-                        </a:rPr>
-                        <a:t>La tortue bouge de </a:t>
-                      </a:r>
-                      <a:r>
-                        <a:rPr lang="fr-FR" sz="1300" i="1" dirty="0">
-                          <a:latin typeface="Exo 2.0" panose="00000500000000000000"/>
-                        </a:rPr>
-                        <a:t>pixels</a:t>
-                      </a:r>
-                      <a:r>
-                        <a:rPr lang="fr-FR" sz="1300" i="0" baseline="0" dirty="0">
-                          <a:latin typeface="Exo 2.0" panose="00000500000000000000"/>
-                        </a:rPr>
-                        <a:t> vers l’avant</a:t>
-                      </a:r>
-                      <a:endParaRPr lang="fr-FR" sz="1300" dirty="0">
-                        <a:latin typeface="Exo 2.0" panose="00000500000000000000"/>
-                      </a:endParaRPr>
-                    </a:p>
-                  </a:txBody>
-                  <a:tcPr>
-                    <a:lnL w="12700" cap="flat" cmpd="sng" algn="ctr">
-                      <a:solidFill>
-                        <a:srgbClr val="FF3399"/>
-                      </a:solidFill>
-                      <a:prstDash val="solid"/>
-                      <a:round/>
-                      <a:headEnd type="none" w="med" len="med"/>
-                      <a:tailEnd type="none" w="med" len="med"/>
-                    </a:lnL>
-                    <a:lnR w="12700" cap="flat" cmpd="sng" algn="ctr">
-                      <a:solidFill>
-                        <a:srgbClr val="FF3399"/>
-                      </a:solidFill>
-                      <a:prstDash val="solid"/>
-                      <a:round/>
-                      <a:headEnd type="none" w="med" len="med"/>
-                      <a:tailEnd type="none" w="med" len="med"/>
-                    </a:lnR>
-                    <a:lnT w="12700" cap="flat" cmpd="sng" algn="ctr">
-                      <a:solidFill>
-                        <a:srgbClr val="FF3399"/>
-                      </a:solidFill>
-                      <a:prstDash val="solid"/>
-                      <a:round/>
-                      <a:headEnd type="none" w="med" len="med"/>
-                      <a:tailEnd type="none" w="med" len="med"/>
-                    </a:lnT>
-                    <a:lnB w="12700" cap="flat" cmpd="sng" algn="ctr">
-                      <a:solidFill>
-                        <a:srgbClr val="FF3399"/>
-                      </a:solidFill>
-                      <a:prstDash val="solid"/>
-                      <a:round/>
-                      <a:headEnd type="none" w="med" len="med"/>
-                      <a:tailEnd type="none" w="med" len="med"/>
-                    </a:lnB>
-                    <a:solidFill>
-                      <a:srgbClr val="FFD9F8"/>
-                    </a:solidFill>
-                  </a:tcPr>
-                </a:tc>
-                <a:extLst>
-                  <a:ext uri="{0D108BD9-81ED-4DB2-BD59-A6C34878D82A}">
-                    <a16:rowId xmlns:a16="http://schemas.microsoft.com/office/drawing/2014/main" xmlns="" val="10001"/>
-                  </a:ext>
-                </a:extLst>
-              </a:tr>
-              <a:tr h="370840">
-                <a:tc>
-                  <a:txBody>
-                    <a:bodyPr/>
-                    <a:lstStyle/>
-                    <a:p>
-                      <a:r>
-                        <a:rPr lang="fr-FR" sz="1300" dirty="0">
-                          <a:latin typeface="Exo 2.0" panose="00000500000000000000"/>
-                        </a:rPr>
-                        <a:t>RE </a:t>
-                      </a:r>
-                      <a:r>
-                        <a:rPr lang="fr-FR" sz="1300" i="1" dirty="0">
-                          <a:latin typeface="Exo 2.0" panose="00000500000000000000"/>
-                        </a:rPr>
-                        <a:t>pixels</a:t>
-                      </a:r>
-                      <a:endParaRPr lang="fr-FR" sz="1300" dirty="0">
-                        <a:latin typeface="Exo 2.0" panose="00000500000000000000"/>
-                      </a:endParaRPr>
-                    </a:p>
-                  </a:txBody>
-                  <a:tcPr>
-                    <a:lnL w="12700" cap="flat" cmpd="sng" algn="ctr">
-                      <a:solidFill>
-                        <a:srgbClr val="FF3399"/>
-                      </a:solidFill>
-                      <a:prstDash val="solid"/>
-                      <a:round/>
-                      <a:headEnd type="none" w="med" len="med"/>
-                      <a:tailEnd type="none" w="med" len="med"/>
-                    </a:lnL>
-                    <a:lnR w="12700" cap="flat" cmpd="sng" algn="ctr">
-                      <a:solidFill>
-                        <a:srgbClr val="FF3399"/>
-                      </a:solidFill>
-                      <a:prstDash val="solid"/>
-                      <a:round/>
-                      <a:headEnd type="none" w="med" len="med"/>
-                      <a:tailEnd type="none" w="med" len="med"/>
-                    </a:lnR>
-                    <a:lnT w="12700" cap="flat" cmpd="sng" algn="ctr">
-                      <a:solidFill>
-                        <a:srgbClr val="FF3399"/>
-                      </a:solidFill>
-                      <a:prstDash val="solid"/>
-                      <a:round/>
-                      <a:headEnd type="none" w="med" len="med"/>
-                      <a:tailEnd type="none" w="med" len="med"/>
-                    </a:lnT>
-                    <a:lnB w="12700" cap="flat" cmpd="sng" algn="ctr">
-                      <a:solidFill>
-                        <a:srgbClr val="FF3399"/>
-                      </a:solidFill>
-                      <a:prstDash val="solid"/>
-                      <a:round/>
-                      <a:headEnd type="none" w="med" len="med"/>
-                      <a:tailEnd type="none" w="med" len="med"/>
-                    </a:lnB>
-                    <a:solidFill>
-                      <a:srgbClr val="FFE7FA"/>
-                    </a:solidFill>
-                  </a:tcPr>
-                </a:tc>
-                <a:tc>
-                  <a:txBody>
-                    <a:bodyPr/>
-                    <a:lstStyle/>
-                    <a:p>
-                      <a:r>
-                        <a:rPr lang="fr-FR" sz="1300" dirty="0">
-                          <a:latin typeface="Exo 2.0" panose="00000500000000000000"/>
-                        </a:rPr>
-                        <a:t>La tortue</a:t>
-                      </a:r>
-                      <a:r>
-                        <a:rPr lang="fr-FR" sz="1300" baseline="0" dirty="0">
-                          <a:latin typeface="Exo 2.0" panose="00000500000000000000"/>
-                        </a:rPr>
-                        <a:t> bouge de </a:t>
-                      </a:r>
-                      <a:r>
-                        <a:rPr lang="fr-FR" sz="1300" i="1" baseline="0" dirty="0">
-                          <a:latin typeface="Exo 2.0" panose="00000500000000000000"/>
-                        </a:rPr>
-                        <a:t>pixels</a:t>
-                      </a:r>
-                      <a:r>
-                        <a:rPr lang="fr-FR" sz="1300" i="0" baseline="0" dirty="0">
-                          <a:latin typeface="Exo 2.0" panose="00000500000000000000"/>
-                        </a:rPr>
-                        <a:t> vers l’arrière</a:t>
-                      </a:r>
-                      <a:endParaRPr lang="fr-FR" sz="1300" dirty="0">
-                        <a:latin typeface="Exo 2.0" panose="00000500000000000000"/>
-                      </a:endParaRPr>
-                    </a:p>
-                  </a:txBody>
-                  <a:tcPr>
-                    <a:lnL w="12700" cap="flat" cmpd="sng" algn="ctr">
-                      <a:solidFill>
-                        <a:srgbClr val="FF3399"/>
-                      </a:solidFill>
-                      <a:prstDash val="solid"/>
-                      <a:round/>
-                      <a:headEnd type="none" w="med" len="med"/>
-                      <a:tailEnd type="none" w="med" len="med"/>
-                    </a:lnL>
-                    <a:lnR w="12700" cap="flat" cmpd="sng" algn="ctr">
-                      <a:solidFill>
-                        <a:srgbClr val="FF3399"/>
-                      </a:solidFill>
-                      <a:prstDash val="solid"/>
-                      <a:round/>
-                      <a:headEnd type="none" w="med" len="med"/>
-                      <a:tailEnd type="none" w="med" len="med"/>
-                    </a:lnR>
-                    <a:lnT w="12700" cap="flat" cmpd="sng" algn="ctr">
-                      <a:solidFill>
-                        <a:srgbClr val="FF3399"/>
-                      </a:solidFill>
-                      <a:prstDash val="solid"/>
-                      <a:round/>
-                      <a:headEnd type="none" w="med" len="med"/>
-                      <a:tailEnd type="none" w="med" len="med"/>
-                    </a:lnT>
-                    <a:lnB w="12700" cap="flat" cmpd="sng" algn="ctr">
-                      <a:solidFill>
-                        <a:srgbClr val="FF3399"/>
-                      </a:solidFill>
-                      <a:prstDash val="solid"/>
-                      <a:round/>
-                      <a:headEnd type="none" w="med" len="med"/>
-                      <a:tailEnd type="none" w="med" len="med"/>
-                    </a:lnB>
-                    <a:solidFill>
-                      <a:srgbClr val="FFE7FA"/>
-                    </a:solidFill>
-                  </a:tcPr>
-                </a:tc>
-                <a:extLst>
-                  <a:ext uri="{0D108BD9-81ED-4DB2-BD59-A6C34878D82A}">
-                    <a16:rowId xmlns:a16="http://schemas.microsoft.com/office/drawing/2014/main" xmlns="" val="10002"/>
-                  </a:ext>
-                </a:extLst>
-              </a:tr>
-              <a:tr h="370840">
-                <a:tc>
-                  <a:txBody>
-                    <a:bodyPr/>
-                    <a:lstStyle/>
-                    <a:p>
-                      <a:r>
-                        <a:rPr lang="fr-FR" sz="1300" dirty="0">
-                          <a:latin typeface="Exo 2.0" panose="00000500000000000000"/>
-                        </a:rPr>
-                        <a:t>TD </a:t>
-                      </a:r>
-                      <a:r>
-                        <a:rPr lang="fr-FR" sz="1300" i="1" dirty="0" err="1">
-                          <a:latin typeface="Exo 2.0" panose="00000500000000000000"/>
-                        </a:rPr>
-                        <a:t>degres</a:t>
-                      </a:r>
-                      <a:endParaRPr lang="fr-FR" sz="1300" dirty="0">
-                        <a:latin typeface="Exo 2.0" panose="00000500000000000000"/>
-                      </a:endParaRPr>
-                    </a:p>
-                  </a:txBody>
-                  <a:tcPr>
-                    <a:lnL w="12700" cap="flat" cmpd="sng" algn="ctr">
-                      <a:solidFill>
-                        <a:srgbClr val="FF3399"/>
-                      </a:solidFill>
-                      <a:prstDash val="solid"/>
-                      <a:round/>
-                      <a:headEnd type="none" w="med" len="med"/>
-                      <a:tailEnd type="none" w="med" len="med"/>
-                    </a:lnL>
-                    <a:lnR w="12700" cap="flat" cmpd="sng" algn="ctr">
-                      <a:solidFill>
-                        <a:srgbClr val="FF3399"/>
-                      </a:solidFill>
-                      <a:prstDash val="solid"/>
-                      <a:round/>
-                      <a:headEnd type="none" w="med" len="med"/>
-                      <a:tailEnd type="none" w="med" len="med"/>
-                    </a:lnR>
-                    <a:lnT w="12700" cap="flat" cmpd="sng" algn="ctr">
-                      <a:solidFill>
-                        <a:srgbClr val="FF3399"/>
-                      </a:solidFill>
-                      <a:prstDash val="solid"/>
-                      <a:round/>
-                      <a:headEnd type="none" w="med" len="med"/>
-                      <a:tailEnd type="none" w="med" len="med"/>
-                    </a:lnT>
-                    <a:lnB w="12700" cap="flat" cmpd="sng" algn="ctr">
-                      <a:solidFill>
-                        <a:srgbClr val="FF3399"/>
-                      </a:solidFill>
-                      <a:prstDash val="solid"/>
-                      <a:round/>
-                      <a:headEnd type="none" w="med" len="med"/>
-                      <a:tailEnd type="none" w="med" len="med"/>
-                    </a:lnB>
-                    <a:solidFill>
-                      <a:srgbClr val="FFD9F8"/>
-                    </a:solidFill>
-                  </a:tcPr>
-                </a:tc>
-                <a:tc>
-                  <a:txBody>
-                    <a:bodyPr/>
-                    <a:lstStyle/>
-                    <a:p>
-                      <a:r>
-                        <a:rPr lang="fr-FR" sz="1300" dirty="0">
-                          <a:latin typeface="Exo 2.0" panose="00000500000000000000"/>
-                        </a:rPr>
-                        <a:t>La tortue tourne de </a:t>
-                      </a:r>
-                      <a:r>
-                        <a:rPr lang="fr-FR" sz="1300" i="1" dirty="0">
-                          <a:latin typeface="Exo 2.0" panose="00000500000000000000"/>
-                        </a:rPr>
-                        <a:t>degrés</a:t>
-                      </a:r>
-                      <a:r>
-                        <a:rPr lang="fr-FR" sz="1300" i="0" dirty="0">
-                          <a:latin typeface="Exo 2.0" panose="00000500000000000000"/>
-                        </a:rPr>
-                        <a:t> vers la droite</a:t>
-                      </a:r>
-                      <a:endParaRPr lang="fr-FR" sz="1300" dirty="0">
-                        <a:latin typeface="Exo 2.0" panose="00000500000000000000"/>
-                      </a:endParaRPr>
-                    </a:p>
-                  </a:txBody>
-                  <a:tcPr>
-                    <a:lnL w="12700" cap="flat" cmpd="sng" algn="ctr">
-                      <a:solidFill>
-                        <a:srgbClr val="FF3399"/>
-                      </a:solidFill>
-                      <a:prstDash val="solid"/>
-                      <a:round/>
-                      <a:headEnd type="none" w="med" len="med"/>
-                      <a:tailEnd type="none" w="med" len="med"/>
-                    </a:lnL>
-                    <a:lnR w="12700" cap="flat" cmpd="sng" algn="ctr">
-                      <a:solidFill>
-                        <a:srgbClr val="FF3399"/>
-                      </a:solidFill>
-                      <a:prstDash val="solid"/>
-                      <a:round/>
-                      <a:headEnd type="none" w="med" len="med"/>
-                      <a:tailEnd type="none" w="med" len="med"/>
-                    </a:lnR>
-                    <a:lnT w="12700" cap="flat" cmpd="sng" algn="ctr">
-                      <a:solidFill>
-                        <a:srgbClr val="FF3399"/>
-                      </a:solidFill>
-                      <a:prstDash val="solid"/>
-                      <a:round/>
-                      <a:headEnd type="none" w="med" len="med"/>
-                      <a:tailEnd type="none" w="med" len="med"/>
-                    </a:lnT>
-                    <a:lnB w="12700" cap="flat" cmpd="sng" algn="ctr">
-                      <a:solidFill>
-                        <a:srgbClr val="FF3399"/>
-                      </a:solidFill>
-                      <a:prstDash val="solid"/>
-                      <a:round/>
-                      <a:headEnd type="none" w="med" len="med"/>
-                      <a:tailEnd type="none" w="med" len="med"/>
-                    </a:lnB>
-                    <a:solidFill>
-                      <a:srgbClr val="FFD9F8"/>
-                    </a:solidFill>
-                  </a:tcPr>
-                </a:tc>
-                <a:extLst>
-                  <a:ext uri="{0D108BD9-81ED-4DB2-BD59-A6C34878D82A}">
-                    <a16:rowId xmlns:a16="http://schemas.microsoft.com/office/drawing/2014/main" xmlns="" val="10003"/>
-                  </a:ext>
-                </a:extLst>
-              </a:tr>
-              <a:tr h="370840">
-                <a:tc>
-                  <a:txBody>
-                    <a:bodyPr/>
-                    <a:lstStyle/>
-                    <a:p>
-                      <a:r>
-                        <a:rPr lang="fr-FR" sz="1300" dirty="0">
-                          <a:latin typeface="Exo 2.0" panose="00000500000000000000"/>
-                        </a:rPr>
-                        <a:t>TG </a:t>
-                      </a:r>
-                      <a:r>
-                        <a:rPr lang="fr-FR" sz="1300" i="1" dirty="0" err="1">
-                          <a:latin typeface="Exo 2.0" panose="00000500000000000000"/>
-                        </a:rPr>
-                        <a:t>degres</a:t>
-                      </a:r>
-                      <a:endParaRPr lang="fr-FR" sz="1300" dirty="0">
-                        <a:latin typeface="Exo 2.0" panose="00000500000000000000"/>
-                      </a:endParaRPr>
-                    </a:p>
-                  </a:txBody>
-                  <a:tcPr>
-                    <a:lnL w="12700" cap="flat" cmpd="sng" algn="ctr">
-                      <a:solidFill>
-                        <a:srgbClr val="FF3399"/>
-                      </a:solidFill>
-                      <a:prstDash val="solid"/>
-                      <a:round/>
-                      <a:headEnd type="none" w="med" len="med"/>
-                      <a:tailEnd type="none" w="med" len="med"/>
-                    </a:lnL>
-                    <a:lnR w="12700" cap="flat" cmpd="sng" algn="ctr">
-                      <a:solidFill>
-                        <a:srgbClr val="FF3399"/>
-                      </a:solidFill>
-                      <a:prstDash val="solid"/>
-                      <a:round/>
-                      <a:headEnd type="none" w="med" len="med"/>
-                      <a:tailEnd type="none" w="med" len="med"/>
-                    </a:lnR>
-                    <a:lnT w="12700" cap="flat" cmpd="sng" algn="ctr">
-                      <a:solidFill>
-                        <a:srgbClr val="FF3399"/>
-                      </a:solidFill>
-                      <a:prstDash val="solid"/>
-                      <a:round/>
-                      <a:headEnd type="none" w="med" len="med"/>
-                      <a:tailEnd type="none" w="med" len="med"/>
-                    </a:lnT>
-                    <a:lnB w="12700" cap="flat" cmpd="sng" algn="ctr">
-                      <a:solidFill>
-                        <a:srgbClr val="FF3399"/>
-                      </a:solidFill>
-                      <a:prstDash val="solid"/>
-                      <a:round/>
-                      <a:headEnd type="none" w="med" len="med"/>
-                      <a:tailEnd type="none" w="med" len="med"/>
-                    </a:lnB>
-                    <a:solidFill>
-                      <a:srgbClr val="FFE7FA"/>
-                    </a:solidFill>
-                  </a:tcPr>
-                </a:tc>
-                <a:tc>
-                  <a:txBody>
-                    <a:bodyPr/>
-                    <a:lstStyle/>
-                    <a:p>
-                      <a:r>
-                        <a:rPr lang="fr-FR" sz="1300" dirty="0">
-                          <a:latin typeface="Exo 2.0" panose="00000500000000000000"/>
-                        </a:rPr>
-                        <a:t>La tortue tourne de </a:t>
-                      </a:r>
-                      <a:r>
-                        <a:rPr lang="fr-FR" sz="1300" i="1" dirty="0">
-                          <a:latin typeface="Exo 2.0" panose="00000500000000000000"/>
-                        </a:rPr>
-                        <a:t>degrés</a:t>
-                      </a:r>
-                      <a:r>
-                        <a:rPr lang="fr-FR" sz="1300" i="0" dirty="0">
-                          <a:latin typeface="Exo 2.0" panose="00000500000000000000"/>
-                        </a:rPr>
-                        <a:t> vers la gauche</a:t>
-                      </a:r>
-                      <a:endParaRPr lang="fr-FR" sz="1300" dirty="0">
-                        <a:latin typeface="Exo 2.0" panose="00000500000000000000"/>
-                      </a:endParaRPr>
-                    </a:p>
-                  </a:txBody>
-                  <a:tcPr>
-                    <a:lnL w="12700" cap="flat" cmpd="sng" algn="ctr">
-                      <a:solidFill>
-                        <a:srgbClr val="FF3399"/>
-                      </a:solidFill>
-                      <a:prstDash val="solid"/>
-                      <a:round/>
-                      <a:headEnd type="none" w="med" len="med"/>
-                      <a:tailEnd type="none" w="med" len="med"/>
-                    </a:lnL>
-                    <a:lnR w="12700" cap="flat" cmpd="sng" algn="ctr">
-                      <a:solidFill>
-                        <a:srgbClr val="FF3399"/>
-                      </a:solidFill>
-                      <a:prstDash val="solid"/>
-                      <a:round/>
-                      <a:headEnd type="none" w="med" len="med"/>
-                      <a:tailEnd type="none" w="med" len="med"/>
-                    </a:lnR>
-                    <a:lnT w="12700" cap="flat" cmpd="sng" algn="ctr">
-                      <a:solidFill>
-                        <a:srgbClr val="FF3399"/>
-                      </a:solidFill>
-                      <a:prstDash val="solid"/>
-                      <a:round/>
-                      <a:headEnd type="none" w="med" len="med"/>
-                      <a:tailEnd type="none" w="med" len="med"/>
-                    </a:lnT>
-                    <a:lnB w="12700" cap="flat" cmpd="sng" algn="ctr">
-                      <a:solidFill>
-                        <a:srgbClr val="FF3399"/>
-                      </a:solidFill>
-                      <a:prstDash val="solid"/>
-                      <a:round/>
-                      <a:headEnd type="none" w="med" len="med"/>
-                      <a:tailEnd type="none" w="med" len="med"/>
-                    </a:lnB>
-                    <a:solidFill>
-                      <a:srgbClr val="FFE7FA"/>
-                    </a:solidFill>
-                  </a:tcPr>
-                </a:tc>
-                <a:extLst>
-                  <a:ext uri="{0D108BD9-81ED-4DB2-BD59-A6C34878D82A}">
-                    <a16:rowId xmlns:a16="http://schemas.microsoft.com/office/drawing/2014/main" xmlns="" val="10004"/>
-                  </a:ext>
-                </a:extLst>
-              </a:tr>
-              <a:tr h="370840">
-                <a:tc>
-                  <a:txBody>
-                    <a:bodyPr/>
-                    <a:lstStyle/>
-                    <a:p>
-                      <a:r>
-                        <a:rPr lang="fr-FR" sz="1300" dirty="0">
-                          <a:latin typeface="Exo 2.0" panose="00000500000000000000"/>
-                        </a:rPr>
-                        <a:t>FCC </a:t>
-                      </a:r>
-                      <a:r>
-                        <a:rPr lang="fr-FR" sz="1300" i="1" dirty="0">
-                          <a:latin typeface="Exo 2.0" panose="00000500000000000000"/>
-                        </a:rPr>
-                        <a:t>couleur</a:t>
-                      </a:r>
-                      <a:endParaRPr lang="fr-FR" sz="1300" dirty="0">
-                        <a:latin typeface="Exo 2.0" panose="00000500000000000000"/>
-                      </a:endParaRPr>
-                    </a:p>
-                  </a:txBody>
-                  <a:tcPr>
-                    <a:lnL w="12700" cap="flat" cmpd="sng" algn="ctr">
-                      <a:solidFill>
-                        <a:srgbClr val="FF3399"/>
-                      </a:solidFill>
-                      <a:prstDash val="solid"/>
-                      <a:round/>
-                      <a:headEnd type="none" w="med" len="med"/>
-                      <a:tailEnd type="none" w="med" len="med"/>
-                    </a:lnL>
-                    <a:lnR w="12700" cap="flat" cmpd="sng" algn="ctr">
-                      <a:solidFill>
-                        <a:srgbClr val="FF3399"/>
-                      </a:solidFill>
-                      <a:prstDash val="solid"/>
-                      <a:round/>
-                      <a:headEnd type="none" w="med" len="med"/>
-                      <a:tailEnd type="none" w="med" len="med"/>
-                    </a:lnR>
-                    <a:lnT w="12700" cap="flat" cmpd="sng" algn="ctr">
-                      <a:solidFill>
-                        <a:srgbClr val="FF3399"/>
-                      </a:solidFill>
-                      <a:prstDash val="solid"/>
-                      <a:round/>
-                      <a:headEnd type="none" w="med" len="med"/>
-                      <a:tailEnd type="none" w="med" len="med"/>
-                    </a:lnT>
-                    <a:lnB w="12700" cap="flat" cmpd="sng" algn="ctr">
-                      <a:solidFill>
-                        <a:srgbClr val="FF3399"/>
-                      </a:solidFill>
-                      <a:prstDash val="solid"/>
-                      <a:round/>
-                      <a:headEnd type="none" w="med" len="med"/>
-                      <a:tailEnd type="none" w="med" len="med"/>
-                    </a:lnB>
-                    <a:solidFill>
-                      <a:srgbClr val="FFD9F8"/>
-                    </a:solidFill>
-                  </a:tcPr>
-                </a:tc>
-                <a:tc>
-                  <a:txBody>
-                    <a:bodyPr/>
-                    <a:lstStyle/>
-                    <a:p>
-                      <a:r>
-                        <a:rPr lang="fr-FR" sz="1300" dirty="0">
-                          <a:latin typeface="Exo 2.0" panose="00000500000000000000"/>
-                        </a:rPr>
-                        <a:t>Change</a:t>
-                      </a:r>
-                      <a:r>
-                        <a:rPr lang="fr-FR" sz="1300" baseline="0" dirty="0">
-                          <a:latin typeface="Exo 2.0" panose="00000500000000000000"/>
-                        </a:rPr>
-                        <a:t> la couleur de la tortue en </a:t>
-                      </a:r>
-                      <a:r>
-                        <a:rPr lang="fr-FR" sz="1300" i="1" baseline="0" dirty="0">
-                          <a:latin typeface="Exo 2.0" panose="00000500000000000000"/>
-                        </a:rPr>
-                        <a:t>couleur</a:t>
-                      </a:r>
-                      <a:r>
-                        <a:rPr lang="fr-FR" sz="1300" i="0" baseline="0" dirty="0">
-                          <a:latin typeface="Exo 2.0" panose="00000500000000000000"/>
-                        </a:rPr>
-                        <a:t> au format RVB</a:t>
-                      </a:r>
-                      <a:endParaRPr lang="fr-FR" sz="1300" dirty="0">
-                        <a:latin typeface="Exo 2.0" panose="00000500000000000000"/>
-                      </a:endParaRPr>
-                    </a:p>
-                  </a:txBody>
-                  <a:tcPr>
-                    <a:lnL w="12700" cap="flat" cmpd="sng" algn="ctr">
-                      <a:solidFill>
-                        <a:srgbClr val="FF3399"/>
-                      </a:solidFill>
-                      <a:prstDash val="solid"/>
-                      <a:round/>
-                      <a:headEnd type="none" w="med" len="med"/>
-                      <a:tailEnd type="none" w="med" len="med"/>
-                    </a:lnL>
-                    <a:lnR w="12700" cap="flat" cmpd="sng" algn="ctr">
-                      <a:solidFill>
-                        <a:srgbClr val="FF3399"/>
-                      </a:solidFill>
-                      <a:prstDash val="solid"/>
-                      <a:round/>
-                      <a:headEnd type="none" w="med" len="med"/>
-                      <a:tailEnd type="none" w="med" len="med"/>
-                    </a:lnR>
-                    <a:lnT w="12700" cap="flat" cmpd="sng" algn="ctr">
-                      <a:solidFill>
-                        <a:srgbClr val="FF3399"/>
-                      </a:solidFill>
-                      <a:prstDash val="solid"/>
-                      <a:round/>
-                      <a:headEnd type="none" w="med" len="med"/>
-                      <a:tailEnd type="none" w="med" len="med"/>
-                    </a:lnT>
-                    <a:lnB w="12700" cap="flat" cmpd="sng" algn="ctr">
-                      <a:solidFill>
-                        <a:srgbClr val="FF3399"/>
-                      </a:solidFill>
-                      <a:prstDash val="solid"/>
-                      <a:round/>
-                      <a:headEnd type="none" w="med" len="med"/>
-                      <a:tailEnd type="none" w="med" len="med"/>
-                    </a:lnB>
-                    <a:solidFill>
-                      <a:srgbClr val="FFD9F8"/>
-                    </a:solidFill>
-                  </a:tcPr>
-                </a:tc>
-                <a:extLst>
-                  <a:ext uri="{0D108BD9-81ED-4DB2-BD59-A6C34878D82A}">
-                    <a16:rowId xmlns:a16="http://schemas.microsoft.com/office/drawing/2014/main" xmlns="" val="10005"/>
-                  </a:ext>
-                </a:extLst>
-              </a:tr>
-              <a:tr h="370840">
-                <a:tc>
-                  <a:txBody>
-                    <a:bodyPr/>
-                    <a:lstStyle/>
-                    <a:p>
-                      <a:r>
-                        <a:rPr lang="fr-FR" sz="1300" dirty="0">
-                          <a:latin typeface="Exo 2.0" panose="00000500000000000000"/>
-                        </a:rPr>
-                        <a:t>LC</a:t>
-                      </a:r>
-                    </a:p>
-                  </a:txBody>
-                  <a:tcPr>
-                    <a:lnL w="12700" cap="flat" cmpd="sng" algn="ctr">
-                      <a:solidFill>
-                        <a:srgbClr val="FF3399"/>
-                      </a:solidFill>
-                      <a:prstDash val="solid"/>
-                      <a:round/>
-                      <a:headEnd type="none" w="med" len="med"/>
-                      <a:tailEnd type="none" w="med" len="med"/>
-                    </a:lnL>
-                    <a:lnR w="12700" cap="flat" cmpd="sng" algn="ctr">
-                      <a:solidFill>
-                        <a:srgbClr val="FF3399"/>
-                      </a:solidFill>
-                      <a:prstDash val="solid"/>
-                      <a:round/>
-                      <a:headEnd type="none" w="med" len="med"/>
-                      <a:tailEnd type="none" w="med" len="med"/>
-                    </a:lnR>
-                    <a:lnT w="12700" cap="flat" cmpd="sng" algn="ctr">
-                      <a:solidFill>
-                        <a:srgbClr val="FF3399"/>
-                      </a:solidFill>
-                      <a:prstDash val="solid"/>
-                      <a:round/>
-                      <a:headEnd type="none" w="med" len="med"/>
-                      <a:tailEnd type="none" w="med" len="med"/>
-                    </a:lnT>
-                    <a:lnB w="12700" cap="flat" cmpd="sng" algn="ctr">
-                      <a:solidFill>
-                        <a:srgbClr val="FF3399"/>
-                      </a:solidFill>
-                      <a:prstDash val="solid"/>
-                      <a:round/>
-                      <a:headEnd type="none" w="med" len="med"/>
-                      <a:tailEnd type="none" w="med" len="med"/>
-                    </a:lnB>
-                    <a:solidFill>
-                      <a:srgbClr val="FFE7FA"/>
-                    </a:solidFill>
-                  </a:tcPr>
-                </a:tc>
-                <a:tc>
-                  <a:txBody>
-                    <a:bodyPr/>
-                    <a:lstStyle/>
-                    <a:p>
-                      <a:r>
-                        <a:rPr lang="fr-FR" sz="1300" dirty="0">
-                          <a:latin typeface="Exo 2.0" panose="00000500000000000000"/>
-                        </a:rPr>
-                        <a:t>Le stylo est levé</a:t>
-                      </a:r>
-                    </a:p>
-                  </a:txBody>
-                  <a:tcPr>
-                    <a:lnL w="12700" cap="flat" cmpd="sng" algn="ctr">
-                      <a:solidFill>
-                        <a:srgbClr val="FF3399"/>
-                      </a:solidFill>
-                      <a:prstDash val="solid"/>
-                      <a:round/>
-                      <a:headEnd type="none" w="med" len="med"/>
-                      <a:tailEnd type="none" w="med" len="med"/>
-                    </a:lnL>
-                    <a:lnR w="12700" cap="flat" cmpd="sng" algn="ctr">
-                      <a:solidFill>
-                        <a:srgbClr val="FF3399"/>
-                      </a:solidFill>
-                      <a:prstDash val="solid"/>
-                      <a:round/>
-                      <a:headEnd type="none" w="med" len="med"/>
-                      <a:tailEnd type="none" w="med" len="med"/>
-                    </a:lnR>
-                    <a:lnT w="12700" cap="flat" cmpd="sng" algn="ctr">
-                      <a:solidFill>
-                        <a:srgbClr val="FF3399"/>
-                      </a:solidFill>
-                      <a:prstDash val="solid"/>
-                      <a:round/>
-                      <a:headEnd type="none" w="med" len="med"/>
-                      <a:tailEnd type="none" w="med" len="med"/>
-                    </a:lnT>
-                    <a:lnB w="12700" cap="flat" cmpd="sng" algn="ctr">
-                      <a:solidFill>
-                        <a:srgbClr val="FF3399"/>
-                      </a:solidFill>
-                      <a:prstDash val="solid"/>
-                      <a:round/>
-                      <a:headEnd type="none" w="med" len="med"/>
-                      <a:tailEnd type="none" w="med" len="med"/>
-                    </a:lnB>
-                    <a:solidFill>
-                      <a:srgbClr val="FFE7FA"/>
-                    </a:solidFill>
-                  </a:tcPr>
-                </a:tc>
-                <a:extLst>
-                  <a:ext uri="{0D108BD9-81ED-4DB2-BD59-A6C34878D82A}">
-                    <a16:rowId xmlns:a16="http://schemas.microsoft.com/office/drawing/2014/main" xmlns="" val="10006"/>
-                  </a:ext>
-                </a:extLst>
-              </a:tr>
-              <a:tr h="370840">
-                <a:tc>
-                  <a:txBody>
-                    <a:bodyPr/>
-                    <a:lstStyle/>
-                    <a:p>
-                      <a:r>
-                        <a:rPr lang="fr-FR" sz="1300" dirty="0">
-                          <a:latin typeface="Exo 2.0" panose="00000500000000000000"/>
-                        </a:rPr>
-                        <a:t>BC</a:t>
-                      </a:r>
-                    </a:p>
-                  </a:txBody>
-                  <a:tcPr>
-                    <a:lnL w="12700" cap="flat" cmpd="sng" algn="ctr">
-                      <a:solidFill>
-                        <a:srgbClr val="FF3399"/>
-                      </a:solidFill>
-                      <a:prstDash val="solid"/>
-                      <a:round/>
-                      <a:headEnd type="none" w="med" len="med"/>
-                      <a:tailEnd type="none" w="med" len="med"/>
-                    </a:lnL>
-                    <a:lnR w="12700" cap="flat" cmpd="sng" algn="ctr">
-                      <a:solidFill>
-                        <a:srgbClr val="FF3399"/>
-                      </a:solidFill>
-                      <a:prstDash val="solid"/>
-                      <a:round/>
-                      <a:headEnd type="none" w="med" len="med"/>
-                      <a:tailEnd type="none" w="med" len="med"/>
-                    </a:lnR>
-                    <a:lnT w="12700" cap="flat" cmpd="sng" algn="ctr">
-                      <a:solidFill>
-                        <a:srgbClr val="FF3399"/>
-                      </a:solidFill>
-                      <a:prstDash val="solid"/>
-                      <a:round/>
-                      <a:headEnd type="none" w="med" len="med"/>
-                      <a:tailEnd type="none" w="med" len="med"/>
-                    </a:lnT>
-                    <a:lnB w="12700" cap="flat" cmpd="sng" algn="ctr">
-                      <a:solidFill>
-                        <a:srgbClr val="FF3399"/>
-                      </a:solidFill>
-                      <a:prstDash val="solid"/>
-                      <a:round/>
-                      <a:headEnd type="none" w="med" len="med"/>
-                      <a:tailEnd type="none" w="med" len="med"/>
-                    </a:lnB>
-                    <a:solidFill>
-                      <a:srgbClr val="FFD9F8"/>
-                    </a:solidFill>
-                  </a:tcPr>
-                </a:tc>
-                <a:tc>
-                  <a:txBody>
-                    <a:bodyPr/>
-                    <a:lstStyle/>
-                    <a:p>
-                      <a:r>
-                        <a:rPr lang="fr-FR" sz="1300" dirty="0">
-                          <a:latin typeface="Exo 2.0" panose="00000500000000000000"/>
-                        </a:rPr>
-                        <a:t>Le stylo est baissé</a:t>
-                      </a:r>
-                    </a:p>
-                  </a:txBody>
-                  <a:tcPr>
-                    <a:lnL w="12700" cap="flat" cmpd="sng" algn="ctr">
-                      <a:solidFill>
-                        <a:srgbClr val="FF3399"/>
-                      </a:solidFill>
-                      <a:prstDash val="solid"/>
-                      <a:round/>
-                      <a:headEnd type="none" w="med" len="med"/>
-                      <a:tailEnd type="none" w="med" len="med"/>
-                    </a:lnL>
-                    <a:lnR w="12700" cap="flat" cmpd="sng" algn="ctr">
-                      <a:solidFill>
-                        <a:srgbClr val="FF3399"/>
-                      </a:solidFill>
-                      <a:prstDash val="solid"/>
-                      <a:round/>
-                      <a:headEnd type="none" w="med" len="med"/>
-                      <a:tailEnd type="none" w="med" len="med"/>
-                    </a:lnR>
-                    <a:lnT w="12700" cap="flat" cmpd="sng" algn="ctr">
-                      <a:solidFill>
-                        <a:srgbClr val="FF3399"/>
-                      </a:solidFill>
-                      <a:prstDash val="solid"/>
-                      <a:round/>
-                      <a:headEnd type="none" w="med" len="med"/>
-                      <a:tailEnd type="none" w="med" len="med"/>
-                    </a:lnT>
-                    <a:lnB w="12700" cap="flat" cmpd="sng" algn="ctr">
-                      <a:solidFill>
-                        <a:srgbClr val="FF3399"/>
-                      </a:solidFill>
-                      <a:prstDash val="solid"/>
-                      <a:round/>
-                      <a:headEnd type="none" w="med" len="med"/>
-                      <a:tailEnd type="none" w="med" len="med"/>
-                    </a:lnB>
-                    <a:solidFill>
-                      <a:srgbClr val="FFD9F8"/>
-                    </a:solidFill>
-                  </a:tcPr>
-                </a:tc>
-                <a:extLst>
-                  <a:ext uri="{0D108BD9-81ED-4DB2-BD59-A6C34878D82A}">
-                    <a16:rowId xmlns:a16="http://schemas.microsoft.com/office/drawing/2014/main" xmlns="" val="10007"/>
-                  </a:ext>
-                </a:extLst>
-              </a:tr>
-              <a:tr h="370840">
-                <a:tc>
-                  <a:txBody>
-                    <a:bodyPr/>
-                    <a:lstStyle/>
-                    <a:p>
-                      <a:r>
-                        <a:rPr lang="fr-FR" sz="1300" dirty="0">
-                          <a:latin typeface="Exo 2.0" panose="00000500000000000000"/>
-                        </a:rPr>
-                        <a:t>VE</a:t>
-                      </a:r>
-                    </a:p>
-                  </a:txBody>
-                  <a:tcPr>
-                    <a:lnL w="12700" cap="flat" cmpd="sng" algn="ctr">
-                      <a:solidFill>
-                        <a:srgbClr val="FF3399"/>
-                      </a:solidFill>
-                      <a:prstDash val="solid"/>
-                      <a:round/>
-                      <a:headEnd type="none" w="med" len="med"/>
-                      <a:tailEnd type="none" w="med" len="med"/>
-                    </a:lnL>
-                    <a:lnR w="12700" cap="flat" cmpd="sng" algn="ctr">
-                      <a:solidFill>
-                        <a:srgbClr val="FF3399"/>
-                      </a:solidFill>
-                      <a:prstDash val="solid"/>
-                      <a:round/>
-                      <a:headEnd type="none" w="med" len="med"/>
-                      <a:tailEnd type="none" w="med" len="med"/>
-                    </a:lnR>
-                    <a:lnT w="12700" cap="flat" cmpd="sng" algn="ctr">
-                      <a:solidFill>
-                        <a:srgbClr val="FF3399"/>
-                      </a:solidFill>
-                      <a:prstDash val="solid"/>
-                      <a:round/>
-                      <a:headEnd type="none" w="med" len="med"/>
-                      <a:tailEnd type="none" w="med" len="med"/>
-                    </a:lnT>
-                    <a:lnB w="12700" cap="flat" cmpd="sng" algn="ctr">
-                      <a:solidFill>
-                        <a:srgbClr val="FF3399"/>
-                      </a:solidFill>
-                      <a:prstDash val="solid"/>
-                      <a:round/>
-                      <a:headEnd type="none" w="med" len="med"/>
-                      <a:tailEnd type="none" w="med" len="med"/>
-                    </a:lnB>
-                    <a:solidFill>
-                      <a:srgbClr val="FFE7FA"/>
-                    </a:solidFill>
-                  </a:tcPr>
-                </a:tc>
-                <a:tc>
-                  <a:txBody>
-                    <a:bodyPr/>
-                    <a:lstStyle/>
-                    <a:p>
-                      <a:r>
-                        <a:rPr lang="fr-FR" sz="1300" dirty="0">
-                          <a:latin typeface="Exo 2.0" panose="00000500000000000000"/>
-                        </a:rPr>
-                        <a:t>Efface l’écran et place la tortue au centre orientée vers le haut</a:t>
-                      </a:r>
-                    </a:p>
-                  </a:txBody>
-                  <a:tcPr>
-                    <a:lnL w="12700" cap="flat" cmpd="sng" algn="ctr">
-                      <a:solidFill>
-                        <a:srgbClr val="FF3399"/>
-                      </a:solidFill>
-                      <a:prstDash val="solid"/>
-                      <a:round/>
-                      <a:headEnd type="none" w="med" len="med"/>
-                      <a:tailEnd type="none" w="med" len="med"/>
-                    </a:lnL>
-                    <a:lnR w="12700" cap="flat" cmpd="sng" algn="ctr">
-                      <a:solidFill>
-                        <a:srgbClr val="FF3399"/>
-                      </a:solidFill>
-                      <a:prstDash val="solid"/>
-                      <a:round/>
-                      <a:headEnd type="none" w="med" len="med"/>
-                      <a:tailEnd type="none" w="med" len="med"/>
-                    </a:lnR>
-                    <a:lnT w="12700" cap="flat" cmpd="sng" algn="ctr">
-                      <a:solidFill>
-                        <a:srgbClr val="FF3399"/>
-                      </a:solidFill>
-                      <a:prstDash val="solid"/>
-                      <a:round/>
-                      <a:headEnd type="none" w="med" len="med"/>
-                      <a:tailEnd type="none" w="med" len="med"/>
-                    </a:lnT>
-                    <a:lnB w="12700" cap="flat" cmpd="sng" algn="ctr">
-                      <a:solidFill>
-                        <a:srgbClr val="FF3399"/>
-                      </a:solidFill>
-                      <a:prstDash val="solid"/>
-                      <a:round/>
-                      <a:headEnd type="none" w="med" len="med"/>
-                      <a:tailEnd type="none" w="med" len="med"/>
-                    </a:lnB>
-                    <a:solidFill>
-                      <a:srgbClr val="FFE7FA"/>
-                    </a:solidFill>
-                  </a:tcPr>
-                </a:tc>
-                <a:extLst>
-                  <a:ext uri="{0D108BD9-81ED-4DB2-BD59-A6C34878D82A}">
-                    <a16:rowId xmlns:a16="http://schemas.microsoft.com/office/drawing/2014/main" xmlns="" val="10008"/>
-                  </a:ext>
-                </a:extLst>
-              </a:tr>
-              <a:tr h="370840">
-                <a:tc>
-                  <a:txBody>
-                    <a:bodyPr/>
-                    <a:lstStyle/>
-                    <a:p>
-                      <a:r>
-                        <a:rPr lang="fr-FR" sz="1300" dirty="0">
-                          <a:latin typeface="Exo 2.0" panose="00000500000000000000"/>
-                        </a:rPr>
-                        <a:t>CT</a:t>
-                      </a:r>
-                    </a:p>
-                  </a:txBody>
-                  <a:tcPr>
-                    <a:lnL w="12700" cap="flat" cmpd="sng" algn="ctr">
-                      <a:solidFill>
-                        <a:srgbClr val="FF3399"/>
-                      </a:solidFill>
-                      <a:prstDash val="solid"/>
-                      <a:round/>
-                      <a:headEnd type="none" w="med" len="med"/>
-                      <a:tailEnd type="none" w="med" len="med"/>
-                    </a:lnL>
-                    <a:lnR w="12700" cap="flat" cmpd="sng" algn="ctr">
-                      <a:solidFill>
-                        <a:srgbClr val="FF3399"/>
-                      </a:solidFill>
-                      <a:prstDash val="solid"/>
-                      <a:round/>
-                      <a:headEnd type="none" w="med" len="med"/>
-                      <a:tailEnd type="none" w="med" len="med"/>
-                    </a:lnR>
-                    <a:lnT w="12700" cap="flat" cmpd="sng" algn="ctr">
-                      <a:solidFill>
-                        <a:srgbClr val="FF3399"/>
-                      </a:solidFill>
-                      <a:prstDash val="solid"/>
-                      <a:round/>
-                      <a:headEnd type="none" w="med" len="med"/>
-                      <a:tailEnd type="none" w="med" len="med"/>
-                    </a:lnT>
-                    <a:lnB w="12700" cap="flat" cmpd="sng" algn="ctr">
-                      <a:solidFill>
-                        <a:srgbClr val="FF3399"/>
-                      </a:solidFill>
-                      <a:prstDash val="solid"/>
-                      <a:round/>
-                      <a:headEnd type="none" w="med" len="med"/>
-                      <a:tailEnd type="none" w="med" len="med"/>
-                    </a:lnB>
-                    <a:solidFill>
-                      <a:srgbClr val="FFD9F8"/>
-                    </a:solidFill>
-                  </a:tcPr>
-                </a:tc>
-                <a:tc>
-                  <a:txBody>
-                    <a:bodyPr/>
-                    <a:lstStyle/>
-                    <a:p>
-                      <a:r>
-                        <a:rPr lang="fr-FR" sz="1300" dirty="0">
-                          <a:latin typeface="Exo 2.0" panose="00000500000000000000"/>
-                        </a:rPr>
-                        <a:t>Cache la tortue</a:t>
-                      </a:r>
-                    </a:p>
-                  </a:txBody>
-                  <a:tcPr>
-                    <a:lnL w="12700" cap="flat" cmpd="sng" algn="ctr">
-                      <a:solidFill>
-                        <a:srgbClr val="FF3399"/>
-                      </a:solidFill>
-                      <a:prstDash val="solid"/>
-                      <a:round/>
-                      <a:headEnd type="none" w="med" len="med"/>
-                      <a:tailEnd type="none" w="med" len="med"/>
-                    </a:lnL>
-                    <a:lnR w="12700" cap="flat" cmpd="sng" algn="ctr">
-                      <a:solidFill>
-                        <a:srgbClr val="FF3399"/>
-                      </a:solidFill>
-                      <a:prstDash val="solid"/>
-                      <a:round/>
-                      <a:headEnd type="none" w="med" len="med"/>
-                      <a:tailEnd type="none" w="med" len="med"/>
-                    </a:lnR>
-                    <a:lnT w="12700" cap="flat" cmpd="sng" algn="ctr">
-                      <a:solidFill>
-                        <a:srgbClr val="FF3399"/>
-                      </a:solidFill>
-                      <a:prstDash val="solid"/>
-                      <a:round/>
-                      <a:headEnd type="none" w="med" len="med"/>
-                      <a:tailEnd type="none" w="med" len="med"/>
-                    </a:lnT>
-                    <a:lnB w="12700" cap="flat" cmpd="sng" algn="ctr">
-                      <a:solidFill>
-                        <a:srgbClr val="FF3399"/>
-                      </a:solidFill>
-                      <a:prstDash val="solid"/>
-                      <a:round/>
-                      <a:headEnd type="none" w="med" len="med"/>
-                      <a:tailEnd type="none" w="med" len="med"/>
-                    </a:lnB>
-                    <a:solidFill>
-                      <a:srgbClr val="FFD9F8"/>
-                    </a:solidFill>
-                  </a:tcPr>
-                </a:tc>
-                <a:extLst>
-                  <a:ext uri="{0D108BD9-81ED-4DB2-BD59-A6C34878D82A}">
-                    <a16:rowId xmlns:a16="http://schemas.microsoft.com/office/drawing/2014/main" xmlns="" val="10009"/>
-                  </a:ext>
-                </a:extLst>
-              </a:tr>
-              <a:tr h="370840">
-                <a:tc>
-                  <a:txBody>
-                    <a:bodyPr/>
-                    <a:lstStyle/>
-                    <a:p>
-                      <a:r>
-                        <a:rPr lang="fr-FR" sz="1300" dirty="0">
-                          <a:latin typeface="Exo 2.0" panose="00000500000000000000"/>
-                        </a:rPr>
-                        <a:t>MT</a:t>
-                      </a:r>
-                    </a:p>
-                  </a:txBody>
-                  <a:tcPr>
-                    <a:lnL w="12700" cap="flat" cmpd="sng" algn="ctr">
-                      <a:solidFill>
-                        <a:srgbClr val="FF3399"/>
-                      </a:solidFill>
-                      <a:prstDash val="solid"/>
-                      <a:round/>
-                      <a:headEnd type="none" w="med" len="med"/>
-                      <a:tailEnd type="none" w="med" len="med"/>
-                    </a:lnL>
-                    <a:lnR w="12700" cap="flat" cmpd="sng" algn="ctr">
-                      <a:solidFill>
-                        <a:srgbClr val="FF3399"/>
-                      </a:solidFill>
-                      <a:prstDash val="solid"/>
-                      <a:round/>
-                      <a:headEnd type="none" w="med" len="med"/>
-                      <a:tailEnd type="none" w="med" len="med"/>
-                    </a:lnR>
-                    <a:lnT w="12700" cap="flat" cmpd="sng" algn="ctr">
-                      <a:solidFill>
-                        <a:srgbClr val="FF3399"/>
-                      </a:solidFill>
-                      <a:prstDash val="solid"/>
-                      <a:round/>
-                      <a:headEnd type="none" w="med" len="med"/>
-                      <a:tailEnd type="none" w="med" len="med"/>
-                    </a:lnT>
-                    <a:lnB w="12700" cap="flat" cmpd="sng" algn="ctr">
-                      <a:solidFill>
-                        <a:srgbClr val="FF3399"/>
-                      </a:solidFill>
-                      <a:prstDash val="solid"/>
-                      <a:round/>
-                      <a:headEnd type="none" w="med" len="med"/>
-                      <a:tailEnd type="none" w="med" len="med"/>
-                    </a:lnB>
-                    <a:solidFill>
-                      <a:srgbClr val="FFE7FA"/>
-                    </a:solidFill>
-                  </a:tcPr>
-                </a:tc>
-                <a:tc>
-                  <a:txBody>
-                    <a:bodyPr/>
-                    <a:lstStyle/>
-                    <a:p>
-                      <a:r>
-                        <a:rPr lang="fr-FR" sz="1300" dirty="0">
-                          <a:latin typeface="Exo 2.0" panose="00000500000000000000"/>
-                        </a:rPr>
-                        <a:t>Montre la tortue</a:t>
-                      </a:r>
-                    </a:p>
-                  </a:txBody>
-                  <a:tcPr>
-                    <a:lnL w="12700" cap="flat" cmpd="sng" algn="ctr">
-                      <a:solidFill>
-                        <a:srgbClr val="FF3399"/>
-                      </a:solidFill>
-                      <a:prstDash val="solid"/>
-                      <a:round/>
-                      <a:headEnd type="none" w="med" len="med"/>
-                      <a:tailEnd type="none" w="med" len="med"/>
-                    </a:lnL>
-                    <a:lnR w="12700" cap="flat" cmpd="sng" algn="ctr">
-                      <a:solidFill>
-                        <a:srgbClr val="FF3399"/>
-                      </a:solidFill>
-                      <a:prstDash val="solid"/>
-                      <a:round/>
-                      <a:headEnd type="none" w="med" len="med"/>
-                      <a:tailEnd type="none" w="med" len="med"/>
-                    </a:lnR>
-                    <a:lnT w="12700" cap="flat" cmpd="sng" algn="ctr">
-                      <a:solidFill>
-                        <a:srgbClr val="FF3399"/>
-                      </a:solidFill>
-                      <a:prstDash val="solid"/>
-                      <a:round/>
-                      <a:headEnd type="none" w="med" len="med"/>
-                      <a:tailEnd type="none" w="med" len="med"/>
-                    </a:lnT>
-                    <a:lnB w="12700" cap="flat" cmpd="sng" algn="ctr">
-                      <a:solidFill>
-                        <a:srgbClr val="FF3399"/>
-                      </a:solidFill>
-                      <a:prstDash val="solid"/>
-                      <a:round/>
-                      <a:headEnd type="none" w="med" len="med"/>
-                      <a:tailEnd type="none" w="med" len="med"/>
-                    </a:lnB>
-                    <a:solidFill>
-                      <a:srgbClr val="FFE7FA"/>
-                    </a:solidFill>
-                  </a:tcPr>
-                </a:tc>
-                <a:extLst>
-                  <a:ext uri="{0D108BD9-81ED-4DB2-BD59-A6C34878D82A}">
-                    <a16:rowId xmlns:a16="http://schemas.microsoft.com/office/drawing/2014/main" xmlns="" val="10010"/>
-                  </a:ext>
-                </a:extLst>
-              </a:tr>
-              <a:tr h="370840">
-                <a:tc>
-                  <a:txBody>
-                    <a:bodyPr/>
-                    <a:lstStyle/>
-                    <a:p>
-                      <a:r>
-                        <a:rPr lang="fr-FR" sz="1300" dirty="0">
-                          <a:latin typeface="Exo 2.0" panose="00000500000000000000"/>
-                        </a:rPr>
-                        <a:t>REPETE </a:t>
-                      </a:r>
-                      <a:r>
-                        <a:rPr lang="fr-FR" sz="1300" i="1" dirty="0" err="1">
-                          <a:latin typeface="Exo 2.0" panose="00000500000000000000"/>
-                        </a:rPr>
-                        <a:t>nbr_de_fois</a:t>
-                      </a:r>
-                      <a:r>
-                        <a:rPr lang="fr-FR" sz="1300" i="0" dirty="0">
-                          <a:latin typeface="Exo 2.0" panose="00000500000000000000"/>
-                        </a:rPr>
-                        <a:t> [</a:t>
-                      </a:r>
-                      <a:r>
-                        <a:rPr lang="fr-FR" sz="1300" i="1" dirty="0">
-                          <a:latin typeface="Exo 2.0" panose="00000500000000000000"/>
-                        </a:rPr>
-                        <a:t>commande</a:t>
-                      </a:r>
-                      <a:r>
-                        <a:rPr lang="fr-FR" sz="1300" i="0" dirty="0">
-                          <a:latin typeface="Exo 2.0" panose="00000500000000000000"/>
-                        </a:rPr>
-                        <a:t>]</a:t>
-                      </a:r>
-                      <a:endParaRPr lang="fr-FR" sz="1300" dirty="0">
-                        <a:latin typeface="Exo 2.0" panose="00000500000000000000"/>
-                      </a:endParaRPr>
-                    </a:p>
-                  </a:txBody>
-                  <a:tcPr>
-                    <a:lnL w="12700" cap="flat" cmpd="sng" algn="ctr">
-                      <a:solidFill>
-                        <a:srgbClr val="FF3399"/>
-                      </a:solidFill>
-                      <a:prstDash val="solid"/>
-                      <a:round/>
-                      <a:headEnd type="none" w="med" len="med"/>
-                      <a:tailEnd type="none" w="med" len="med"/>
-                    </a:lnL>
-                    <a:lnR w="12700" cap="flat" cmpd="sng" algn="ctr">
-                      <a:solidFill>
-                        <a:srgbClr val="FF3399"/>
-                      </a:solidFill>
-                      <a:prstDash val="solid"/>
-                      <a:round/>
-                      <a:headEnd type="none" w="med" len="med"/>
-                      <a:tailEnd type="none" w="med" len="med"/>
-                    </a:lnR>
-                    <a:lnT w="12700" cap="flat" cmpd="sng" algn="ctr">
-                      <a:solidFill>
-                        <a:srgbClr val="FF3399"/>
-                      </a:solidFill>
-                      <a:prstDash val="solid"/>
-                      <a:round/>
-                      <a:headEnd type="none" w="med" len="med"/>
-                      <a:tailEnd type="none" w="med" len="med"/>
-                    </a:lnT>
-                    <a:lnB w="12700" cap="flat" cmpd="sng" algn="ctr">
-                      <a:solidFill>
-                        <a:srgbClr val="FF3399"/>
-                      </a:solidFill>
-                      <a:prstDash val="solid"/>
-                      <a:round/>
-                      <a:headEnd type="none" w="med" len="med"/>
-                      <a:tailEnd type="none" w="med" len="med"/>
-                    </a:lnB>
-                    <a:solidFill>
-                      <a:srgbClr val="FFD9F8"/>
-                    </a:solidFill>
-                  </a:tcPr>
-                </a:tc>
-                <a:tc>
-                  <a:txBody>
-                    <a:bodyPr/>
-                    <a:lstStyle/>
-                    <a:p>
-                      <a:r>
-                        <a:rPr lang="fr-FR" sz="1300" dirty="0" err="1">
-                          <a:latin typeface="Exo 2.0" panose="00000500000000000000"/>
-                        </a:rPr>
-                        <a:t>Execute</a:t>
-                      </a:r>
-                      <a:r>
-                        <a:rPr lang="fr-FR" sz="1300" dirty="0">
-                          <a:latin typeface="Exo 2.0" panose="00000500000000000000"/>
-                        </a:rPr>
-                        <a:t> la </a:t>
-                      </a:r>
-                      <a:r>
-                        <a:rPr lang="fr-FR" sz="1300" i="1" dirty="0">
-                          <a:latin typeface="Exo 2.0" panose="00000500000000000000"/>
-                        </a:rPr>
-                        <a:t>commande</a:t>
-                      </a:r>
-                      <a:r>
-                        <a:rPr lang="fr-FR" sz="1300" i="0" dirty="0">
-                          <a:latin typeface="Exo 2.0" panose="00000500000000000000"/>
-                        </a:rPr>
-                        <a:t> un </a:t>
-                      </a:r>
-                      <a:r>
-                        <a:rPr lang="fr-FR" sz="1300" i="1" dirty="0" err="1">
-                          <a:latin typeface="Exo 2.0" panose="00000500000000000000"/>
-                        </a:rPr>
-                        <a:t>nbr_de_fois</a:t>
-                      </a:r>
-                      <a:endParaRPr lang="fr-FR" sz="1300" dirty="0">
-                        <a:latin typeface="Exo 2.0" panose="00000500000000000000"/>
-                      </a:endParaRPr>
-                    </a:p>
-                  </a:txBody>
-                  <a:tcPr>
-                    <a:lnL w="12700" cap="flat" cmpd="sng" algn="ctr">
-                      <a:solidFill>
-                        <a:srgbClr val="FF3399"/>
-                      </a:solidFill>
-                      <a:prstDash val="solid"/>
-                      <a:round/>
-                      <a:headEnd type="none" w="med" len="med"/>
-                      <a:tailEnd type="none" w="med" len="med"/>
-                    </a:lnL>
-                    <a:lnR w="12700" cap="flat" cmpd="sng" algn="ctr">
-                      <a:solidFill>
-                        <a:srgbClr val="FF3399"/>
-                      </a:solidFill>
-                      <a:prstDash val="solid"/>
-                      <a:round/>
-                      <a:headEnd type="none" w="med" len="med"/>
-                      <a:tailEnd type="none" w="med" len="med"/>
-                    </a:lnR>
-                    <a:lnT w="12700" cap="flat" cmpd="sng" algn="ctr">
-                      <a:solidFill>
-                        <a:srgbClr val="FF3399"/>
-                      </a:solidFill>
-                      <a:prstDash val="solid"/>
-                      <a:round/>
-                      <a:headEnd type="none" w="med" len="med"/>
-                      <a:tailEnd type="none" w="med" len="med"/>
-                    </a:lnT>
-                    <a:lnB w="12700" cap="flat" cmpd="sng" algn="ctr">
-                      <a:solidFill>
-                        <a:srgbClr val="FF3399"/>
-                      </a:solidFill>
-                      <a:prstDash val="solid"/>
-                      <a:round/>
-                      <a:headEnd type="none" w="med" len="med"/>
-                      <a:tailEnd type="none" w="med" len="med"/>
-                    </a:lnB>
-                    <a:solidFill>
-                      <a:srgbClr val="FFD9F8"/>
-                    </a:solidFill>
-                  </a:tcPr>
-                </a:tc>
-                <a:extLst>
-                  <a:ext uri="{0D108BD9-81ED-4DB2-BD59-A6C34878D82A}">
-                    <a16:rowId xmlns:a16="http://schemas.microsoft.com/office/drawing/2014/main" xmlns="" val="10011"/>
-                  </a:ext>
-                </a:extLst>
-              </a:tr>
-              <a:tr h="370840">
-                <a:tc>
-                  <a:txBody>
-                    <a:bodyPr/>
-                    <a:lstStyle/>
-                    <a:p>
-                      <a:r>
-                        <a:rPr lang="fr-FR" sz="1300" dirty="0">
-                          <a:latin typeface="Exo 2.0" panose="00000500000000000000"/>
-                        </a:rPr>
-                        <a:t>VI</a:t>
-                      </a:r>
-                    </a:p>
-                  </a:txBody>
-                  <a:tcPr>
-                    <a:lnL w="12700" cap="flat" cmpd="sng" algn="ctr">
-                      <a:solidFill>
-                        <a:srgbClr val="FF3399"/>
-                      </a:solidFill>
-                      <a:prstDash val="solid"/>
-                      <a:round/>
-                      <a:headEnd type="none" w="med" len="med"/>
-                      <a:tailEnd type="none" w="med" len="med"/>
-                    </a:lnL>
-                    <a:lnR w="12700" cap="flat" cmpd="sng" algn="ctr">
-                      <a:solidFill>
-                        <a:srgbClr val="FF3399"/>
-                      </a:solidFill>
-                      <a:prstDash val="solid"/>
-                      <a:round/>
-                      <a:headEnd type="none" w="med" len="med"/>
-                      <a:tailEnd type="none" w="med" len="med"/>
-                    </a:lnR>
-                    <a:lnT w="12700" cap="flat" cmpd="sng" algn="ctr">
-                      <a:solidFill>
-                        <a:srgbClr val="FF3399"/>
-                      </a:solidFill>
-                      <a:prstDash val="solid"/>
-                      <a:round/>
-                      <a:headEnd type="none" w="med" len="med"/>
-                      <a:tailEnd type="none" w="med" len="med"/>
-                    </a:lnT>
-                    <a:lnB w="12700" cap="flat" cmpd="sng" algn="ctr">
-                      <a:solidFill>
-                        <a:srgbClr val="FF3399"/>
-                      </a:solidFill>
-                      <a:prstDash val="solid"/>
-                      <a:round/>
-                      <a:headEnd type="none" w="med" len="med"/>
-                      <a:tailEnd type="none" w="med" len="med"/>
-                    </a:lnB>
-                    <a:solidFill>
-                      <a:srgbClr val="FFE7FA"/>
-                    </a:solidFill>
-                  </a:tcPr>
-                </a:tc>
-                <a:tc>
-                  <a:txBody>
-                    <a:bodyPr/>
-                    <a:lstStyle/>
-                    <a:p>
-                      <a:r>
-                        <a:rPr lang="fr-FR" sz="1300" dirty="0">
-                          <a:latin typeface="Exo 2.0" panose="00000500000000000000"/>
-                        </a:rPr>
-                        <a:t>Gère la vitesse</a:t>
-                      </a:r>
-                    </a:p>
-                  </a:txBody>
-                  <a:tcPr>
-                    <a:lnL w="12700" cap="flat" cmpd="sng" algn="ctr">
-                      <a:solidFill>
-                        <a:srgbClr val="FF3399"/>
-                      </a:solidFill>
-                      <a:prstDash val="solid"/>
-                      <a:round/>
-                      <a:headEnd type="none" w="med" len="med"/>
-                      <a:tailEnd type="none" w="med" len="med"/>
-                    </a:lnL>
-                    <a:lnR w="12700" cap="flat" cmpd="sng" algn="ctr">
-                      <a:solidFill>
-                        <a:srgbClr val="FF3399"/>
-                      </a:solidFill>
-                      <a:prstDash val="solid"/>
-                      <a:round/>
-                      <a:headEnd type="none" w="med" len="med"/>
-                      <a:tailEnd type="none" w="med" len="med"/>
-                    </a:lnR>
-                    <a:lnT w="12700" cap="flat" cmpd="sng" algn="ctr">
-                      <a:solidFill>
-                        <a:srgbClr val="FF3399"/>
-                      </a:solidFill>
-                      <a:prstDash val="solid"/>
-                      <a:round/>
-                      <a:headEnd type="none" w="med" len="med"/>
-                      <a:tailEnd type="none" w="med" len="med"/>
-                    </a:lnT>
-                    <a:lnB w="12700" cap="flat" cmpd="sng" algn="ctr">
-                      <a:solidFill>
-                        <a:srgbClr val="FF3399"/>
-                      </a:solidFill>
-                      <a:prstDash val="solid"/>
-                      <a:round/>
-                      <a:headEnd type="none" w="med" len="med"/>
-                      <a:tailEnd type="none" w="med" len="med"/>
-                    </a:lnB>
-                    <a:solidFill>
-                      <a:srgbClr val="FFE7FA"/>
-                    </a:solidFill>
-                  </a:tcPr>
-                </a:tc>
-                <a:extLst>
-                  <a:ext uri="{0D108BD9-81ED-4DB2-BD59-A6C34878D82A}">
-                    <a16:rowId xmlns:a16="http://schemas.microsoft.com/office/drawing/2014/main" xmlns="" val="10012"/>
-                  </a:ext>
-                </a:extLst>
-              </a:tr>
-            </a:tbl>
-          </a:graphicData>
-        </a:graphic>
-      </p:graphicFrame>
+      <p:pic>
+        <p:nvPicPr>
+          <p:cNvPr id="3" name="Image 2"/>
+          <p:cNvPicPr>
+            <a:picLocks noChangeAspect="1"/>
+          </p:cNvPicPr>
+          <p:nvPr/>
+        </p:nvPicPr>
+        <p:blipFill>
+          <a:blip r:embed="rId4"/>
+          <a:stretch>
+            <a:fillRect/>
+          </a:stretch>
+        </p:blipFill>
+        <p:spPr>
+          <a:xfrm>
+            <a:off x="5489757" y="1805768"/>
+            <a:ext cx="6428558" cy="4116533"/>
+          </a:xfrm>
+          <a:prstGeom prst="rect">
+            <a:avLst/>
+          </a:prstGeom>
+        </p:spPr>
+      </p:pic>
+      <p:sp>
+        <p:nvSpPr>
+          <p:cNvPr id="6" name="ZoneTexte 5"/>
+          <p:cNvSpPr txBox="1"/>
+          <p:nvPr/>
+        </p:nvSpPr>
+        <p:spPr>
+          <a:xfrm>
+            <a:off x="348118" y="2909926"/>
+            <a:ext cx="4704080" cy="1908215"/>
+          </a:xfrm>
+          <a:prstGeom prst="rect">
+            <a:avLst/>
+          </a:prstGeom>
+          <a:noFill/>
+        </p:spPr>
+        <p:txBody>
+          <a:bodyPr wrap="square" rtlCol="0">
+            <a:spAutoFit/>
+          </a:bodyPr>
+          <a:lstStyle/>
+          <a:p>
+            <a:pPr marL="285750" indent="-285750">
+              <a:buFontTx/>
+              <a:buChar char="-"/>
+            </a:pPr>
+            <a:r>
+              <a:rPr lang="fr-FR" sz="2000" dirty="0" smtClean="0">
+                <a:latin typeface="Exo 2" panose="00000500000000000000" pitchFamily="50" charset="0"/>
+              </a:rPr>
+              <a:t>Plusieurs commandes sont disponibles</a:t>
+            </a:r>
+          </a:p>
+          <a:p>
+            <a:pPr marL="285750" indent="-285750">
+              <a:buFontTx/>
+              <a:buChar char="-"/>
+            </a:pPr>
+            <a:endParaRPr lang="fr-FR" dirty="0">
+              <a:latin typeface="Exo 2" panose="00000500000000000000" pitchFamily="50" charset="0"/>
+            </a:endParaRPr>
+          </a:p>
+          <a:p>
+            <a:pPr marL="285750" indent="-285750">
+              <a:buFontTx/>
+              <a:buChar char="-"/>
+            </a:pPr>
+            <a:r>
+              <a:rPr lang="fr-FR" sz="2000" dirty="0" smtClean="0">
+                <a:latin typeface="Exo 2" panose="00000500000000000000" pitchFamily="50" charset="0"/>
+              </a:rPr>
+              <a:t>Ajout de la commande VI</a:t>
+            </a:r>
+          </a:p>
+          <a:p>
+            <a:pPr marL="285750" indent="-285750">
+              <a:buFontTx/>
+              <a:buChar char="-"/>
+            </a:pPr>
+            <a:endParaRPr lang="fr-FR" sz="2000" dirty="0">
+              <a:latin typeface="Exo 2" panose="00000500000000000000" pitchFamily="50" charset="0"/>
+            </a:endParaRPr>
+          </a:p>
+          <a:p>
+            <a:pPr marL="285750" indent="-285750">
+              <a:buFontTx/>
+              <a:buChar char="-"/>
+            </a:pPr>
+            <a:r>
+              <a:rPr lang="fr-FR" sz="2000" dirty="0" smtClean="0">
+                <a:latin typeface="Exo 2" panose="00000500000000000000" pitchFamily="50" charset="0"/>
+              </a:rPr>
+              <a:t>Imbrication de REPETE possible</a:t>
+            </a:r>
+            <a:endParaRPr lang="fr-FR" sz="2000" dirty="0">
+              <a:latin typeface="Exo 2" panose="00000500000000000000" pitchFamily="50" charset="0"/>
+            </a:endParaRPr>
+          </a:p>
+        </p:txBody>
+      </p:sp>
     </p:spTree>
     <p:extLst>
       <p:ext uri="{BB962C8B-B14F-4D97-AF65-F5344CB8AC3E}">
@@ -8588,6 +6926,13 @@
   <p:clrMapOvr>
     <a:masterClrMapping/>
   </p:clrMapOvr>
+  <p:timing>
+    <p:tnLst>
+      <p:par>
+        <p:cTn id="1" dur="indefinite" restart="never" nodeType="tmRoot"/>
+      </p:par>
+    </p:tnLst>
+  </p:timing>
 </p:sld>
 </file>
 
@@ -9001,6 +7346,13 @@
   <p:clrMapOvr>
     <a:masterClrMapping/>
   </p:clrMapOvr>
+  <p:timing>
+    <p:tnLst>
+      <p:par>
+        <p:cTn id="1" dur="indefinite" restart="never" nodeType="tmRoot"/>
+      </p:par>
+    </p:tnLst>
+  </p:timing>
 </p:sld>
 </file>
 
@@ -9942,21 +8294,21 @@
                 <a:gridCol w="369328">
                   <a:extLst>
                     <a:ext uri="{9D8B030D-6E8A-4147-A177-3AD203B41FA5}">
-                      <a16:colId xmlns="" xmlns:a16="http://schemas.microsoft.com/office/drawing/2014/main" val="1734895218"/>
+                      <a16:colId xmlns:a16="http://schemas.microsoft.com/office/drawing/2014/main" xmlns="" val="1734895218"/>
                     </a:ext>
                   </a:extLst>
                 </a:gridCol>
                 <a:gridCol w="5835236">
                   <a:extLst>
                     <a:ext uri="{9D8B030D-6E8A-4147-A177-3AD203B41FA5}">
-                      <a16:colId xmlns="" xmlns:a16="http://schemas.microsoft.com/office/drawing/2014/main" val="908248774"/>
+                      <a16:colId xmlns:a16="http://schemas.microsoft.com/office/drawing/2014/main" xmlns="" val="908248774"/>
                     </a:ext>
                   </a:extLst>
                 </a:gridCol>
                 <a:gridCol w="1923436">
                   <a:extLst>
                     <a:ext uri="{9D8B030D-6E8A-4147-A177-3AD203B41FA5}">
-                      <a16:colId xmlns="" xmlns:a16="http://schemas.microsoft.com/office/drawing/2014/main" val="2529677039"/>
+                      <a16:colId xmlns:a16="http://schemas.microsoft.com/office/drawing/2014/main" xmlns="" val="2529677039"/>
                     </a:ext>
                   </a:extLst>
                 </a:gridCol>
@@ -10047,7 +8399,7 @@
                 </a:tc>
                 <a:extLst>
                   <a:ext uri="{0D108BD9-81ED-4DB2-BD59-A6C34878D82A}">
-                    <a16:rowId xmlns="" xmlns:a16="http://schemas.microsoft.com/office/drawing/2014/main" val="744536208"/>
+                    <a16:rowId xmlns:a16="http://schemas.microsoft.com/office/drawing/2014/main" xmlns="" val="744536208"/>
                   </a:ext>
                 </a:extLst>
               </a:tr>
@@ -10140,7 +8492,7 @@
                 </a:tc>
                 <a:extLst>
                   <a:ext uri="{0D108BD9-81ED-4DB2-BD59-A6C34878D82A}">
-                    <a16:rowId xmlns="" xmlns:a16="http://schemas.microsoft.com/office/drawing/2014/main" val="2523755799"/>
+                    <a16:rowId xmlns:a16="http://schemas.microsoft.com/office/drawing/2014/main" xmlns="" val="2523755799"/>
                   </a:ext>
                 </a:extLst>
               </a:tr>
@@ -10243,7 +8595,7 @@
                 </a:tc>
                 <a:extLst>
                   <a:ext uri="{0D108BD9-81ED-4DB2-BD59-A6C34878D82A}">
-                    <a16:rowId xmlns="" xmlns:a16="http://schemas.microsoft.com/office/drawing/2014/main" val="1214565585"/>
+                    <a16:rowId xmlns:a16="http://schemas.microsoft.com/office/drawing/2014/main" xmlns="" val="1214565585"/>
                   </a:ext>
                 </a:extLst>
               </a:tr>
@@ -10373,19 +8725,7 @@
                           </a:solidFill>
                           <a:latin typeface="+mn-lt"/>
                         </a:rPr>
-                        <a:t>200</a:t>
-                      </a:r>
-                      <a:r>
-                        <a:rPr lang="fr-FR" b="0" dirty="0" smtClean="0">
-                          <a:solidFill>
-                            <a:schemeClr val="tx1">
-                              <a:lumMod val="65000"/>
-                              <a:lumOff val="35000"/>
-                            </a:schemeClr>
-                          </a:solidFill>
-                          <a:latin typeface="+mn-lt"/>
-                        </a:rPr>
-                        <a:t>€</a:t>
+                        <a:t>200€</a:t>
                       </a:r>
                       <a:endParaRPr lang="fr-FR" b="0" dirty="0">
                         <a:solidFill>
@@ -10415,7 +8755,7 @@
                 </a:tc>
                 <a:extLst>
                   <a:ext uri="{0D108BD9-81ED-4DB2-BD59-A6C34878D82A}">
-                    <a16:rowId xmlns="" xmlns:a16="http://schemas.microsoft.com/office/drawing/2014/main" val="1826921360"/>
+                    <a16:rowId xmlns:a16="http://schemas.microsoft.com/office/drawing/2014/main" xmlns="" val="1826921360"/>
                   </a:ext>
                 </a:extLst>
               </a:tr>
@@ -10547,19 +8887,7 @@
                           </a:solidFill>
                           <a:latin typeface="+mn-lt"/>
                         </a:rPr>
-                        <a:t>7000</a:t>
-                      </a:r>
-                      <a:r>
-                        <a:rPr lang="fr-FR" b="0" dirty="0" smtClean="0">
-                          <a:solidFill>
-                            <a:schemeClr val="tx1">
-                              <a:lumMod val="65000"/>
-                              <a:lumOff val="35000"/>
-                            </a:schemeClr>
-                          </a:solidFill>
-                          <a:latin typeface="+mn-lt"/>
-                        </a:rPr>
-                        <a:t>€</a:t>
+                        <a:t>7000€</a:t>
                       </a:r>
                       <a:endParaRPr lang="fr-FR" b="0" dirty="0">
                         <a:solidFill>
@@ -10589,7 +8917,7 @@
                 </a:tc>
                 <a:extLst>
                   <a:ext uri="{0D108BD9-81ED-4DB2-BD59-A6C34878D82A}">
-                    <a16:rowId xmlns="" xmlns:a16="http://schemas.microsoft.com/office/drawing/2014/main" val="2932840409"/>
+                    <a16:rowId xmlns:a16="http://schemas.microsoft.com/office/drawing/2014/main" xmlns="" val="2932840409"/>
                   </a:ext>
                 </a:extLst>
               </a:tr>
@@ -10749,7 +9077,7 @@
                 </a:tc>
                 <a:extLst>
                   <a:ext uri="{0D108BD9-81ED-4DB2-BD59-A6C34878D82A}">
-                    <a16:rowId xmlns="" xmlns:a16="http://schemas.microsoft.com/office/drawing/2014/main" val="3736278046"/>
+                    <a16:rowId xmlns:a16="http://schemas.microsoft.com/office/drawing/2014/main" xmlns="" val="3736278046"/>
                   </a:ext>
                 </a:extLst>
               </a:tr>
@@ -10899,7 +9227,7 @@
                 </a:tc>
                 <a:extLst>
                   <a:ext uri="{0D108BD9-81ED-4DB2-BD59-A6C34878D82A}">
-                    <a16:rowId xmlns="" xmlns:a16="http://schemas.microsoft.com/office/drawing/2014/main" val="2493942223"/>
+                    <a16:rowId xmlns:a16="http://schemas.microsoft.com/office/drawing/2014/main" xmlns="" val="2493942223"/>
                   </a:ext>
                 </a:extLst>
               </a:tr>
@@ -11078,7 +9406,7 @@
                 </a:tc>
                 <a:extLst>
                   <a:ext uri="{0D108BD9-81ED-4DB2-BD59-A6C34878D82A}">
-                    <a16:rowId xmlns="" xmlns:a16="http://schemas.microsoft.com/office/drawing/2014/main" val="3752774149"/>
+                    <a16:rowId xmlns:a16="http://schemas.microsoft.com/office/drawing/2014/main" xmlns="" val="3752774149"/>
                   </a:ext>
                 </a:extLst>
               </a:tr>
@@ -11212,19 +9540,7 @@
                           </a:solidFill>
                           <a:latin typeface="+mn-lt"/>
                         </a:rPr>
-                        <a:t>2500</a:t>
-                      </a:r>
-                      <a:r>
-                        <a:rPr lang="fr-FR" b="0" dirty="0" smtClean="0">
-                          <a:solidFill>
-                            <a:schemeClr val="tx1">
-                              <a:lumMod val="65000"/>
-                              <a:lumOff val="35000"/>
-                            </a:schemeClr>
-                          </a:solidFill>
-                          <a:latin typeface="+mn-lt"/>
-                        </a:rPr>
-                        <a:t>€</a:t>
+                        <a:t>2500€</a:t>
                       </a:r>
                       <a:endParaRPr lang="fr-FR" b="0" dirty="0">
                         <a:solidFill>
@@ -11257,7 +9573,7 @@
                 </a:tc>
                 <a:extLst>
                   <a:ext uri="{0D108BD9-81ED-4DB2-BD59-A6C34878D82A}">
-                    <a16:rowId xmlns="" xmlns:a16="http://schemas.microsoft.com/office/drawing/2014/main" val="3767000208"/>
+                    <a16:rowId xmlns:a16="http://schemas.microsoft.com/office/drawing/2014/main" xmlns="" val="3767000208"/>
                   </a:ext>
                 </a:extLst>
               </a:tr>

--- a/Suplogo.pptx
+++ b/Suplogo.pptx
@@ -6168,7 +6168,7 @@
         <p:spPr>
           <a:xfrm>
             <a:off x="311285" y="1081513"/>
-            <a:ext cx="11712101" cy="2954655"/>
+            <a:ext cx="11712101" cy="1938992"/>
           </a:xfrm>
           <a:prstGeom prst="rect">
             <a:avLst/>
@@ -6182,7 +6182,7 @@
           <a:lstStyle/>
           <a:p>
             <a:r>
-              <a:rPr lang="fr-FR" sz="2400" dirty="0" err="1">
+              <a:rPr lang="fr-FR" sz="2400" dirty="0" err="1" smtClean="0">
                 <a:solidFill>
                   <a:schemeClr val="tx1">
                     <a:lumMod val="65000"/>
@@ -6203,10 +6203,10 @@
                 </a:solidFill>
                 <a:latin typeface="Exo 2.0" panose="00000500000000000000" pitchFamily="50" charset="0"/>
               </a:rPr>
-              <a:t> est une application faite pour programmer en langage LOGO.</a:t>
-            </a:r>
-            <a:br>
-              <a:rPr lang="fr-FR" sz="2400" dirty="0">
+              <a:t> </a:t>
+            </a:r>
+            <a:r>
+              <a:rPr lang="fr-FR" sz="2400" dirty="0" smtClean="0">
                 <a:solidFill>
                   <a:schemeClr val="tx1">
                     <a:lumMod val="65000"/>
@@ -6215,7 +6215,42 @@
                 </a:solidFill>
                 <a:latin typeface="Exo 2.0" panose="00000500000000000000" pitchFamily="50" charset="0"/>
               </a:rPr>
+              <a:t>interprète du LOGO</a:t>
+            </a:r>
+            <a:r>
+              <a:rPr lang="fr-FR" sz="2400" dirty="0">
+                <a:solidFill>
+                  <a:schemeClr val="tx1">
+                    <a:lumMod val="65000"/>
+                    <a:lumOff val="35000"/>
+                  </a:schemeClr>
+                </a:solidFill>
+                <a:latin typeface="Exo 2.0" panose="00000500000000000000" pitchFamily="50" charset="0"/>
+              </a:rPr>
+              <a:t/>
+            </a:r>
+            <a:br>
+              <a:rPr lang="fr-FR" sz="2400" dirty="0">
+                <a:solidFill>
+                  <a:schemeClr val="tx1">
+                    <a:lumMod val="65000"/>
+                    <a:lumOff val="35000"/>
+                  </a:schemeClr>
+                </a:solidFill>
+                <a:latin typeface="Exo 2.0" panose="00000500000000000000" pitchFamily="50" charset="0"/>
+              </a:rPr>
             </a:br>
+            <a:endParaRPr lang="fr-FR" sz="2400" dirty="0" smtClean="0">
+              <a:solidFill>
+                <a:schemeClr val="tx1">
+                  <a:lumMod val="65000"/>
+                  <a:lumOff val="35000"/>
+                </a:schemeClr>
+              </a:solidFill>
+              <a:latin typeface="Exo 2.0" panose="00000500000000000000" pitchFamily="50" charset="0"/>
+            </a:endParaRPr>
+          </a:p>
+          <a:p>
             <a:endParaRPr lang="fr-FR" sz="2400" dirty="0">
               <a:solidFill>
                 <a:schemeClr val="tx1">
@@ -6228,7 +6263,7 @@
           </a:p>
           <a:p>
             <a:r>
-              <a:rPr lang="fr-FR" sz="2400" dirty="0">
+              <a:rPr lang="fr-FR" sz="2400" smtClean="0">
                 <a:solidFill>
                   <a:schemeClr val="tx1">
                     <a:lumMod val="65000"/>
@@ -6237,7 +6272,55 @@
                 </a:solidFill>
                 <a:latin typeface="Exo 2.0" panose="00000500000000000000" pitchFamily="50" charset="0"/>
               </a:rPr>
-              <a:t>Le jeu est programmé avec le langage JAVA et la bibliothèque </a:t>
+              <a:t>Utilisation </a:t>
+            </a:r>
+            <a:r>
+              <a:rPr lang="fr-FR" sz="2400" dirty="0" smtClean="0">
+                <a:solidFill>
+                  <a:schemeClr val="tx1">
+                    <a:lumMod val="65000"/>
+                    <a:lumOff val="35000"/>
+                  </a:schemeClr>
+                </a:solidFill>
+                <a:latin typeface="Exo 2.0" panose="00000500000000000000" pitchFamily="50" charset="0"/>
+              </a:rPr>
+              <a:t>de JAVA </a:t>
+            </a:r>
+            <a:r>
+              <a:rPr lang="fr-FR" sz="2400" dirty="0">
+                <a:solidFill>
+                  <a:schemeClr val="tx1">
+                    <a:lumMod val="65000"/>
+                    <a:lumOff val="35000"/>
+                  </a:schemeClr>
+                </a:solidFill>
+                <a:latin typeface="Exo 2.0" panose="00000500000000000000" pitchFamily="50" charset="0"/>
+              </a:rPr>
+              <a:t>et </a:t>
+            </a:r>
+            <a:r>
+              <a:rPr lang="fr-FR" sz="2400" dirty="0" smtClean="0">
+                <a:solidFill>
+                  <a:schemeClr val="tx1">
+                    <a:lumMod val="65000"/>
+                    <a:lumOff val="35000"/>
+                  </a:schemeClr>
+                </a:solidFill>
+                <a:latin typeface="Exo 2.0" panose="00000500000000000000" pitchFamily="50" charset="0"/>
+              </a:rPr>
+              <a:t>de la </a:t>
+            </a:r>
+            <a:r>
+              <a:rPr lang="fr-FR" sz="2400" dirty="0">
+                <a:solidFill>
+                  <a:schemeClr val="tx1">
+                    <a:lumMod val="65000"/>
+                    <a:lumOff val="35000"/>
+                  </a:schemeClr>
+                </a:solidFill>
+                <a:latin typeface="Exo 2.0" panose="00000500000000000000" pitchFamily="50" charset="0"/>
+              </a:rPr>
+              <a:t>bibliothèque </a:t>
             </a:r>
             <a:r>
               <a:rPr lang="fr-FR" sz="2400" dirty="0" err="1">
@@ -6274,20 +6357,6 @@
               </a:solidFill>
               <a:latin typeface="Exo 2.0" panose="00000500000000000000" pitchFamily="50" charset="0"/>
             </a:endParaRPr>
-          </a:p>
-          <a:p>
-            <a:endParaRPr lang="fr-FR" sz="2400" dirty="0">
-              <a:solidFill>
-                <a:schemeClr val="tx1">
-                  <a:lumMod val="65000"/>
-                  <a:lumOff val="35000"/>
-                </a:schemeClr>
-              </a:solidFill>
-              <a:latin typeface="Exo 2.0" panose="00000500000000000000" pitchFamily="50" charset="0"/>
-            </a:endParaRPr>
-          </a:p>
-          <a:p>
-            <a:endParaRPr lang="fr-FR" dirty="0"/>
           </a:p>
         </p:txBody>
       </p:sp>
@@ -8294,21 +8363,21 @@
                 <a:gridCol w="369328">
                   <a:extLst>
                     <a:ext uri="{9D8B030D-6E8A-4147-A177-3AD203B41FA5}">
-                      <a16:colId xmlns:a16="http://schemas.microsoft.com/office/drawing/2014/main" xmlns="" val="1734895218"/>
+                      <a16:colId xmlns="" xmlns:a16="http://schemas.microsoft.com/office/drawing/2014/main" val="1734895218"/>
                     </a:ext>
                   </a:extLst>
                 </a:gridCol>
                 <a:gridCol w="5835236">
                   <a:extLst>
                     <a:ext uri="{9D8B030D-6E8A-4147-A177-3AD203B41FA5}">
-                      <a16:colId xmlns:a16="http://schemas.microsoft.com/office/drawing/2014/main" xmlns="" val="908248774"/>
+                      <a16:colId xmlns="" xmlns:a16="http://schemas.microsoft.com/office/drawing/2014/main" val="908248774"/>
                     </a:ext>
                   </a:extLst>
                 </a:gridCol>
                 <a:gridCol w="1923436">
                   <a:extLst>
                     <a:ext uri="{9D8B030D-6E8A-4147-A177-3AD203B41FA5}">
-                      <a16:colId xmlns:a16="http://schemas.microsoft.com/office/drawing/2014/main" xmlns="" val="2529677039"/>
+                      <a16:colId xmlns="" xmlns:a16="http://schemas.microsoft.com/office/drawing/2014/main" val="2529677039"/>
                     </a:ext>
                   </a:extLst>
                 </a:gridCol>
@@ -8399,7 +8468,7 @@
                 </a:tc>
                 <a:extLst>
                   <a:ext uri="{0D108BD9-81ED-4DB2-BD59-A6C34878D82A}">
-                    <a16:rowId xmlns:a16="http://schemas.microsoft.com/office/drawing/2014/main" xmlns="" val="744536208"/>
+                    <a16:rowId xmlns="" xmlns:a16="http://schemas.microsoft.com/office/drawing/2014/main" val="744536208"/>
                   </a:ext>
                 </a:extLst>
               </a:tr>
@@ -8492,7 +8561,7 @@
                 </a:tc>
                 <a:extLst>
                   <a:ext uri="{0D108BD9-81ED-4DB2-BD59-A6C34878D82A}">
-                    <a16:rowId xmlns:a16="http://schemas.microsoft.com/office/drawing/2014/main" xmlns="" val="2523755799"/>
+                    <a16:rowId xmlns="" xmlns:a16="http://schemas.microsoft.com/office/drawing/2014/main" val="2523755799"/>
                   </a:ext>
                 </a:extLst>
               </a:tr>
@@ -8595,7 +8664,7 @@
                 </a:tc>
                 <a:extLst>
                   <a:ext uri="{0D108BD9-81ED-4DB2-BD59-A6C34878D82A}">
-                    <a16:rowId xmlns:a16="http://schemas.microsoft.com/office/drawing/2014/main" xmlns="" val="1214565585"/>
+                    <a16:rowId xmlns="" xmlns:a16="http://schemas.microsoft.com/office/drawing/2014/main" val="1214565585"/>
                   </a:ext>
                 </a:extLst>
               </a:tr>
@@ -8755,7 +8824,7 @@
                 </a:tc>
                 <a:extLst>
                   <a:ext uri="{0D108BD9-81ED-4DB2-BD59-A6C34878D82A}">
-                    <a16:rowId xmlns:a16="http://schemas.microsoft.com/office/drawing/2014/main" xmlns="" val="1826921360"/>
+                    <a16:rowId xmlns="" xmlns:a16="http://schemas.microsoft.com/office/drawing/2014/main" val="1826921360"/>
                   </a:ext>
                 </a:extLst>
               </a:tr>
@@ -8917,7 +8986,7 @@
                 </a:tc>
                 <a:extLst>
                   <a:ext uri="{0D108BD9-81ED-4DB2-BD59-A6C34878D82A}">
-                    <a16:rowId xmlns:a16="http://schemas.microsoft.com/office/drawing/2014/main" xmlns="" val="2932840409"/>
+                    <a16:rowId xmlns="" xmlns:a16="http://schemas.microsoft.com/office/drawing/2014/main" val="2932840409"/>
                   </a:ext>
                 </a:extLst>
               </a:tr>
@@ -9077,7 +9146,7 @@
                 </a:tc>
                 <a:extLst>
                   <a:ext uri="{0D108BD9-81ED-4DB2-BD59-A6C34878D82A}">
-                    <a16:rowId xmlns:a16="http://schemas.microsoft.com/office/drawing/2014/main" xmlns="" val="3736278046"/>
+                    <a16:rowId xmlns="" xmlns:a16="http://schemas.microsoft.com/office/drawing/2014/main" val="3736278046"/>
                   </a:ext>
                 </a:extLst>
               </a:tr>
@@ -9227,7 +9296,7 @@
                 </a:tc>
                 <a:extLst>
                   <a:ext uri="{0D108BD9-81ED-4DB2-BD59-A6C34878D82A}">
-                    <a16:rowId xmlns:a16="http://schemas.microsoft.com/office/drawing/2014/main" xmlns="" val="2493942223"/>
+                    <a16:rowId xmlns="" xmlns:a16="http://schemas.microsoft.com/office/drawing/2014/main" val="2493942223"/>
                   </a:ext>
                 </a:extLst>
               </a:tr>
@@ -9406,7 +9475,7 @@
                 </a:tc>
                 <a:extLst>
                   <a:ext uri="{0D108BD9-81ED-4DB2-BD59-A6C34878D82A}">
-                    <a16:rowId xmlns:a16="http://schemas.microsoft.com/office/drawing/2014/main" xmlns="" val="3752774149"/>
+                    <a16:rowId xmlns="" xmlns:a16="http://schemas.microsoft.com/office/drawing/2014/main" val="3752774149"/>
                   </a:ext>
                 </a:extLst>
               </a:tr>
@@ -9573,7 +9642,7 @@
                 </a:tc>
                 <a:extLst>
                   <a:ext uri="{0D108BD9-81ED-4DB2-BD59-A6C34878D82A}">
-                    <a16:rowId xmlns:a16="http://schemas.microsoft.com/office/drawing/2014/main" xmlns="" val="3767000208"/>
+                    <a16:rowId xmlns="" xmlns:a16="http://schemas.microsoft.com/office/drawing/2014/main" val="3767000208"/>
                   </a:ext>
                 </a:extLst>
               </a:tr>

--- a/Suplogo.pptx
+++ b/Suplogo.pptx
@@ -5820,9 +5820,14 @@
   <p:clrMapOvr>
     <a:masterClrMapping/>
   </p:clrMapOvr>
-  <p:transition spd="slow">
-    <p:push dir="u"/>
-  </p:transition>
+  <mc:AlternateContent xmlns:mc="http://schemas.openxmlformats.org/markup-compatibility/2006">
+    <mc:Choice xmlns:p14="http://schemas.microsoft.com/office/powerpoint/2010/main" Requires="p14">
+      <p:transition p14:dur="0"/>
+    </mc:Choice>
+    <mc:Fallback>
+      <p:transition/>
+    </mc:Fallback>
+  </mc:AlternateContent>
 </p:sld>
 </file>
 
@@ -8363,21 +8368,21 @@
                 <a:gridCol w="369328">
                   <a:extLst>
                     <a:ext uri="{9D8B030D-6E8A-4147-A177-3AD203B41FA5}">
-                      <a16:colId xmlns="" xmlns:a16="http://schemas.microsoft.com/office/drawing/2014/main" val="1734895218"/>
+                      <a16:colId xmlns:a16="http://schemas.microsoft.com/office/drawing/2014/main" xmlns="" val="1734895218"/>
                     </a:ext>
                   </a:extLst>
                 </a:gridCol>
                 <a:gridCol w="5835236">
                   <a:extLst>
                     <a:ext uri="{9D8B030D-6E8A-4147-A177-3AD203B41FA5}">
-                      <a16:colId xmlns="" xmlns:a16="http://schemas.microsoft.com/office/drawing/2014/main" val="908248774"/>
+                      <a16:colId xmlns:a16="http://schemas.microsoft.com/office/drawing/2014/main" xmlns="" val="908248774"/>
                     </a:ext>
                   </a:extLst>
                 </a:gridCol>
                 <a:gridCol w="1923436">
                   <a:extLst>
                     <a:ext uri="{9D8B030D-6E8A-4147-A177-3AD203B41FA5}">
-                      <a16:colId xmlns="" xmlns:a16="http://schemas.microsoft.com/office/drawing/2014/main" val="2529677039"/>
+                      <a16:colId xmlns:a16="http://schemas.microsoft.com/office/drawing/2014/main" xmlns="" val="2529677039"/>
                     </a:ext>
                   </a:extLst>
                 </a:gridCol>
@@ -8468,7 +8473,7 @@
                 </a:tc>
                 <a:extLst>
                   <a:ext uri="{0D108BD9-81ED-4DB2-BD59-A6C34878D82A}">
-                    <a16:rowId xmlns="" xmlns:a16="http://schemas.microsoft.com/office/drawing/2014/main" val="744536208"/>
+                    <a16:rowId xmlns:a16="http://schemas.microsoft.com/office/drawing/2014/main" xmlns="" val="744536208"/>
                   </a:ext>
                 </a:extLst>
               </a:tr>
@@ -8561,7 +8566,7 @@
                 </a:tc>
                 <a:extLst>
                   <a:ext uri="{0D108BD9-81ED-4DB2-BD59-A6C34878D82A}">
-                    <a16:rowId xmlns="" xmlns:a16="http://schemas.microsoft.com/office/drawing/2014/main" val="2523755799"/>
+                    <a16:rowId xmlns:a16="http://schemas.microsoft.com/office/drawing/2014/main" xmlns="" val="2523755799"/>
                   </a:ext>
                 </a:extLst>
               </a:tr>
@@ -8664,7 +8669,7 @@
                 </a:tc>
                 <a:extLst>
                   <a:ext uri="{0D108BD9-81ED-4DB2-BD59-A6C34878D82A}">
-                    <a16:rowId xmlns="" xmlns:a16="http://schemas.microsoft.com/office/drawing/2014/main" val="1214565585"/>
+                    <a16:rowId xmlns:a16="http://schemas.microsoft.com/office/drawing/2014/main" xmlns="" val="1214565585"/>
                   </a:ext>
                 </a:extLst>
               </a:tr>
@@ -8824,7 +8829,7 @@
                 </a:tc>
                 <a:extLst>
                   <a:ext uri="{0D108BD9-81ED-4DB2-BD59-A6C34878D82A}">
-                    <a16:rowId xmlns="" xmlns:a16="http://schemas.microsoft.com/office/drawing/2014/main" val="1826921360"/>
+                    <a16:rowId xmlns:a16="http://schemas.microsoft.com/office/drawing/2014/main" xmlns="" val="1826921360"/>
                   </a:ext>
                 </a:extLst>
               </a:tr>
@@ -8986,7 +8991,7 @@
                 </a:tc>
                 <a:extLst>
                   <a:ext uri="{0D108BD9-81ED-4DB2-BD59-A6C34878D82A}">
-                    <a16:rowId xmlns="" xmlns:a16="http://schemas.microsoft.com/office/drawing/2014/main" val="2932840409"/>
+                    <a16:rowId xmlns:a16="http://schemas.microsoft.com/office/drawing/2014/main" xmlns="" val="2932840409"/>
                   </a:ext>
                 </a:extLst>
               </a:tr>
@@ -9146,7 +9151,7 @@
                 </a:tc>
                 <a:extLst>
                   <a:ext uri="{0D108BD9-81ED-4DB2-BD59-A6C34878D82A}">
-                    <a16:rowId xmlns="" xmlns:a16="http://schemas.microsoft.com/office/drawing/2014/main" val="3736278046"/>
+                    <a16:rowId xmlns:a16="http://schemas.microsoft.com/office/drawing/2014/main" xmlns="" val="3736278046"/>
                   </a:ext>
                 </a:extLst>
               </a:tr>
@@ -9296,7 +9301,7 @@
                 </a:tc>
                 <a:extLst>
                   <a:ext uri="{0D108BD9-81ED-4DB2-BD59-A6C34878D82A}">
-                    <a16:rowId xmlns="" xmlns:a16="http://schemas.microsoft.com/office/drawing/2014/main" val="2493942223"/>
+                    <a16:rowId xmlns:a16="http://schemas.microsoft.com/office/drawing/2014/main" xmlns="" val="2493942223"/>
                   </a:ext>
                 </a:extLst>
               </a:tr>
@@ -9475,7 +9480,7 @@
                 </a:tc>
                 <a:extLst>
                   <a:ext uri="{0D108BD9-81ED-4DB2-BD59-A6C34878D82A}">
-                    <a16:rowId xmlns="" xmlns:a16="http://schemas.microsoft.com/office/drawing/2014/main" val="3752774149"/>
+                    <a16:rowId xmlns:a16="http://schemas.microsoft.com/office/drawing/2014/main" xmlns="" val="3752774149"/>
                   </a:ext>
                 </a:extLst>
               </a:tr>
@@ -9642,7 +9647,7 @@
                 </a:tc>
                 <a:extLst>
                   <a:ext uri="{0D108BD9-81ED-4DB2-BD59-A6C34878D82A}">
-                    <a16:rowId xmlns="" xmlns:a16="http://schemas.microsoft.com/office/drawing/2014/main" val="3767000208"/>
+                    <a16:rowId xmlns:a16="http://schemas.microsoft.com/office/drawing/2014/main" xmlns="" val="3767000208"/>
                   </a:ext>
                 </a:extLst>
               </a:tr>
